--- a/com.yrtech.bentleyAPI/com.yrtech.InventoryAPI/template/PlanOnLine.pptx
+++ b/com.yrtech.bentleyAPI/com.yrtech.InventoryAPI/template/PlanOnLine.pptx
@@ -117,7 +117,7 @@
   </p:defaultTextStyle>
   <p:extLst>
     <p:ext uri="{EFAFB233-063F-42B5-8137-9DF3F51BA10A}">
-      <p15:sldGuideLst xmlns:p15="http://schemas.microsoft.com/office/powerpoint/2012/main">
+      <p15:sldGuideLst xmlns:p15="http://schemas.microsoft.com/office/powerpoint/2012/main" xmlns="">
         <p15:guide id="1" pos="7310" userDrawn="1">
           <p15:clr>
             <a:srgbClr val="A4A3A4"/>
@@ -221,7 +221,7 @@
           <a:p>
             <a:fld id="{69A4D669-94F9-4D70-8C76-4C2D35D4E5D0}" type="datetimeFigureOut">
               <a:rPr lang="en-US" smtClean="0"/>
-              <a:t>3/30/2022</a:t>
+              <a:t>4/2/2022</a:t>
             </a:fld>
             <a:endParaRPr lang="en-US"/>
           </a:p>
@@ -761,7 +761,7 @@
           <a:graphicData uri="http://schemas.openxmlformats.org/presentationml/2006/ole">
             <mc:AlternateContent xmlns:mc="http://schemas.openxmlformats.org/markup-compatibility/2006">
               <mc:Choice xmlns:v="urn:schemas-microsoft-com:vml" Requires="v">
-                <p:oleObj spid="_x0000_s32798" name="think-cell Slide" r:id="rId5" imgW="216" imgH="216" progId="TCLayout.ActiveDocument.1">
+                <p:oleObj spid="_x0000_s32805" name="think-cell Slide" r:id="rId5" imgW="216" imgH="216" progId="TCLayout.ActiveDocument.1">
                   <p:embed/>
                 </p:oleObj>
               </mc:Choice>
@@ -958,7 +958,7 @@
           <p:cNvPr id="4" name="Footer Placeholder 3">
             <a:extLst>
               <a:ext uri="{FF2B5EF4-FFF2-40B4-BE49-F238E27FC236}">
-                <a16:creationId xmlns:a16="http://schemas.microsoft.com/office/drawing/2014/main" id="{17D6DE4C-D976-4B4B-B087-C035EF8D4F6F}"/>
+                <a16:creationId xmlns:a16="http://schemas.microsoft.com/office/drawing/2014/main" xmlns="" id="{17D6DE4C-D976-4B4B-B087-C035EF8D4F6F}"/>
               </a:ext>
             </a:extLst>
           </p:cNvPr>
@@ -1017,7 +1017,7 @@
           <p:cNvPr id="13" name="Straight Connector 12">
             <a:extLst>
               <a:ext uri="{FF2B5EF4-FFF2-40B4-BE49-F238E27FC236}">
-                <a16:creationId xmlns:a16="http://schemas.microsoft.com/office/drawing/2014/main" id="{95C486A1-9876-924E-85C2-906892F8B9AC}"/>
+                <a16:creationId xmlns:a16="http://schemas.microsoft.com/office/drawing/2014/main" xmlns="" id="{95C486A1-9876-924E-85C2-906892F8B9AC}"/>
               </a:ext>
             </a:extLst>
           </p:cNvPr>
@@ -1060,7 +1060,7 @@
           <p:cNvPr id="17" name="Slide Number Placeholder 5">
             <a:extLst>
               <a:ext uri="{FF2B5EF4-FFF2-40B4-BE49-F238E27FC236}">
-                <a16:creationId xmlns:a16="http://schemas.microsoft.com/office/drawing/2014/main" id="{CC67CD5C-67EC-5144-B858-5347C50D1ACD}"/>
+                <a16:creationId xmlns:a16="http://schemas.microsoft.com/office/drawing/2014/main" xmlns="" id="{CC67CD5C-67EC-5144-B858-5347C50D1ACD}"/>
               </a:ext>
             </a:extLst>
           </p:cNvPr>
@@ -1112,7 +1112,7 @@
           <p:cNvPr id="8" name="Title 7">
             <a:extLst>
               <a:ext uri="{FF2B5EF4-FFF2-40B4-BE49-F238E27FC236}">
-                <a16:creationId xmlns:a16="http://schemas.microsoft.com/office/drawing/2014/main" id="{8A6F1540-D306-D44E-B1B3-1ACCF1041F70}"/>
+                <a16:creationId xmlns:a16="http://schemas.microsoft.com/office/drawing/2014/main" xmlns="" id="{8A6F1540-D306-D44E-B1B3-1ACCF1041F70}"/>
               </a:ext>
             </a:extLst>
           </p:cNvPr>
@@ -1519,7 +1519,7 @@
           <a:graphicData uri="http://schemas.openxmlformats.org/presentationml/2006/ole">
             <mc:AlternateContent xmlns:mc="http://schemas.openxmlformats.org/markup-compatibility/2006">
               <mc:Choice xmlns:v="urn:schemas-microsoft-com:vml" Requires="v">
-                <p:oleObj spid="_x0000_s33822" name="think-cell Slide" r:id="rId4" imgW="216" imgH="216" progId="TCLayout.ActiveDocument.1">
+                <p:oleObj spid="_x0000_s33829" name="think-cell Slide" r:id="rId4" imgW="216" imgH="216" progId="TCLayout.ActiveDocument.1">
                   <p:embed/>
                 </p:oleObj>
               </mc:Choice>
@@ -1645,7 +1645,7 @@
           <p:cNvPr id="8" name="Title 7">
             <a:extLst>
               <a:ext uri="{FF2B5EF4-FFF2-40B4-BE49-F238E27FC236}">
-                <a16:creationId xmlns:a16="http://schemas.microsoft.com/office/drawing/2014/main" id="{8A6F1540-D306-D44E-B1B3-1ACCF1041F70}"/>
+                <a16:creationId xmlns:a16="http://schemas.microsoft.com/office/drawing/2014/main" xmlns="" id="{8A6F1540-D306-D44E-B1B3-1ACCF1041F70}"/>
               </a:ext>
             </a:extLst>
           </p:cNvPr>
@@ -1681,7 +1681,7 @@
           <p:cNvPr id="9" name="Content Placeholder 2">
             <a:extLst>
               <a:ext uri="{FF2B5EF4-FFF2-40B4-BE49-F238E27FC236}">
-                <a16:creationId xmlns:a16="http://schemas.microsoft.com/office/drawing/2014/main" id="{0A7C1352-3D49-F849-9BC3-BC0AF9CD8F04}"/>
+                <a16:creationId xmlns:a16="http://schemas.microsoft.com/office/drawing/2014/main" xmlns="" id="{0A7C1352-3D49-F849-9BC3-BC0AF9CD8F04}"/>
               </a:ext>
             </a:extLst>
           </p:cNvPr>
@@ -1773,7 +1773,7 @@
           <p:cNvPr id="10" name="Content Placeholder 2">
             <a:extLst>
               <a:ext uri="{FF2B5EF4-FFF2-40B4-BE49-F238E27FC236}">
-                <a16:creationId xmlns:a16="http://schemas.microsoft.com/office/drawing/2014/main" id="{D1AA7CFB-7669-2648-A3E1-E647E531399E}"/>
+                <a16:creationId xmlns:a16="http://schemas.microsoft.com/office/drawing/2014/main" xmlns="" id="{D1AA7CFB-7669-2648-A3E1-E647E531399E}"/>
               </a:ext>
             </a:extLst>
           </p:cNvPr>
@@ -1865,7 +1865,7 @@
           <p:cNvPr id="11" name="Content Placeholder 2">
             <a:extLst>
               <a:ext uri="{FF2B5EF4-FFF2-40B4-BE49-F238E27FC236}">
-                <a16:creationId xmlns:a16="http://schemas.microsoft.com/office/drawing/2014/main" id="{2E4B4082-D988-5D43-9C32-2C7F747717ED}"/>
+                <a16:creationId xmlns:a16="http://schemas.microsoft.com/office/drawing/2014/main" xmlns="" id="{2E4B4082-D988-5D43-9C32-2C7F747717ED}"/>
               </a:ext>
             </a:extLst>
           </p:cNvPr>
@@ -1957,7 +1957,7 @@
           <p:cNvPr id="12" name="Content Placeholder 2">
             <a:extLst>
               <a:ext uri="{FF2B5EF4-FFF2-40B4-BE49-F238E27FC236}">
-                <a16:creationId xmlns:a16="http://schemas.microsoft.com/office/drawing/2014/main" id="{45B8DE4D-1F9B-7341-8CB2-D70634815B55}"/>
+                <a16:creationId xmlns:a16="http://schemas.microsoft.com/office/drawing/2014/main" xmlns="" id="{45B8DE4D-1F9B-7341-8CB2-D70634815B55}"/>
               </a:ext>
             </a:extLst>
           </p:cNvPr>
@@ -2049,7 +2049,7 @@
           <p:cNvPr id="14" name="Footer Placeholder 3">
             <a:extLst>
               <a:ext uri="{FF2B5EF4-FFF2-40B4-BE49-F238E27FC236}">
-                <a16:creationId xmlns:a16="http://schemas.microsoft.com/office/drawing/2014/main" id="{DBA440F4-82E0-7E45-8A6F-4A8C7572AEE5}"/>
+                <a16:creationId xmlns:a16="http://schemas.microsoft.com/office/drawing/2014/main" xmlns="" id="{DBA440F4-82E0-7E45-8A6F-4A8C7572AEE5}"/>
               </a:ext>
             </a:extLst>
           </p:cNvPr>
@@ -2108,7 +2108,7 @@
           <p:cNvPr id="15" name="Slide Number Placeholder 5">
             <a:extLst>
               <a:ext uri="{FF2B5EF4-FFF2-40B4-BE49-F238E27FC236}">
-                <a16:creationId xmlns:a16="http://schemas.microsoft.com/office/drawing/2014/main" id="{CC67CD5C-67EC-5144-B858-5347C50D1ACD}"/>
+                <a16:creationId xmlns:a16="http://schemas.microsoft.com/office/drawing/2014/main" xmlns="" id="{CC67CD5C-67EC-5144-B858-5347C50D1ACD}"/>
               </a:ext>
             </a:extLst>
           </p:cNvPr>
@@ -2160,7 +2160,7 @@
           <p:cNvPr id="16" name="Straight Connector 15">
             <a:extLst>
               <a:ext uri="{FF2B5EF4-FFF2-40B4-BE49-F238E27FC236}">
-                <a16:creationId xmlns:a16="http://schemas.microsoft.com/office/drawing/2014/main" id="{95C486A1-9876-924E-85C2-906892F8B9AC}"/>
+                <a16:creationId xmlns:a16="http://schemas.microsoft.com/office/drawing/2014/main" xmlns="" id="{95C486A1-9876-924E-85C2-906892F8B9AC}"/>
               </a:ext>
             </a:extLst>
           </p:cNvPr>
@@ -2256,7 +2256,7 @@
           <a:graphicData uri="http://schemas.openxmlformats.org/presentationml/2006/ole">
             <mc:AlternateContent xmlns:mc="http://schemas.openxmlformats.org/markup-compatibility/2006">
               <mc:Choice xmlns:v="urn:schemas-microsoft-com:vml" Requires="v">
-                <p:oleObj spid="_x0000_s34846" name="think-cell Slide" r:id="rId4" imgW="216" imgH="216" progId="TCLayout.ActiveDocument.1">
+                <p:oleObj spid="_x0000_s34853" name="think-cell Slide" r:id="rId4" imgW="216" imgH="216" progId="TCLayout.ActiveDocument.1">
                   <p:embed/>
                 </p:oleObj>
               </mc:Choice>
@@ -2296,7 +2296,7 @@
           <p:cNvPr id="8" name="Title 7">
             <a:extLst>
               <a:ext uri="{FF2B5EF4-FFF2-40B4-BE49-F238E27FC236}">
-                <a16:creationId xmlns:a16="http://schemas.microsoft.com/office/drawing/2014/main" id="{8A6F1540-D306-D44E-B1B3-1ACCF1041F70}"/>
+                <a16:creationId xmlns:a16="http://schemas.microsoft.com/office/drawing/2014/main" xmlns="" id="{8A6F1540-D306-D44E-B1B3-1ACCF1041F70}"/>
               </a:ext>
             </a:extLst>
           </p:cNvPr>
@@ -3092,7 +3092,7 @@
           <p:cNvPr id="37" name="Footer Placeholder 3">
             <a:extLst>
               <a:ext uri="{FF2B5EF4-FFF2-40B4-BE49-F238E27FC236}">
-                <a16:creationId xmlns:a16="http://schemas.microsoft.com/office/drawing/2014/main" id="{DBA440F4-82E0-7E45-8A6F-4A8C7572AEE5}"/>
+                <a16:creationId xmlns:a16="http://schemas.microsoft.com/office/drawing/2014/main" xmlns="" id="{DBA440F4-82E0-7E45-8A6F-4A8C7572AEE5}"/>
               </a:ext>
             </a:extLst>
           </p:cNvPr>
@@ -3151,7 +3151,7 @@
           <p:cNvPr id="38" name="Slide Number Placeholder 5">
             <a:extLst>
               <a:ext uri="{FF2B5EF4-FFF2-40B4-BE49-F238E27FC236}">
-                <a16:creationId xmlns:a16="http://schemas.microsoft.com/office/drawing/2014/main" id="{CC67CD5C-67EC-5144-B858-5347C50D1ACD}"/>
+                <a16:creationId xmlns:a16="http://schemas.microsoft.com/office/drawing/2014/main" xmlns="" id="{CC67CD5C-67EC-5144-B858-5347C50D1ACD}"/>
               </a:ext>
             </a:extLst>
           </p:cNvPr>
@@ -3203,7 +3203,7 @@
           <p:cNvPr id="39" name="Straight Connector 38">
             <a:extLst>
               <a:ext uri="{FF2B5EF4-FFF2-40B4-BE49-F238E27FC236}">
-                <a16:creationId xmlns:a16="http://schemas.microsoft.com/office/drawing/2014/main" id="{95C486A1-9876-924E-85C2-906892F8B9AC}"/>
+                <a16:creationId xmlns:a16="http://schemas.microsoft.com/office/drawing/2014/main" xmlns="" id="{95C486A1-9876-924E-85C2-906892F8B9AC}"/>
               </a:ext>
             </a:extLst>
           </p:cNvPr>
@@ -3304,7 +3304,7 @@
           <a:graphicData uri="http://schemas.openxmlformats.org/presentationml/2006/ole">
             <mc:AlternateContent xmlns:mc="http://schemas.openxmlformats.org/markup-compatibility/2006">
               <mc:Choice xmlns:v="urn:schemas-microsoft-com:vml" Requires="v">
-                <p:oleObj spid="_x0000_s35870" name="think-cell Slide" r:id="rId5" imgW="216" imgH="216" progId="TCLayout.ActiveDocument.1">
+                <p:oleObj spid="_x0000_s35877" name="think-cell Slide" r:id="rId5" imgW="216" imgH="216" progId="TCLayout.ActiveDocument.1">
                   <p:embed/>
                 </p:oleObj>
               </mc:Choice>
@@ -3521,7 +3521,7 @@
           <p:cNvPr id="4" name="Footer Placeholder 3">
             <a:extLst>
               <a:ext uri="{FF2B5EF4-FFF2-40B4-BE49-F238E27FC236}">
-                <a16:creationId xmlns:a16="http://schemas.microsoft.com/office/drawing/2014/main" id="{17D6DE4C-D976-4B4B-B087-C035EF8D4F6F}"/>
+                <a16:creationId xmlns:a16="http://schemas.microsoft.com/office/drawing/2014/main" xmlns="" id="{17D6DE4C-D976-4B4B-B087-C035EF8D4F6F}"/>
               </a:ext>
             </a:extLst>
           </p:cNvPr>
@@ -3580,7 +3580,7 @@
           <p:cNvPr id="17" name="Slide Number Placeholder 5">
             <a:extLst>
               <a:ext uri="{FF2B5EF4-FFF2-40B4-BE49-F238E27FC236}">
-                <a16:creationId xmlns:a16="http://schemas.microsoft.com/office/drawing/2014/main" id="{CC67CD5C-67EC-5144-B858-5347C50D1ACD}"/>
+                <a16:creationId xmlns:a16="http://schemas.microsoft.com/office/drawing/2014/main" xmlns="" id="{CC67CD5C-67EC-5144-B858-5347C50D1ACD}"/>
               </a:ext>
             </a:extLst>
           </p:cNvPr>
@@ -3632,7 +3632,7 @@
           <p:cNvPr id="8" name="Title 7">
             <a:extLst>
               <a:ext uri="{FF2B5EF4-FFF2-40B4-BE49-F238E27FC236}">
-                <a16:creationId xmlns:a16="http://schemas.microsoft.com/office/drawing/2014/main" id="{8A6F1540-D306-D44E-B1B3-1ACCF1041F70}"/>
+                <a16:creationId xmlns:a16="http://schemas.microsoft.com/office/drawing/2014/main" xmlns="" id="{8A6F1540-D306-D44E-B1B3-1ACCF1041F70}"/>
               </a:ext>
             </a:extLst>
           </p:cNvPr>
@@ -3676,7 +3676,7 @@
           <p:cNvPr id="9" name="Straight Connector 8">
             <a:extLst>
               <a:ext uri="{FF2B5EF4-FFF2-40B4-BE49-F238E27FC236}">
-                <a16:creationId xmlns:a16="http://schemas.microsoft.com/office/drawing/2014/main" id="{BB1AA2BE-B537-254D-958A-FBAFDE7E90DC}"/>
+                <a16:creationId xmlns:a16="http://schemas.microsoft.com/office/drawing/2014/main" xmlns="" id="{BB1AA2BE-B537-254D-958A-FBAFDE7E90DC}"/>
               </a:ext>
             </a:extLst>
           </p:cNvPr>
@@ -3719,7 +3719,7 @@
           <p:cNvPr id="10" name="Straight Connector 9">
             <a:extLst>
               <a:ext uri="{FF2B5EF4-FFF2-40B4-BE49-F238E27FC236}">
-                <a16:creationId xmlns:a16="http://schemas.microsoft.com/office/drawing/2014/main" id="{95C486A1-9876-924E-85C2-906892F8B9AC}"/>
+                <a16:creationId xmlns:a16="http://schemas.microsoft.com/office/drawing/2014/main" xmlns="" id="{95C486A1-9876-924E-85C2-906892F8B9AC}"/>
               </a:ext>
             </a:extLst>
           </p:cNvPr>
@@ -4096,7 +4096,7 @@
           <a:graphicData uri="http://schemas.openxmlformats.org/presentationml/2006/ole">
             <mc:AlternateContent xmlns:mc="http://schemas.openxmlformats.org/markup-compatibility/2006">
               <mc:Choice xmlns:v="urn:schemas-microsoft-com:vml" Requires="v">
-                <p:oleObj spid="_x0000_s37918" name="think-cell Slide" r:id="rId5" imgW="216" imgH="216" progId="TCLayout.ActiveDocument.1">
+                <p:oleObj spid="_x0000_s37925" name="think-cell Slide" r:id="rId5" imgW="216" imgH="216" progId="TCLayout.ActiveDocument.1">
                   <p:embed/>
                 </p:oleObj>
               </mc:Choice>
@@ -4293,7 +4293,7 @@
           <p:cNvPr id="4" name="Footer Placeholder 3">
             <a:extLst>
               <a:ext uri="{FF2B5EF4-FFF2-40B4-BE49-F238E27FC236}">
-                <a16:creationId xmlns:a16="http://schemas.microsoft.com/office/drawing/2014/main" id="{17D6DE4C-D976-4B4B-B087-C035EF8D4F6F}"/>
+                <a16:creationId xmlns:a16="http://schemas.microsoft.com/office/drawing/2014/main" xmlns="" id="{17D6DE4C-D976-4B4B-B087-C035EF8D4F6F}"/>
               </a:ext>
             </a:extLst>
           </p:cNvPr>
@@ -4352,7 +4352,7 @@
           <p:cNvPr id="13" name="Straight Connector 12">
             <a:extLst>
               <a:ext uri="{FF2B5EF4-FFF2-40B4-BE49-F238E27FC236}">
-                <a16:creationId xmlns:a16="http://schemas.microsoft.com/office/drawing/2014/main" id="{95C486A1-9876-924E-85C2-906892F8B9AC}"/>
+                <a16:creationId xmlns:a16="http://schemas.microsoft.com/office/drawing/2014/main" xmlns="" id="{95C486A1-9876-924E-85C2-906892F8B9AC}"/>
               </a:ext>
             </a:extLst>
           </p:cNvPr>
@@ -4395,7 +4395,7 @@
           <p:cNvPr id="17" name="Slide Number Placeholder 5">
             <a:extLst>
               <a:ext uri="{FF2B5EF4-FFF2-40B4-BE49-F238E27FC236}">
-                <a16:creationId xmlns:a16="http://schemas.microsoft.com/office/drawing/2014/main" id="{CC67CD5C-67EC-5144-B858-5347C50D1ACD}"/>
+                <a16:creationId xmlns:a16="http://schemas.microsoft.com/office/drawing/2014/main" xmlns="" id="{CC67CD5C-67EC-5144-B858-5347C50D1ACD}"/>
               </a:ext>
             </a:extLst>
           </p:cNvPr>
@@ -4447,7 +4447,7 @@
           <p:cNvPr id="8" name="Title 7">
             <a:extLst>
               <a:ext uri="{FF2B5EF4-FFF2-40B4-BE49-F238E27FC236}">
-                <a16:creationId xmlns:a16="http://schemas.microsoft.com/office/drawing/2014/main" id="{8A6F1540-D306-D44E-B1B3-1ACCF1041F70}"/>
+                <a16:creationId xmlns:a16="http://schemas.microsoft.com/office/drawing/2014/main" xmlns="" id="{8A6F1540-D306-D44E-B1B3-1ACCF1041F70}"/>
               </a:ext>
             </a:extLst>
           </p:cNvPr>
@@ -4573,7 +4573,7 @@
           <a:graphicData uri="http://schemas.openxmlformats.org/presentationml/2006/ole">
             <mc:AlternateContent xmlns:mc="http://schemas.openxmlformats.org/markup-compatibility/2006">
               <mc:Choice xmlns:v="urn:schemas-microsoft-com:vml" Requires="v">
-                <p:oleObj spid="_x0000_s38942" name="think-cell Slide" r:id="rId4" imgW="216" imgH="216" progId="TCLayout.ActiveDocument.1">
+                <p:oleObj spid="_x0000_s38949" name="think-cell Slide" r:id="rId4" imgW="216" imgH="216" progId="TCLayout.ActiveDocument.1">
                   <p:embed/>
                 </p:oleObj>
               </mc:Choice>
@@ -4699,7 +4699,7 @@
           <p:cNvPr id="8" name="Title 7">
             <a:extLst>
               <a:ext uri="{FF2B5EF4-FFF2-40B4-BE49-F238E27FC236}">
-                <a16:creationId xmlns:a16="http://schemas.microsoft.com/office/drawing/2014/main" id="{8A6F1540-D306-D44E-B1B3-1ACCF1041F70}"/>
+                <a16:creationId xmlns:a16="http://schemas.microsoft.com/office/drawing/2014/main" xmlns="" id="{8A6F1540-D306-D44E-B1B3-1ACCF1041F70}"/>
               </a:ext>
             </a:extLst>
           </p:cNvPr>
@@ -4735,7 +4735,7 @@
           <p:cNvPr id="9" name="Content Placeholder 2">
             <a:extLst>
               <a:ext uri="{FF2B5EF4-FFF2-40B4-BE49-F238E27FC236}">
-                <a16:creationId xmlns:a16="http://schemas.microsoft.com/office/drawing/2014/main" id="{0A7C1352-3D49-F849-9BC3-BC0AF9CD8F04}"/>
+                <a16:creationId xmlns:a16="http://schemas.microsoft.com/office/drawing/2014/main" xmlns="" id="{0A7C1352-3D49-F849-9BC3-BC0AF9CD8F04}"/>
               </a:ext>
             </a:extLst>
           </p:cNvPr>
@@ -4827,7 +4827,7 @@
           <p:cNvPr id="10" name="Content Placeholder 2">
             <a:extLst>
               <a:ext uri="{FF2B5EF4-FFF2-40B4-BE49-F238E27FC236}">
-                <a16:creationId xmlns:a16="http://schemas.microsoft.com/office/drawing/2014/main" id="{D1AA7CFB-7669-2648-A3E1-E647E531399E}"/>
+                <a16:creationId xmlns:a16="http://schemas.microsoft.com/office/drawing/2014/main" xmlns="" id="{D1AA7CFB-7669-2648-A3E1-E647E531399E}"/>
               </a:ext>
             </a:extLst>
           </p:cNvPr>
@@ -4919,7 +4919,7 @@
           <p:cNvPr id="11" name="Content Placeholder 2">
             <a:extLst>
               <a:ext uri="{FF2B5EF4-FFF2-40B4-BE49-F238E27FC236}">
-                <a16:creationId xmlns:a16="http://schemas.microsoft.com/office/drawing/2014/main" id="{2E4B4082-D988-5D43-9C32-2C7F747717ED}"/>
+                <a16:creationId xmlns:a16="http://schemas.microsoft.com/office/drawing/2014/main" xmlns="" id="{2E4B4082-D988-5D43-9C32-2C7F747717ED}"/>
               </a:ext>
             </a:extLst>
           </p:cNvPr>
@@ -5011,7 +5011,7 @@
           <p:cNvPr id="12" name="Content Placeholder 2">
             <a:extLst>
               <a:ext uri="{FF2B5EF4-FFF2-40B4-BE49-F238E27FC236}">
-                <a16:creationId xmlns:a16="http://schemas.microsoft.com/office/drawing/2014/main" id="{45B8DE4D-1F9B-7341-8CB2-D70634815B55}"/>
+                <a16:creationId xmlns:a16="http://schemas.microsoft.com/office/drawing/2014/main" xmlns="" id="{45B8DE4D-1F9B-7341-8CB2-D70634815B55}"/>
               </a:ext>
             </a:extLst>
           </p:cNvPr>
@@ -5103,7 +5103,7 @@
           <p:cNvPr id="14" name="Footer Placeholder 3">
             <a:extLst>
               <a:ext uri="{FF2B5EF4-FFF2-40B4-BE49-F238E27FC236}">
-                <a16:creationId xmlns:a16="http://schemas.microsoft.com/office/drawing/2014/main" id="{DBA440F4-82E0-7E45-8A6F-4A8C7572AEE5}"/>
+                <a16:creationId xmlns:a16="http://schemas.microsoft.com/office/drawing/2014/main" xmlns="" id="{DBA440F4-82E0-7E45-8A6F-4A8C7572AEE5}"/>
               </a:ext>
             </a:extLst>
           </p:cNvPr>
@@ -5162,7 +5162,7 @@
           <p:cNvPr id="15" name="Slide Number Placeholder 5">
             <a:extLst>
               <a:ext uri="{FF2B5EF4-FFF2-40B4-BE49-F238E27FC236}">
-                <a16:creationId xmlns:a16="http://schemas.microsoft.com/office/drawing/2014/main" id="{CC67CD5C-67EC-5144-B858-5347C50D1ACD}"/>
+                <a16:creationId xmlns:a16="http://schemas.microsoft.com/office/drawing/2014/main" xmlns="" id="{CC67CD5C-67EC-5144-B858-5347C50D1ACD}"/>
               </a:ext>
             </a:extLst>
           </p:cNvPr>
@@ -5214,7 +5214,7 @@
           <p:cNvPr id="16" name="Straight Connector 15">
             <a:extLst>
               <a:ext uri="{FF2B5EF4-FFF2-40B4-BE49-F238E27FC236}">
-                <a16:creationId xmlns:a16="http://schemas.microsoft.com/office/drawing/2014/main" id="{95C486A1-9876-924E-85C2-906892F8B9AC}"/>
+                <a16:creationId xmlns:a16="http://schemas.microsoft.com/office/drawing/2014/main" xmlns="" id="{95C486A1-9876-924E-85C2-906892F8B9AC}"/>
               </a:ext>
             </a:extLst>
           </p:cNvPr>
@@ -5310,7 +5310,7 @@
           <a:graphicData uri="http://schemas.openxmlformats.org/presentationml/2006/ole">
             <mc:AlternateContent xmlns:mc="http://schemas.openxmlformats.org/markup-compatibility/2006">
               <mc:Choice xmlns:v="urn:schemas-microsoft-com:vml" Requires="v">
-                <p:oleObj spid="_x0000_s39966" name="think-cell Slide" r:id="rId4" imgW="216" imgH="216" progId="TCLayout.ActiveDocument.1">
+                <p:oleObj spid="_x0000_s39973" name="think-cell Slide" r:id="rId4" imgW="216" imgH="216" progId="TCLayout.ActiveDocument.1">
                   <p:embed/>
                 </p:oleObj>
               </mc:Choice>
@@ -5350,7 +5350,7 @@
           <p:cNvPr id="8" name="Title 7">
             <a:extLst>
               <a:ext uri="{FF2B5EF4-FFF2-40B4-BE49-F238E27FC236}">
-                <a16:creationId xmlns:a16="http://schemas.microsoft.com/office/drawing/2014/main" id="{8A6F1540-D306-D44E-B1B3-1ACCF1041F70}"/>
+                <a16:creationId xmlns:a16="http://schemas.microsoft.com/office/drawing/2014/main" xmlns="" id="{8A6F1540-D306-D44E-B1B3-1ACCF1041F70}"/>
               </a:ext>
             </a:extLst>
           </p:cNvPr>
@@ -6146,7 +6146,7 @@
           <p:cNvPr id="37" name="Footer Placeholder 3">
             <a:extLst>
               <a:ext uri="{FF2B5EF4-FFF2-40B4-BE49-F238E27FC236}">
-                <a16:creationId xmlns:a16="http://schemas.microsoft.com/office/drawing/2014/main" id="{DBA440F4-82E0-7E45-8A6F-4A8C7572AEE5}"/>
+                <a16:creationId xmlns:a16="http://schemas.microsoft.com/office/drawing/2014/main" xmlns="" id="{DBA440F4-82E0-7E45-8A6F-4A8C7572AEE5}"/>
               </a:ext>
             </a:extLst>
           </p:cNvPr>
@@ -6205,7 +6205,7 @@
           <p:cNvPr id="38" name="Slide Number Placeholder 5">
             <a:extLst>
               <a:ext uri="{FF2B5EF4-FFF2-40B4-BE49-F238E27FC236}">
-                <a16:creationId xmlns:a16="http://schemas.microsoft.com/office/drawing/2014/main" id="{CC67CD5C-67EC-5144-B858-5347C50D1ACD}"/>
+                <a16:creationId xmlns:a16="http://schemas.microsoft.com/office/drawing/2014/main" xmlns="" id="{CC67CD5C-67EC-5144-B858-5347C50D1ACD}"/>
               </a:ext>
             </a:extLst>
           </p:cNvPr>
@@ -6257,7 +6257,7 @@
           <p:cNvPr id="39" name="Straight Connector 38">
             <a:extLst>
               <a:ext uri="{FF2B5EF4-FFF2-40B4-BE49-F238E27FC236}">
-                <a16:creationId xmlns:a16="http://schemas.microsoft.com/office/drawing/2014/main" id="{95C486A1-9876-924E-85C2-906892F8B9AC}"/>
+                <a16:creationId xmlns:a16="http://schemas.microsoft.com/office/drawing/2014/main" xmlns="" id="{95C486A1-9876-924E-85C2-906892F8B9AC}"/>
               </a:ext>
             </a:extLst>
           </p:cNvPr>
@@ -6358,7 +6358,7 @@
           <a:graphicData uri="http://schemas.openxmlformats.org/presentationml/2006/ole">
             <mc:AlternateContent xmlns:mc="http://schemas.openxmlformats.org/markup-compatibility/2006">
               <mc:Choice xmlns:v="urn:schemas-microsoft-com:vml" Requires="v">
-                <p:oleObj spid="_x0000_s40990" name="think-cell Slide" r:id="rId5" imgW="216" imgH="216" progId="TCLayout.ActiveDocument.1">
+                <p:oleObj spid="_x0000_s40997" name="think-cell Slide" r:id="rId5" imgW="216" imgH="216" progId="TCLayout.ActiveDocument.1">
                   <p:embed/>
                 </p:oleObj>
               </mc:Choice>
@@ -6575,7 +6575,7 @@
           <p:cNvPr id="4" name="Footer Placeholder 3">
             <a:extLst>
               <a:ext uri="{FF2B5EF4-FFF2-40B4-BE49-F238E27FC236}">
-                <a16:creationId xmlns:a16="http://schemas.microsoft.com/office/drawing/2014/main" id="{17D6DE4C-D976-4B4B-B087-C035EF8D4F6F}"/>
+                <a16:creationId xmlns:a16="http://schemas.microsoft.com/office/drawing/2014/main" xmlns="" id="{17D6DE4C-D976-4B4B-B087-C035EF8D4F6F}"/>
               </a:ext>
             </a:extLst>
           </p:cNvPr>
@@ -6634,7 +6634,7 @@
           <p:cNvPr id="17" name="Slide Number Placeholder 5">
             <a:extLst>
               <a:ext uri="{FF2B5EF4-FFF2-40B4-BE49-F238E27FC236}">
-                <a16:creationId xmlns:a16="http://schemas.microsoft.com/office/drawing/2014/main" id="{CC67CD5C-67EC-5144-B858-5347C50D1ACD}"/>
+                <a16:creationId xmlns:a16="http://schemas.microsoft.com/office/drawing/2014/main" xmlns="" id="{CC67CD5C-67EC-5144-B858-5347C50D1ACD}"/>
               </a:ext>
             </a:extLst>
           </p:cNvPr>
@@ -6686,7 +6686,7 @@
           <p:cNvPr id="8" name="Title 7">
             <a:extLst>
               <a:ext uri="{FF2B5EF4-FFF2-40B4-BE49-F238E27FC236}">
-                <a16:creationId xmlns:a16="http://schemas.microsoft.com/office/drawing/2014/main" id="{8A6F1540-D306-D44E-B1B3-1ACCF1041F70}"/>
+                <a16:creationId xmlns:a16="http://schemas.microsoft.com/office/drawing/2014/main" xmlns="" id="{8A6F1540-D306-D44E-B1B3-1ACCF1041F70}"/>
               </a:ext>
             </a:extLst>
           </p:cNvPr>
@@ -6730,7 +6730,7 @@
           <p:cNvPr id="9" name="Straight Connector 8">
             <a:extLst>
               <a:ext uri="{FF2B5EF4-FFF2-40B4-BE49-F238E27FC236}">
-                <a16:creationId xmlns:a16="http://schemas.microsoft.com/office/drawing/2014/main" id="{BB1AA2BE-B537-254D-958A-FBAFDE7E90DC}"/>
+                <a16:creationId xmlns:a16="http://schemas.microsoft.com/office/drawing/2014/main" xmlns="" id="{BB1AA2BE-B537-254D-958A-FBAFDE7E90DC}"/>
               </a:ext>
             </a:extLst>
           </p:cNvPr>
@@ -6773,7 +6773,7 @@
           <p:cNvPr id="10" name="Straight Connector 9">
             <a:extLst>
               <a:ext uri="{FF2B5EF4-FFF2-40B4-BE49-F238E27FC236}">
-                <a16:creationId xmlns:a16="http://schemas.microsoft.com/office/drawing/2014/main" id="{95C486A1-9876-924E-85C2-906892F8B9AC}"/>
+                <a16:creationId xmlns:a16="http://schemas.microsoft.com/office/drawing/2014/main" xmlns="" id="{95C486A1-9876-924E-85C2-906892F8B9AC}"/>
               </a:ext>
             </a:extLst>
           </p:cNvPr>
@@ -6878,7 +6878,7 @@
           <a:graphicData uri="http://schemas.openxmlformats.org/presentationml/2006/ole">
             <mc:AlternateContent xmlns:mc="http://schemas.openxmlformats.org/markup-compatibility/2006">
               <mc:Choice xmlns:v="urn:schemas-microsoft-com:vml" Requires="v">
-                <p:oleObj spid="_x0000_s31774" name="think-cell Slide" r:id="rId10" imgW="216" imgH="216" progId="TCLayout.ActiveDocument.1">
+                <p:oleObj spid="_x0000_s31781" name="think-cell Slide" r:id="rId10" imgW="216" imgH="216" progId="TCLayout.ActiveDocument.1">
                   <p:embed/>
                 </p:oleObj>
               </mc:Choice>
@@ -6998,7 +6998,7 @@
           <p:cNvPr id="10" name="Straight Connector 9">
             <a:extLst>
               <a:ext uri="{FF2B5EF4-FFF2-40B4-BE49-F238E27FC236}">
-                <a16:creationId xmlns:a16="http://schemas.microsoft.com/office/drawing/2014/main" id="{BB1AA2BE-B537-254D-958A-FBAFDE7E90DC}"/>
+                <a16:creationId xmlns:a16="http://schemas.microsoft.com/office/drawing/2014/main" xmlns="" id="{BB1AA2BE-B537-254D-958A-FBAFDE7E90DC}"/>
               </a:ext>
             </a:extLst>
           </p:cNvPr>
@@ -7041,7 +7041,7 @@
           <p:cNvPr id="15" name="Footer Placeholder 3">
             <a:extLst>
               <a:ext uri="{FF2B5EF4-FFF2-40B4-BE49-F238E27FC236}">
-                <a16:creationId xmlns:a16="http://schemas.microsoft.com/office/drawing/2014/main" id="{DBA440F4-82E0-7E45-8A6F-4A8C7572AEE5}"/>
+                <a16:creationId xmlns:a16="http://schemas.microsoft.com/office/drawing/2014/main" xmlns="" id="{DBA440F4-82E0-7E45-8A6F-4A8C7572AEE5}"/>
               </a:ext>
             </a:extLst>
           </p:cNvPr>
@@ -7100,7 +7100,7 @@
           <p:cNvPr id="16" name="Slide Number Placeholder 5">
             <a:extLst>
               <a:ext uri="{FF2B5EF4-FFF2-40B4-BE49-F238E27FC236}">
-                <a16:creationId xmlns:a16="http://schemas.microsoft.com/office/drawing/2014/main" id="{2D9636C8-FF6B-E141-B9E1-70C7091B23B1}"/>
+                <a16:creationId xmlns:a16="http://schemas.microsoft.com/office/drawing/2014/main" xmlns="" id="{2D9636C8-FF6B-E141-B9E1-70C7091B23B1}"/>
               </a:ext>
             </a:extLst>
           </p:cNvPr>
@@ -7467,7 +7467,7 @@
   </p:txStyles>
   <p:extLst mod="1">
     <p:ext uri="{27BBF7A9-308A-43DC-89C8-2F10F3537804}">
-      <p15:sldGuideLst xmlns:p15="http://schemas.microsoft.com/office/powerpoint/2012/main">
+      <p15:sldGuideLst xmlns:p15="http://schemas.microsoft.com/office/powerpoint/2012/main" xmlns="">
         <p15:guide id="1" orient="horz" pos="2041">
           <p15:clr>
             <a:srgbClr val="F26B43"/>
@@ -7636,7 +7636,7 @@
           <a:graphicData uri="http://schemas.openxmlformats.org/presentationml/2006/ole">
             <mc:AlternateContent xmlns:mc="http://schemas.openxmlformats.org/markup-compatibility/2006">
               <mc:Choice xmlns:v="urn:schemas-microsoft-com:vml" Requires="v">
-                <p:oleObj spid="_x0000_s36895" name="think-cell Slide" r:id="rId10" imgW="216" imgH="216" progId="TCLayout.ActiveDocument.1">
+                <p:oleObj spid="_x0000_s36902" name="think-cell Slide" r:id="rId10" imgW="216" imgH="216" progId="TCLayout.ActiveDocument.1">
                   <p:embed/>
                 </p:oleObj>
               </mc:Choice>
@@ -7756,7 +7756,7 @@
           <p:cNvPr id="10" name="Straight Connector 9">
             <a:extLst>
               <a:ext uri="{FF2B5EF4-FFF2-40B4-BE49-F238E27FC236}">
-                <a16:creationId xmlns:a16="http://schemas.microsoft.com/office/drawing/2014/main" id="{BB1AA2BE-B537-254D-958A-FBAFDE7E90DC}"/>
+                <a16:creationId xmlns:a16="http://schemas.microsoft.com/office/drawing/2014/main" xmlns="" id="{BB1AA2BE-B537-254D-958A-FBAFDE7E90DC}"/>
               </a:ext>
             </a:extLst>
           </p:cNvPr>
@@ -7799,7 +7799,7 @@
           <p:cNvPr id="15" name="Footer Placeholder 3">
             <a:extLst>
               <a:ext uri="{FF2B5EF4-FFF2-40B4-BE49-F238E27FC236}">
-                <a16:creationId xmlns:a16="http://schemas.microsoft.com/office/drawing/2014/main" id="{DBA440F4-82E0-7E45-8A6F-4A8C7572AEE5}"/>
+                <a16:creationId xmlns:a16="http://schemas.microsoft.com/office/drawing/2014/main" xmlns="" id="{DBA440F4-82E0-7E45-8A6F-4A8C7572AEE5}"/>
               </a:ext>
             </a:extLst>
           </p:cNvPr>
@@ -7858,7 +7858,7 @@
           <p:cNvPr id="16" name="Slide Number Placeholder 5">
             <a:extLst>
               <a:ext uri="{FF2B5EF4-FFF2-40B4-BE49-F238E27FC236}">
-                <a16:creationId xmlns:a16="http://schemas.microsoft.com/office/drawing/2014/main" id="{2D9636C8-FF6B-E141-B9E1-70C7091B23B1}"/>
+                <a16:creationId xmlns:a16="http://schemas.microsoft.com/office/drawing/2014/main" xmlns="" id="{2D9636C8-FF6B-E141-B9E1-70C7091B23B1}"/>
               </a:ext>
             </a:extLst>
           </p:cNvPr>
@@ -8225,7 +8225,7 @@
   </p:txStyles>
   <p:extLst mod="1">
     <p:ext uri="{27BBF7A9-308A-43DC-89C8-2F10F3537804}">
-      <p15:sldGuideLst xmlns:p15="http://schemas.microsoft.com/office/powerpoint/2012/main">
+      <p15:sldGuideLst xmlns:p15="http://schemas.microsoft.com/office/powerpoint/2012/main" xmlns="">
         <p15:guide id="1" orient="horz" pos="2041">
           <p15:clr>
             <a:srgbClr val="F26B43"/>
@@ -8389,7 +8389,7 @@
           <a:graphicData uri="http://schemas.openxmlformats.org/presentationml/2006/ole">
             <mc:AlternateContent xmlns:mc="http://schemas.openxmlformats.org/markup-compatibility/2006">
               <mc:Choice xmlns:v="urn:schemas-microsoft-com:vml" Requires="v">
-                <p:oleObj spid="_x0000_s45070" name="think-cell Slide" r:id="rId5" imgW="416" imgH="416" progId="TCLayout.ActiveDocument.1">
+                <p:oleObj spid="_x0000_s45077" name="think-cell Slide" r:id="rId5" imgW="416" imgH="416" progId="TCLayout.ActiveDocument.1">
                   <p:embed/>
                 </p:oleObj>
               </mc:Choice>
@@ -8433,7 +8433,7 @@
           <p:nvPr>
             <p:extLst>
               <p:ext uri="{D42A27DB-BD31-4B8C-83A1-F6EECF244321}">
-                <p14:modId xmlns:p14="http://schemas.microsoft.com/office/powerpoint/2010/main" val="1928908297"/>
+                <p14:modId xmlns:p14="http://schemas.microsoft.com/office/powerpoint/2010/main" val="2869745762"/>
               </p:ext>
             </p:extLst>
           </p:nvPr>
@@ -8452,28 +8452,28 @@
                 <a:gridCol w="1924933">
                   <a:extLst>
                     <a:ext uri="{9D8B030D-6E8A-4147-A177-3AD203B41FA5}">
-                      <a16:colId xmlns:a16="http://schemas.microsoft.com/office/drawing/2014/main" val="1357581311"/>
+                      <a16:colId xmlns:a16="http://schemas.microsoft.com/office/drawing/2014/main" xmlns="" val="1357581311"/>
                     </a:ext>
                   </a:extLst>
                 </a:gridCol>
                 <a:gridCol w="3051687">
                   <a:extLst>
                     <a:ext uri="{9D8B030D-6E8A-4147-A177-3AD203B41FA5}">
-                      <a16:colId xmlns:a16="http://schemas.microsoft.com/office/drawing/2014/main" val="1956442140"/>
+                      <a16:colId xmlns:a16="http://schemas.microsoft.com/office/drawing/2014/main" xmlns="" val="1956442140"/>
                     </a:ext>
                   </a:extLst>
                 </a:gridCol>
                 <a:gridCol w="3051686">
                   <a:extLst>
                     <a:ext uri="{9D8B030D-6E8A-4147-A177-3AD203B41FA5}">
-                      <a16:colId xmlns:a16="http://schemas.microsoft.com/office/drawing/2014/main" val="1281931210"/>
+                      <a16:colId xmlns:a16="http://schemas.microsoft.com/office/drawing/2014/main" xmlns="" val="1281931210"/>
                     </a:ext>
                   </a:extLst>
                 </a:gridCol>
                 <a:gridCol w="3051687">
                   <a:extLst>
                     <a:ext uri="{9D8B030D-6E8A-4147-A177-3AD203B41FA5}">
-                      <a16:colId xmlns:a16="http://schemas.microsoft.com/office/drawing/2014/main" val="1777577578"/>
+                      <a16:colId xmlns:a16="http://schemas.microsoft.com/office/drawing/2014/main" xmlns="" val="1777577578"/>
                     </a:ext>
                   </a:extLst>
                 </a:gridCol>
@@ -8598,7 +8598,7 @@
                 </a:tc>
                 <a:extLst>
                   <a:ext uri="{0D108BD9-81ED-4DB2-BD59-A6C34878D82A}">
-                    <a16:rowId xmlns:a16="http://schemas.microsoft.com/office/drawing/2014/main" val="3203583067"/>
+                    <a16:rowId xmlns:a16="http://schemas.microsoft.com/office/drawing/2014/main" xmlns="" val="3203583067"/>
                   </a:ext>
                 </a:extLst>
               </a:tr>
@@ -8763,18 +8763,15 @@
                         <a:tabLst/>
                         <a:defRPr/>
                       </a:pPr>
-                      <a:r>
-                        <a:rPr lang="en-US" sz="1200" b="0" kern="1200" dirty="0" smtClean="0">
-                          <a:solidFill>
-                            <a:schemeClr val="tx1"/>
-                          </a:solidFill>
-                          <a:latin typeface="+mn-lt"/>
-                          <a:ea typeface="+mn-ea"/>
-                          <a:cs typeface="+mn-ea"/>
-                          <a:sym typeface="+mn-lt"/>
-                        </a:rPr>
-                        <a:t>XXXXXX</a:t>
-                      </a:r>
+                      <a:endParaRPr lang="en-US" sz="1200" b="0" kern="1200" dirty="0" smtClean="0">
+                        <a:solidFill>
+                          <a:schemeClr val="tx1"/>
+                        </a:solidFill>
+                        <a:latin typeface="+mn-lt"/>
+                        <a:ea typeface="+mn-ea"/>
+                        <a:cs typeface="+mn-ea"/>
+                        <a:sym typeface="+mn-lt"/>
+                      </a:endParaRPr>
                     </a:p>
                   </a:txBody>
                   <a:tcPr marL="108522" marR="108522" marT="54261" marB="54261" anchor="ctr">
@@ -8850,7 +8847,7 @@
                 </a:tc>
                 <a:extLst>
                   <a:ext uri="{0D108BD9-81ED-4DB2-BD59-A6C34878D82A}">
-                    <a16:rowId xmlns:a16="http://schemas.microsoft.com/office/drawing/2014/main" val="851841494"/>
+                    <a16:rowId xmlns:a16="http://schemas.microsoft.com/office/drawing/2014/main" xmlns="" val="851841494"/>
                   </a:ext>
                 </a:extLst>
               </a:tr>
@@ -8982,17 +8979,6 @@
                         <a:tabLst/>
                         <a:defRPr/>
                       </a:pPr>
-                      <a:r>
-                        <a:rPr lang="en-US" sz="1200" b="0" kern="1200" dirty="0" smtClean="0">
-                          <a:solidFill>
-                            <a:schemeClr val="tx1"/>
-                          </a:solidFill>
-                          <a:latin typeface="+mn-lt"/>
-                          <a:ea typeface="+mn-ea"/>
-                          <a:cs typeface="+mn-ea"/>
-                        </a:rPr>
-                        <a:t>XXXX</a:t>
-                      </a:r>
                       <a:endParaRPr lang="en-US" sz="1200" b="0" kern="1200" dirty="0">
                         <a:solidFill>
                           <a:schemeClr val="tx1"/>
@@ -9188,17 +9174,6 @@
                         <a:tabLst/>
                         <a:defRPr/>
                       </a:pPr>
-                      <a:r>
-                        <a:rPr lang="en-US" sz="1200" b="0" kern="1200" dirty="0" smtClean="0">
-                          <a:solidFill>
-                            <a:schemeClr val="tx1"/>
-                          </a:solidFill>
-                          <a:latin typeface="+mn-lt"/>
-                          <a:ea typeface="+mn-ea"/>
-                          <a:cs typeface="+mn-ea"/>
-                        </a:rPr>
-                        <a:t>XXXXX</a:t>
-                      </a:r>
                       <a:endParaRPr lang="en-US" sz="1200" b="0" kern="1200" dirty="0">
                         <a:solidFill>
                           <a:schemeClr val="tx1"/>
@@ -9255,7 +9230,7 @@
                 </a:tc>
                 <a:extLst>
                   <a:ext uri="{0D108BD9-81ED-4DB2-BD59-A6C34878D82A}">
-                    <a16:rowId xmlns:a16="http://schemas.microsoft.com/office/drawing/2014/main" val="2779114338"/>
+                    <a16:rowId xmlns:a16="http://schemas.microsoft.com/office/drawing/2014/main" xmlns="" val="2779114338"/>
                   </a:ext>
                 </a:extLst>
               </a:tr>
@@ -9555,18 +9530,6 @@
                     <a:lstStyle/>
                     <a:p>
                       <a:pPr marL="0" algn="l" defTabSz="685792" rtl="0" eaLnBrk="1" latinLnBrk="0" hangingPunct="1"/>
-                      <a:r>
-                        <a:rPr lang="en-US" sz="1200" b="0" kern="1200" dirty="0" smtClean="0">
-                          <a:solidFill>
-                            <a:schemeClr val="tx1"/>
-                          </a:solidFill>
-                          <a:latin typeface="+mn-lt"/>
-                          <a:ea typeface="+mn-ea"/>
-                          <a:cs typeface="+mn-ea"/>
-                          <a:sym typeface="+mn-lt"/>
-                        </a:rPr>
-                        <a:t>XX</a:t>
-                      </a:r>
                       <a:endParaRPr lang="en-US" sz="1200" b="0" kern="1200" dirty="0">
                         <a:solidFill>
                           <a:schemeClr val="tx1"/>
@@ -9671,7 +9634,7 @@
                 </a:tc>
                 <a:extLst>
                   <a:ext uri="{0D108BD9-81ED-4DB2-BD59-A6C34878D82A}">
-                    <a16:rowId xmlns:a16="http://schemas.microsoft.com/office/drawing/2014/main" val="3504347209"/>
+                    <a16:rowId xmlns:a16="http://schemas.microsoft.com/office/drawing/2014/main" xmlns="" val="3504347209"/>
                   </a:ext>
                 </a:extLst>
               </a:tr>
@@ -9916,18 +9879,6 @@
                     <a:lstStyle/>
                     <a:p>
                       <a:pPr marL="0" algn="l" defTabSz="685792" rtl="0" eaLnBrk="1" latinLnBrk="0" hangingPunct="1"/>
-                      <a:r>
-                        <a:rPr lang="en-US" sz="1200" b="0" kern="1200" dirty="0" smtClean="0">
-                          <a:solidFill>
-                            <a:schemeClr val="tx1"/>
-                          </a:solidFill>
-                          <a:latin typeface="+mn-lt"/>
-                          <a:ea typeface="+mn-ea"/>
-                          <a:cs typeface="+mn-ea"/>
-                          <a:sym typeface="+mn-lt"/>
-                        </a:rPr>
-                        <a:t>RMB X,XXX</a:t>
-                      </a:r>
                       <a:endParaRPr lang="en-US" sz="1200" b="0" kern="1200" dirty="0">
                         <a:solidFill>
                           <a:schemeClr val="tx1"/>
@@ -10050,7 +10001,7 @@
                 </a:tc>
                 <a:extLst>
                   <a:ext uri="{0D108BD9-81ED-4DB2-BD59-A6C34878D82A}">
-                    <a16:rowId xmlns:a16="http://schemas.microsoft.com/office/drawing/2014/main" val="1651173184"/>
+                    <a16:rowId xmlns:a16="http://schemas.microsoft.com/office/drawing/2014/main" xmlns="" val="1651173184"/>
                   </a:ext>
                 </a:extLst>
               </a:tr>
@@ -10291,18 +10242,6 @@
                     <a:lstStyle/>
                     <a:p>
                       <a:pPr marL="0" algn="l" defTabSz="685792" rtl="0" eaLnBrk="1" latinLnBrk="0" hangingPunct="1"/>
-                      <a:r>
-                        <a:rPr lang="en-US" sz="1200" b="0" kern="1200" dirty="0" smtClean="0">
-                          <a:solidFill>
-                            <a:schemeClr val="tx1"/>
-                          </a:solidFill>
-                          <a:latin typeface="+mn-lt"/>
-                          <a:ea typeface="+mn-ea"/>
-                          <a:cs typeface="+mn-ea"/>
-                          <a:sym typeface="+mn-lt"/>
-                        </a:rPr>
-                        <a:t>XX</a:t>
-                      </a:r>
                       <a:endParaRPr lang="en-US" sz="1200" b="0" kern="1200" dirty="0">
                         <a:solidFill>
                           <a:schemeClr val="tx1"/>
@@ -10425,7 +10364,7 @@
                 </a:tc>
                 <a:extLst>
                   <a:ext uri="{0D108BD9-81ED-4DB2-BD59-A6C34878D82A}">
-                    <a16:rowId xmlns:a16="http://schemas.microsoft.com/office/drawing/2014/main" val="131403303"/>
+                    <a16:rowId xmlns:a16="http://schemas.microsoft.com/office/drawing/2014/main" xmlns="" val="131403303"/>
                   </a:ext>
                 </a:extLst>
               </a:tr>
@@ -10592,14 +10531,7 @@
                 <a:cs typeface="+mn-ea"/>
                 <a:sym typeface="+mn-lt"/>
               </a:rPr>
-              <a:t>预算</a:t>
-            </a:r>
-            <a:r>
-              <a:rPr lang="zh-CN" altLang="en-US" sz="1000" dirty="0" smtClean="0">
-                <a:cs typeface="+mn-ea"/>
-                <a:sym typeface="+mn-lt"/>
-              </a:rPr>
-              <a:t>金额总计 </a:t>
+              <a:t>预算金额总计 </a:t>
             </a:r>
             <a:r>
               <a:rPr lang="en-US" altLang="zh-CN" sz="1000" dirty="0" smtClean="0">
@@ -10838,28 +10770,28 @@
                 <a:gridCol w="2120668">
                   <a:extLst>
                     <a:ext uri="{9D8B030D-6E8A-4147-A177-3AD203B41FA5}">
-                      <a16:colId xmlns:a16="http://schemas.microsoft.com/office/drawing/2014/main" val="2715221625"/>
+                      <a16:colId xmlns:a16="http://schemas.microsoft.com/office/drawing/2014/main" xmlns="" val="2715221625"/>
                     </a:ext>
                   </a:extLst>
                 </a:gridCol>
                 <a:gridCol w="2986442">
                   <a:extLst>
                     <a:ext uri="{9D8B030D-6E8A-4147-A177-3AD203B41FA5}">
-                      <a16:colId xmlns:a16="http://schemas.microsoft.com/office/drawing/2014/main" val="8733085"/>
+                      <a16:colId xmlns:a16="http://schemas.microsoft.com/office/drawing/2014/main" xmlns="" val="8733085"/>
                     </a:ext>
                   </a:extLst>
                 </a:gridCol>
                 <a:gridCol w="2986442">
                   <a:extLst>
                     <a:ext uri="{9D8B030D-6E8A-4147-A177-3AD203B41FA5}">
-                      <a16:colId xmlns:a16="http://schemas.microsoft.com/office/drawing/2014/main" val="2549869754"/>
+                      <a16:colId xmlns:a16="http://schemas.microsoft.com/office/drawing/2014/main" xmlns="" val="2549869754"/>
                     </a:ext>
                   </a:extLst>
                 </a:gridCol>
                 <a:gridCol w="2986442">
                   <a:extLst>
                     <a:ext uri="{9D8B030D-6E8A-4147-A177-3AD203B41FA5}">
-                      <a16:colId xmlns:a16="http://schemas.microsoft.com/office/drawing/2014/main" val="2249785041"/>
+                      <a16:colId xmlns:a16="http://schemas.microsoft.com/office/drawing/2014/main" xmlns="" val="2249785041"/>
                     </a:ext>
                   </a:extLst>
                 </a:gridCol>
@@ -10940,7 +10872,7 @@
                 </a:tc>
                 <a:extLst>
                   <a:ext uri="{0D108BD9-81ED-4DB2-BD59-A6C34878D82A}">
-                    <a16:rowId xmlns:a16="http://schemas.microsoft.com/office/drawing/2014/main" val="132260445"/>
+                    <a16:rowId xmlns:a16="http://schemas.microsoft.com/office/drawing/2014/main" xmlns="" val="132260445"/>
                   </a:ext>
                 </a:extLst>
               </a:tr>
@@ -10999,18 +10931,15 @@
                         <a:buFontTx/>
                         <a:buNone/>
                       </a:pPr>
-                      <a:r>
-                        <a:rPr lang="en-US" altLang="zh-CN" sz="1200" b="0" dirty="0" smtClean="0">
-                          <a:solidFill>
-                            <a:schemeClr val="tx1"/>
-                          </a:solidFill>
-                          <a:latin typeface="+mn-lt"/>
-                          <a:ea typeface="+mn-ea"/>
-                          <a:cs typeface="+mn-ea"/>
-                          <a:sym typeface="+mn-lt"/>
-                        </a:rPr>
-                        <a:t>RMB XX,XXX</a:t>
-                      </a:r>
+                      <a:endParaRPr lang="en-US" altLang="zh-CN" sz="1200" b="0" dirty="0" smtClean="0">
+                        <a:solidFill>
+                          <a:schemeClr val="tx1"/>
+                        </a:solidFill>
+                        <a:latin typeface="+mn-lt"/>
+                        <a:ea typeface="+mn-ea"/>
+                        <a:cs typeface="+mn-ea"/>
+                        <a:sym typeface="+mn-lt"/>
+                      </a:endParaRPr>
                     </a:p>
                   </a:txBody>
                   <a:tcPr anchor="ctr">
@@ -11088,15 +11017,12 @@
                         <a:tabLst/>
                         <a:defRPr/>
                       </a:pPr>
-                      <a:r>
-                        <a:rPr lang="en-US" sz="1200" dirty="0" smtClean="0">
-                          <a:latin typeface="+mn-lt"/>
-                          <a:ea typeface="+mn-ea"/>
-                          <a:cs typeface="+mn-ea"/>
-                          <a:sym typeface="+mn-lt"/>
-                        </a:rPr>
-                        <a:t>RMB XX,XXX</a:t>
-                      </a:r>
+                      <a:endParaRPr lang="en-US" sz="1200" dirty="0" smtClean="0">
+                        <a:latin typeface="+mn-lt"/>
+                        <a:ea typeface="+mn-ea"/>
+                        <a:cs typeface="+mn-ea"/>
+                        <a:sym typeface="+mn-lt"/>
+                      </a:endParaRPr>
                     </a:p>
                   </a:txBody>
                   <a:tcPr anchor="ctr">
@@ -11109,7 +11035,7 @@
                 </a:tc>
                 <a:extLst>
                   <a:ext uri="{0D108BD9-81ED-4DB2-BD59-A6C34878D82A}">
-                    <a16:rowId xmlns:a16="http://schemas.microsoft.com/office/drawing/2014/main" val="1454925855"/>
+                    <a16:rowId xmlns:a16="http://schemas.microsoft.com/office/drawing/2014/main" xmlns="" val="1454925855"/>
                   </a:ext>
                 </a:extLst>
               </a:tr>
@@ -11126,14 +11052,14 @@
           <p:nvPr>
             <p:extLst>
               <p:ext uri="{D42A27DB-BD31-4B8C-83A1-F6EECF244321}">
-                <p14:modId xmlns:p14="http://schemas.microsoft.com/office/powerpoint/2010/main" val="2168050518"/>
+                <p14:modId xmlns:p14="http://schemas.microsoft.com/office/powerpoint/2010/main" val="3888564728"/>
               </p:ext>
             </p:extLst>
           </p:nvPr>
         </p:nvGraphicFramePr>
         <p:xfrm>
           <a:off x="539750" y="4646412"/>
-          <a:ext cx="11079993" cy="2051995"/>
+          <a:ext cx="11079993" cy="2234875"/>
         </p:xfrm>
         <a:graphic>
           <a:graphicData uri="http://schemas.openxmlformats.org/drawingml/2006/table">
@@ -11145,49 +11071,49 @@
                 <a:gridCol w="3086012">
                   <a:extLst>
                     <a:ext uri="{9D8B030D-6E8A-4147-A177-3AD203B41FA5}">
-                      <a16:colId xmlns:a16="http://schemas.microsoft.com/office/drawing/2014/main" val="2715221625"/>
+                      <a16:colId xmlns:a16="http://schemas.microsoft.com/office/drawing/2014/main" xmlns="" val="2715221625"/>
                     </a:ext>
                   </a:extLst>
                 </a:gridCol>
                 <a:gridCol w="1498140">
                   <a:extLst>
                     <a:ext uri="{9D8B030D-6E8A-4147-A177-3AD203B41FA5}">
-                      <a16:colId xmlns:a16="http://schemas.microsoft.com/office/drawing/2014/main" val="2321960186"/>
+                      <a16:colId xmlns:a16="http://schemas.microsoft.com/office/drawing/2014/main" xmlns="" val="2321960186"/>
                     </a:ext>
                   </a:extLst>
                 </a:gridCol>
                 <a:gridCol w="916625">
                   <a:extLst>
                     <a:ext uri="{9D8B030D-6E8A-4147-A177-3AD203B41FA5}">
-                      <a16:colId xmlns:a16="http://schemas.microsoft.com/office/drawing/2014/main" val="2034639721"/>
+                      <a16:colId xmlns:a16="http://schemas.microsoft.com/office/drawing/2014/main" xmlns="" val="2034639721"/>
                     </a:ext>
                   </a:extLst>
                 </a:gridCol>
                 <a:gridCol w="1394804">
                   <a:extLst>
                     <a:ext uri="{9D8B030D-6E8A-4147-A177-3AD203B41FA5}">
-                      <a16:colId xmlns:a16="http://schemas.microsoft.com/office/drawing/2014/main" val="984284813"/>
+                      <a16:colId xmlns:a16="http://schemas.microsoft.com/office/drawing/2014/main" xmlns="" val="984284813"/>
                     </a:ext>
                   </a:extLst>
                 </a:gridCol>
                 <a:gridCol w="1394804">
                   <a:extLst>
                     <a:ext uri="{9D8B030D-6E8A-4147-A177-3AD203B41FA5}">
-                      <a16:colId xmlns:a16="http://schemas.microsoft.com/office/drawing/2014/main" val="1755559964"/>
+                      <a16:colId xmlns:a16="http://schemas.microsoft.com/office/drawing/2014/main" xmlns="" val="1755559964"/>
                     </a:ext>
                   </a:extLst>
                 </a:gridCol>
                 <a:gridCol w="1238205">
                   <a:extLst>
                     <a:ext uri="{9D8B030D-6E8A-4147-A177-3AD203B41FA5}">
-                      <a16:colId xmlns:a16="http://schemas.microsoft.com/office/drawing/2014/main" val="714802837"/>
+                      <a16:colId xmlns:a16="http://schemas.microsoft.com/office/drawing/2014/main" xmlns="" val="714802837"/>
                     </a:ext>
                   </a:extLst>
                 </a:gridCol>
                 <a:gridCol w="1551403">
                   <a:extLst>
                     <a:ext uri="{9D8B030D-6E8A-4147-A177-3AD203B41FA5}">
-                      <a16:colId xmlns:a16="http://schemas.microsoft.com/office/drawing/2014/main" val="2810745597"/>
+                      <a16:colId xmlns:a16="http://schemas.microsoft.com/office/drawing/2014/main" xmlns="" val="2810745597"/>
                     </a:ext>
                   </a:extLst>
                 </a:gridCol>
@@ -11319,7 +11245,7 @@
                 </a:tc>
                 <a:extLst>
                   <a:ext uri="{0D108BD9-81ED-4DB2-BD59-A6C34878D82A}">
-                    <a16:rowId xmlns:a16="http://schemas.microsoft.com/office/drawing/2014/main" val="1268840849"/>
+                    <a16:rowId xmlns:a16="http://schemas.microsoft.com/office/drawing/2014/main" xmlns="" val="1268840849"/>
                   </a:ext>
                 </a:extLst>
               </a:tr>
@@ -11631,7 +11557,7 @@
                 </a:tc>
                 <a:extLst>
                   <a:ext uri="{0D108BD9-81ED-4DB2-BD59-A6C34878D82A}">
-                    <a16:rowId xmlns:a16="http://schemas.microsoft.com/office/drawing/2014/main" val="3241501689"/>
+                    <a16:rowId xmlns:a16="http://schemas.microsoft.com/office/drawing/2014/main" xmlns="" val="3241501689"/>
                   </a:ext>
                 </a:extLst>
               </a:tr>
@@ -11699,18 +11625,15 @@
                         <a:buFontTx/>
                         <a:buNone/>
                       </a:pPr>
-                      <a:r>
-                        <a:rPr lang="en-US" altLang="zh-CN" sz="1200" b="0" dirty="0" smtClean="0">
-                          <a:solidFill>
-                            <a:schemeClr val="tx1"/>
-                          </a:solidFill>
-                          <a:latin typeface="+mn-lt"/>
-                          <a:ea typeface="+mn-ea"/>
-                          <a:cs typeface="+mn-ea"/>
-                          <a:sym typeface="+mn-lt"/>
-                        </a:rPr>
-                        <a:t>RMB XX,XXX</a:t>
-                      </a:r>
+                      <a:endParaRPr lang="en-US" altLang="zh-CN" sz="1200" b="0" dirty="0" smtClean="0">
+                        <a:solidFill>
+                          <a:schemeClr val="tx1"/>
+                        </a:solidFill>
+                        <a:latin typeface="+mn-lt"/>
+                        <a:ea typeface="+mn-ea"/>
+                        <a:cs typeface="+mn-ea"/>
+                        <a:sym typeface="+mn-lt"/>
+                      </a:endParaRPr>
                     </a:p>
                   </a:txBody>
                   <a:tcPr anchor="ctr">
@@ -11728,42 +11651,6 @@
                         <a:buFontTx/>
                         <a:buNone/>
                       </a:pPr>
-                      <a:r>
-                        <a:rPr lang="zh-CN" altLang="en-US" sz="1200" b="0" dirty="0" smtClean="0">
-                          <a:solidFill>
-                            <a:schemeClr val="tx1"/>
-                          </a:solidFill>
-                          <a:latin typeface="+mn-lt"/>
-                          <a:ea typeface="+mn-ea"/>
-                          <a:cs typeface="+mn-ea"/>
-                          <a:sym typeface="+mn-lt"/>
-                        </a:rPr>
-                        <a:t>是</a:t>
-                      </a:r>
-                      <a:r>
-                        <a:rPr lang="en-US" altLang="zh-CN" sz="1200" b="0" dirty="0" smtClean="0">
-                          <a:solidFill>
-                            <a:schemeClr val="tx1"/>
-                          </a:solidFill>
-                          <a:latin typeface="+mn-lt"/>
-                          <a:ea typeface="+mn-ea"/>
-                          <a:cs typeface="+mn-ea"/>
-                          <a:sym typeface="+mn-lt"/>
-                        </a:rPr>
-                        <a:t>/</a:t>
-                      </a:r>
-                      <a:r>
-                        <a:rPr lang="zh-CN" altLang="en-US" sz="1200" b="0" dirty="0" smtClean="0">
-                          <a:solidFill>
-                            <a:schemeClr val="tx1"/>
-                          </a:solidFill>
-                          <a:latin typeface="+mn-lt"/>
-                          <a:ea typeface="+mn-ea"/>
-                          <a:cs typeface="+mn-ea"/>
-                          <a:sym typeface="+mn-lt"/>
-                        </a:rPr>
-                        <a:t>否</a:t>
-                      </a:r>
                       <a:endParaRPr lang="en-US" altLang="zh-CN" sz="1200" b="0" dirty="0" smtClean="0">
                         <a:solidFill>
                           <a:schemeClr val="tx1"/>
@@ -11803,18 +11690,6 @@
                         <a:tabLst/>
                         <a:defRPr/>
                       </a:pPr>
-                      <a:r>
-                        <a:rPr lang="en-US" altLang="zh-CN" sz="1200" b="0" kern="1200" dirty="0" smtClean="0">
-                          <a:solidFill>
-                            <a:schemeClr val="tx1"/>
-                          </a:solidFill>
-                          <a:latin typeface="+mn-lt"/>
-                          <a:ea typeface="+mn-ea"/>
-                          <a:cs typeface="+mn-ea"/>
-                          <a:sym typeface="+mn-lt"/>
-                        </a:rPr>
-                        <a:t>XX/XX/2022</a:t>
-                      </a:r>
                       <a:endParaRPr lang="zh-CN" altLang="en-US" sz="1200" b="0" kern="1200" dirty="0" smtClean="0">
                         <a:solidFill>
                           <a:schemeClr val="tx1"/>
@@ -11854,18 +11729,6 @@
                         <a:tabLst/>
                         <a:defRPr/>
                       </a:pPr>
-                      <a:r>
-                        <a:rPr lang="en-US" altLang="zh-CN" sz="1200" b="0" kern="1200" dirty="0" smtClean="0">
-                          <a:solidFill>
-                            <a:schemeClr val="tx1"/>
-                          </a:solidFill>
-                          <a:latin typeface="+mn-lt"/>
-                          <a:ea typeface="+mn-ea"/>
-                          <a:cs typeface="+mn-ea"/>
-                          <a:sym typeface="+mn-lt"/>
-                        </a:rPr>
-                        <a:t>XX/XX/2022</a:t>
-                      </a:r>
                       <a:endParaRPr lang="zh-CN" altLang="en-US" sz="1200" b="0" kern="1200" dirty="0" smtClean="0">
                         <a:solidFill>
                           <a:schemeClr val="tx1"/>
@@ -11892,18 +11755,6 @@
                         <a:buFontTx/>
                         <a:buNone/>
                       </a:pPr>
-                      <a:r>
-                        <a:rPr lang="en-US" altLang="zh-CN" sz="1200" b="0" kern="1200" dirty="0" smtClean="0">
-                          <a:solidFill>
-                            <a:schemeClr val="tx1"/>
-                          </a:solidFill>
-                          <a:latin typeface="+mn-lt"/>
-                          <a:ea typeface="+mn-ea"/>
-                          <a:cs typeface="+mn-ea"/>
-                          <a:sym typeface="+mn-lt"/>
-                        </a:rPr>
-                        <a:t>XXX</a:t>
-                      </a:r>
                       <a:endParaRPr lang="zh-CN" altLang="en-US" sz="1200" b="0" kern="1200" dirty="0" smtClean="0">
                         <a:solidFill>
                           <a:schemeClr val="tx1"/>
@@ -11930,18 +11781,15 @@
                         <a:buFontTx/>
                         <a:buNone/>
                       </a:pPr>
-                      <a:r>
-                        <a:rPr lang="en-US" altLang="zh-CN" sz="1200" b="0" dirty="0" smtClean="0">
-                          <a:solidFill>
-                            <a:schemeClr val="tx1"/>
-                          </a:solidFill>
-                          <a:latin typeface="+mn-lt"/>
-                          <a:ea typeface="+mn-ea"/>
-                          <a:cs typeface="+mn-ea"/>
-                          <a:sym typeface="+mn-lt"/>
-                        </a:rPr>
-                        <a:t>RMB XX,XXX</a:t>
-                      </a:r>
+                      <a:endParaRPr lang="en-US" altLang="zh-CN" sz="1200" b="0" dirty="0" smtClean="0">
+                        <a:solidFill>
+                          <a:schemeClr val="tx1"/>
+                        </a:solidFill>
+                        <a:latin typeface="+mn-lt"/>
+                        <a:ea typeface="+mn-ea"/>
+                        <a:cs typeface="+mn-ea"/>
+                        <a:sym typeface="+mn-lt"/>
+                      </a:endParaRPr>
                     </a:p>
                   </a:txBody>
                   <a:tcPr anchor="ctr">
@@ -11952,7 +11800,7 @@
                 </a:tc>
                 <a:extLst>
                   <a:ext uri="{0D108BD9-81ED-4DB2-BD59-A6C34878D82A}">
-                    <a16:rowId xmlns:a16="http://schemas.microsoft.com/office/drawing/2014/main" val="3375075753"/>
+                    <a16:rowId xmlns:a16="http://schemas.microsoft.com/office/drawing/2014/main" xmlns="" val="3375075753"/>
                   </a:ext>
                 </a:extLst>
               </a:tr>
@@ -12037,18 +11885,15 @@
                         <a:buFontTx/>
                         <a:buNone/>
                       </a:pPr>
-                      <a:r>
-                        <a:rPr lang="en-US" altLang="zh-CN" sz="1200" b="0" dirty="0" smtClean="0">
-                          <a:solidFill>
-                            <a:schemeClr val="tx1"/>
-                          </a:solidFill>
-                          <a:latin typeface="+mn-lt"/>
-                          <a:ea typeface="+mn-ea"/>
-                          <a:cs typeface="+mn-ea"/>
-                          <a:sym typeface="+mn-lt"/>
-                        </a:rPr>
-                        <a:t>RMB XX,XXX</a:t>
-                      </a:r>
+                      <a:endParaRPr lang="en-US" altLang="zh-CN" sz="1200" b="0" dirty="0" smtClean="0">
+                        <a:solidFill>
+                          <a:schemeClr val="tx1"/>
+                        </a:solidFill>
+                        <a:latin typeface="+mn-lt"/>
+                        <a:ea typeface="+mn-ea"/>
+                        <a:cs typeface="+mn-ea"/>
+                        <a:sym typeface="+mn-lt"/>
+                      </a:endParaRPr>
                     </a:p>
                   </a:txBody>
                   <a:tcPr anchor="ctr">
@@ -12079,60 +11924,6 @@
                         <a:tabLst/>
                         <a:defRPr/>
                       </a:pPr>
-                      <a:r>
-                        <a:rPr kumimoji="0" lang="zh-CN" altLang="en-US" sz="1200" b="0" i="0" u="none" strike="noStrike" kern="1200" cap="none" spc="0" normalizeH="0" baseline="0" noProof="0" dirty="0" smtClean="0">
-                          <a:ln>
-                            <a:noFill/>
-                          </a:ln>
-                          <a:solidFill>
-                            <a:srgbClr val="000000"/>
-                          </a:solidFill>
-                          <a:effectLst/>
-                          <a:uLnTx/>
-                          <a:uFillTx/>
-                          <a:latin typeface="+mn-lt"/>
-                          <a:ea typeface="+mn-ea"/>
-                          <a:cs typeface="+mn-ea"/>
-                          <a:sym typeface="+mn-lt"/>
-                        </a:rPr>
-                        <a:t>是</a:t>
-                      </a:r>
-                      <a:r>
-                        <a:rPr kumimoji="0" lang="en-US" altLang="zh-CN" sz="1200" b="0" i="0" u="none" strike="noStrike" kern="1200" cap="none" spc="0" normalizeH="0" baseline="0" noProof="0" dirty="0" smtClean="0">
-                          <a:ln>
-                            <a:noFill/>
-                          </a:ln>
-                          <a:solidFill>
-                            <a:srgbClr val="000000"/>
-                          </a:solidFill>
-                          <a:effectLst/>
-                          <a:uLnTx/>
-                          <a:uFillTx/>
-                          <a:latin typeface="+mn-lt"/>
-                          <a:ea typeface="+mn-ea"/>
-                          <a:cs typeface="+mn-ea"/>
-                          <a:sym typeface="+mn-lt"/>
-                        </a:rPr>
-                        <a:t>/</a:t>
-                      </a:r>
-                      <a:r>
-                        <a:rPr kumimoji="0" lang="zh-CN" altLang="en-US" sz="1200" b="0" i="0" u="none" strike="noStrike" kern="1200" cap="none" spc="0" normalizeH="0" baseline="0" noProof="0" dirty="0" smtClean="0">
-                          <a:ln>
-                            <a:noFill/>
-                          </a:ln>
-                          <a:solidFill>
-                            <a:srgbClr val="000000"/>
-                          </a:solidFill>
-                          <a:effectLst/>
-                          <a:uLnTx/>
-                          <a:uFillTx/>
-                          <a:latin typeface="+mn-lt"/>
-                          <a:ea typeface="+mn-ea"/>
-                          <a:cs typeface="+mn-ea"/>
-                          <a:sym typeface="+mn-lt"/>
-                        </a:rPr>
-                        <a:t>否</a:t>
-                      </a:r>
                       <a:endParaRPr kumimoji="0" lang="en-US" altLang="zh-CN" sz="1200" b="0" i="0" u="none" strike="noStrike" kern="1200" cap="none" spc="0" normalizeH="0" baseline="0" noProof="0" dirty="0" smtClean="0">
                         <a:ln>
                           <a:noFill/>
@@ -12178,18 +11969,6 @@
                         <a:tabLst/>
                         <a:defRPr/>
                       </a:pPr>
-                      <a:r>
-                        <a:rPr lang="en-US" altLang="zh-CN" sz="1200" b="0" kern="1200" dirty="0" smtClean="0">
-                          <a:solidFill>
-                            <a:schemeClr val="tx1"/>
-                          </a:solidFill>
-                          <a:latin typeface="+mn-lt"/>
-                          <a:ea typeface="+mn-ea"/>
-                          <a:cs typeface="+mn-ea"/>
-                          <a:sym typeface="+mn-lt"/>
-                        </a:rPr>
-                        <a:t>XX/XX/2022</a:t>
-                      </a:r>
                       <a:endParaRPr lang="zh-CN" altLang="en-US" sz="1200" b="0" kern="1200" dirty="0" smtClean="0">
                         <a:solidFill>
                           <a:schemeClr val="tx1"/>
@@ -12229,18 +12008,6 @@
                         <a:tabLst/>
                         <a:defRPr/>
                       </a:pPr>
-                      <a:r>
-                        <a:rPr lang="en-US" altLang="zh-CN" sz="1200" b="0" kern="1200" dirty="0" smtClean="0">
-                          <a:solidFill>
-                            <a:schemeClr val="tx1"/>
-                          </a:solidFill>
-                          <a:latin typeface="+mn-lt"/>
-                          <a:ea typeface="+mn-ea"/>
-                          <a:cs typeface="+mn-ea"/>
-                          <a:sym typeface="+mn-lt"/>
-                        </a:rPr>
-                        <a:t>XX/XX/2022</a:t>
-                      </a:r>
                       <a:endParaRPr lang="zh-CN" altLang="en-US" sz="1200" b="0" kern="1200" dirty="0" smtClean="0">
                         <a:solidFill>
                           <a:schemeClr val="tx1"/>
@@ -12280,18 +12047,15 @@
                         <a:tabLst/>
                         <a:defRPr/>
                       </a:pPr>
-                      <a:r>
-                        <a:rPr lang="en-US" altLang="zh-CN" sz="1200" b="0" kern="1200" dirty="0" smtClean="0">
-                          <a:solidFill>
-                            <a:schemeClr val="tx1"/>
-                          </a:solidFill>
-                          <a:latin typeface="+mn-lt"/>
-                          <a:ea typeface="+mn-ea"/>
-                          <a:cs typeface="+mn-ea"/>
-                          <a:sym typeface="+mn-lt"/>
-                        </a:rPr>
-                        <a:t>XXX</a:t>
-                      </a:r>
+                      <a:endParaRPr lang="en-US" altLang="zh-CN" sz="1200" b="0" kern="1200" dirty="0" smtClean="0">
+                        <a:solidFill>
+                          <a:schemeClr val="tx1"/>
+                        </a:solidFill>
+                        <a:latin typeface="+mn-lt"/>
+                        <a:ea typeface="+mn-ea"/>
+                        <a:cs typeface="+mn-ea"/>
+                        <a:sym typeface="+mn-lt"/>
+                      </a:endParaRPr>
                     </a:p>
                   </a:txBody>
                   <a:tcPr anchor="ctr">
@@ -12309,18 +12073,15 @@
                         <a:buFontTx/>
                         <a:buNone/>
                       </a:pPr>
-                      <a:r>
-                        <a:rPr lang="en-US" altLang="zh-CN" sz="1200" b="0" dirty="0" smtClean="0">
-                          <a:solidFill>
-                            <a:schemeClr val="tx1"/>
-                          </a:solidFill>
-                          <a:latin typeface="+mn-lt"/>
-                          <a:ea typeface="+mn-ea"/>
-                          <a:cs typeface="+mn-ea"/>
-                          <a:sym typeface="+mn-lt"/>
-                        </a:rPr>
-                        <a:t>RMB XX,XXX</a:t>
-                      </a:r>
+                      <a:endParaRPr lang="en-US" altLang="zh-CN" sz="1200" b="0" dirty="0" smtClean="0">
+                        <a:solidFill>
+                          <a:schemeClr val="tx1"/>
+                        </a:solidFill>
+                        <a:latin typeface="+mn-lt"/>
+                        <a:ea typeface="+mn-ea"/>
+                        <a:cs typeface="+mn-ea"/>
+                        <a:sym typeface="+mn-lt"/>
+                      </a:endParaRPr>
                     </a:p>
                   </a:txBody>
                   <a:tcPr anchor="ctr">
@@ -12331,7 +12092,7 @@
                 </a:tc>
                 <a:extLst>
                   <a:ext uri="{0D108BD9-81ED-4DB2-BD59-A6C34878D82A}">
-                    <a16:rowId xmlns:a16="http://schemas.microsoft.com/office/drawing/2014/main" val="1818738132"/>
+                    <a16:rowId xmlns:a16="http://schemas.microsoft.com/office/drawing/2014/main" xmlns="" val="1818738132"/>
                   </a:ext>
                 </a:extLst>
               </a:tr>
@@ -12438,18 +12199,15 @@
                         <a:tabLst/>
                         <a:defRPr/>
                       </a:pPr>
-                      <a:r>
-                        <a:rPr lang="en-US" altLang="zh-CN" sz="1200" b="0" dirty="0" smtClean="0">
-                          <a:solidFill>
-                            <a:schemeClr val="tx1"/>
-                          </a:solidFill>
-                          <a:latin typeface="+mn-lt"/>
-                          <a:ea typeface="+mn-ea"/>
-                          <a:cs typeface="+mn-ea"/>
-                          <a:sym typeface="+mn-lt"/>
-                        </a:rPr>
-                        <a:t>RMB XX,XXX</a:t>
-                      </a:r>
+                      <a:endParaRPr lang="en-US" altLang="zh-CN" sz="1200" b="0" dirty="0" smtClean="0">
+                        <a:solidFill>
+                          <a:schemeClr val="tx1"/>
+                        </a:solidFill>
+                        <a:latin typeface="+mn-lt"/>
+                        <a:ea typeface="+mn-ea"/>
+                        <a:cs typeface="+mn-ea"/>
+                        <a:sym typeface="+mn-lt"/>
+                      </a:endParaRPr>
                     </a:p>
                   </a:txBody>
                   <a:tcPr anchor="ctr">
@@ -12480,60 +12238,6 @@
                         <a:tabLst/>
                         <a:defRPr/>
                       </a:pPr>
-                      <a:r>
-                        <a:rPr kumimoji="0" lang="zh-CN" altLang="en-US" sz="1200" b="0" i="0" u="none" strike="noStrike" kern="1200" cap="none" spc="0" normalizeH="0" baseline="0" noProof="0" dirty="0" smtClean="0">
-                          <a:ln>
-                            <a:noFill/>
-                          </a:ln>
-                          <a:solidFill>
-                            <a:srgbClr val="000000"/>
-                          </a:solidFill>
-                          <a:effectLst/>
-                          <a:uLnTx/>
-                          <a:uFillTx/>
-                          <a:latin typeface="+mn-lt"/>
-                          <a:ea typeface="+mn-ea"/>
-                          <a:cs typeface="+mn-ea"/>
-                          <a:sym typeface="+mn-lt"/>
-                        </a:rPr>
-                        <a:t>是</a:t>
-                      </a:r>
-                      <a:r>
-                        <a:rPr kumimoji="0" lang="en-US" altLang="zh-CN" sz="1200" b="0" i="0" u="none" strike="noStrike" kern="1200" cap="none" spc="0" normalizeH="0" baseline="0" noProof="0" dirty="0" smtClean="0">
-                          <a:ln>
-                            <a:noFill/>
-                          </a:ln>
-                          <a:solidFill>
-                            <a:srgbClr val="000000"/>
-                          </a:solidFill>
-                          <a:effectLst/>
-                          <a:uLnTx/>
-                          <a:uFillTx/>
-                          <a:latin typeface="+mn-lt"/>
-                          <a:ea typeface="+mn-ea"/>
-                          <a:cs typeface="+mn-ea"/>
-                          <a:sym typeface="+mn-lt"/>
-                        </a:rPr>
-                        <a:t>/</a:t>
-                      </a:r>
-                      <a:r>
-                        <a:rPr kumimoji="0" lang="zh-CN" altLang="en-US" sz="1200" b="0" i="0" u="none" strike="noStrike" kern="1200" cap="none" spc="0" normalizeH="0" baseline="0" noProof="0" dirty="0" smtClean="0">
-                          <a:ln>
-                            <a:noFill/>
-                          </a:ln>
-                          <a:solidFill>
-                            <a:srgbClr val="000000"/>
-                          </a:solidFill>
-                          <a:effectLst/>
-                          <a:uLnTx/>
-                          <a:uFillTx/>
-                          <a:latin typeface="+mn-lt"/>
-                          <a:ea typeface="+mn-ea"/>
-                          <a:cs typeface="+mn-ea"/>
-                          <a:sym typeface="+mn-lt"/>
-                        </a:rPr>
-                        <a:t>否</a:t>
-                      </a:r>
                       <a:endParaRPr kumimoji="0" lang="en-US" altLang="zh-CN" sz="1200" b="0" i="0" u="none" strike="noStrike" kern="1200" cap="none" spc="0" normalizeH="0" baseline="0" noProof="0" dirty="0" smtClean="0">
                         <a:ln>
                           <a:noFill/>
@@ -12579,18 +12283,6 @@
                         <a:tabLst/>
                         <a:defRPr/>
                       </a:pPr>
-                      <a:r>
-                        <a:rPr lang="en-US" altLang="zh-CN" sz="1200" b="0" kern="1200" dirty="0" smtClean="0">
-                          <a:solidFill>
-                            <a:schemeClr val="tx1"/>
-                          </a:solidFill>
-                          <a:latin typeface="+mn-lt"/>
-                          <a:ea typeface="+mn-ea"/>
-                          <a:cs typeface="+mn-ea"/>
-                          <a:sym typeface="+mn-lt"/>
-                        </a:rPr>
-                        <a:t>XX/XX/2022</a:t>
-                      </a:r>
                       <a:endParaRPr lang="zh-CN" altLang="en-US" sz="1200" b="0" kern="1200" dirty="0" smtClean="0">
                         <a:solidFill>
                           <a:schemeClr val="tx1"/>
@@ -12630,18 +12322,6 @@
                         <a:tabLst/>
                         <a:defRPr/>
                       </a:pPr>
-                      <a:r>
-                        <a:rPr lang="en-US" altLang="zh-CN" sz="1200" b="0" kern="1200" dirty="0" smtClean="0">
-                          <a:solidFill>
-                            <a:schemeClr val="tx1"/>
-                          </a:solidFill>
-                          <a:latin typeface="+mn-lt"/>
-                          <a:ea typeface="+mn-ea"/>
-                          <a:cs typeface="+mn-ea"/>
-                          <a:sym typeface="+mn-lt"/>
-                        </a:rPr>
-                        <a:t>XX/XX/2022</a:t>
-                      </a:r>
                       <a:endParaRPr lang="zh-CN" altLang="en-US" sz="1200" b="0" kern="1200" dirty="0" smtClean="0">
                         <a:solidFill>
                           <a:schemeClr val="tx1"/>
@@ -12681,18 +12361,6 @@
                         <a:tabLst/>
                         <a:defRPr/>
                       </a:pPr>
-                      <a:r>
-                        <a:rPr lang="en-US" altLang="zh-CN" sz="1200" b="0" kern="1200" smtClean="0">
-                          <a:solidFill>
-                            <a:schemeClr val="tx1"/>
-                          </a:solidFill>
-                          <a:latin typeface="+mn-lt"/>
-                          <a:ea typeface="+mn-ea"/>
-                          <a:cs typeface="+mn-ea"/>
-                          <a:sym typeface="+mn-lt"/>
-                        </a:rPr>
-                        <a:t>XXX</a:t>
-                      </a:r>
                       <a:endParaRPr lang="en-US" altLang="zh-CN" sz="1200" b="0" kern="1200" dirty="0" smtClean="0">
                         <a:solidFill>
                           <a:schemeClr val="tx1"/>
@@ -12732,18 +12400,15 @@
                         <a:tabLst/>
                         <a:defRPr/>
                       </a:pPr>
-                      <a:r>
-                        <a:rPr lang="en-US" altLang="zh-CN" sz="1200" b="0" dirty="0" smtClean="0">
-                          <a:solidFill>
-                            <a:schemeClr val="tx1"/>
-                          </a:solidFill>
-                          <a:latin typeface="+mn-lt"/>
-                          <a:ea typeface="+mn-ea"/>
-                          <a:cs typeface="+mn-ea"/>
-                          <a:sym typeface="+mn-lt"/>
-                        </a:rPr>
-                        <a:t>RMB XX,XXX</a:t>
-                      </a:r>
+                      <a:endParaRPr lang="en-US" altLang="zh-CN" sz="1200" b="0" dirty="0" smtClean="0">
+                        <a:solidFill>
+                          <a:schemeClr val="tx1"/>
+                        </a:solidFill>
+                        <a:latin typeface="+mn-lt"/>
+                        <a:ea typeface="+mn-ea"/>
+                        <a:cs typeface="+mn-ea"/>
+                        <a:sym typeface="+mn-lt"/>
+                      </a:endParaRPr>
                     </a:p>
                   </a:txBody>
                   <a:tcPr anchor="ctr">
@@ -12754,7 +12419,7 @@
                 </a:tc>
                 <a:extLst>
                   <a:ext uri="{0D108BD9-81ED-4DB2-BD59-A6C34878D82A}">
-                    <a16:rowId xmlns:a16="http://schemas.microsoft.com/office/drawing/2014/main" val="981176443"/>
+                    <a16:rowId xmlns:a16="http://schemas.microsoft.com/office/drawing/2014/main" xmlns="" val="981176443"/>
                   </a:ext>
                 </a:extLst>
               </a:tr>
@@ -14019,7 +13684,7 @@
           <a:graphicData uri="http://schemas.openxmlformats.org/presentationml/2006/ole">
             <mc:AlternateContent xmlns:mc="http://schemas.openxmlformats.org/markup-compatibility/2006">
               <mc:Choice xmlns:v="urn:schemas-microsoft-com:vml" Requires="v">
-                <p:oleObj spid="_x0000_s44062" name="think-cell Slide" r:id="rId5" imgW="416" imgH="416" progId="TCLayout.ActiveDocument.1">
+                <p:oleObj spid="_x0000_s44069" name="think-cell Slide" r:id="rId5" imgW="416" imgH="416" progId="TCLayout.ActiveDocument.1">
                   <p:embed/>
                 </p:oleObj>
               </mc:Choice>
@@ -15108,12 +14773,12 @@
     </a:clrScheme>
     <a:fontScheme name="1hz2wouy">
       <a:majorFont>
-        <a:latin typeface="Bentley Light" panose="020F0302020204030204"/>
+        <a:latin typeface="Bentley Light"/>
         <a:ea typeface="黑体"/>
         <a:cs typeface=""/>
       </a:majorFont>
       <a:minorFont>
-        <a:latin typeface="Bentley Light" panose="020F0502020204030204"/>
+        <a:latin typeface="Bentley Light"/>
         <a:ea typeface="黑体"/>
         <a:cs typeface=""/>
       </a:minorFont>
@@ -15293,7 +14958,7 @@
   <a:extraClrSchemeLst/>
   <a:extLst>
     <a:ext uri="{05A4C25C-085E-4340-85A3-A5531E510DB2}">
-      <thm15:themeFamily xmlns:thm15="http://schemas.microsoft.com/office/thememl/2012/main" name="Bentley template 2021.potx" id="{C9F80F40-B2B1-4DB6-919B-71F3AAFFE5B0}" vid="{F9D38CA0-4F02-4029-A6BC-9642EF690A5C}"/>
+      <thm15:themeFamily xmlns:thm15="http://schemas.microsoft.com/office/thememl/2012/main" xmlns="" name="Bentley template 2021.potx" id="{C9F80F40-B2B1-4DB6-919B-71F3AAFFE5B0}" vid="{F9D38CA0-4F02-4029-A6BC-9642EF690A5C}"/>
     </a:ext>
   </a:extLst>
 </a:theme>
@@ -15342,12 +15007,12 @@
     </a:clrScheme>
     <a:fontScheme name="1hz2wouy">
       <a:majorFont>
-        <a:latin typeface="Bentley Light" panose="020F0302020204030204"/>
+        <a:latin typeface="Bentley Light"/>
         <a:ea typeface="黑体"/>
         <a:cs typeface=""/>
       </a:majorFont>
       <a:minorFont>
-        <a:latin typeface="Bentley Light" panose="020F0502020204030204"/>
+        <a:latin typeface="Bentley Light"/>
         <a:ea typeface="黑体"/>
         <a:cs typeface=""/>
       </a:minorFont>
@@ -15527,7 +15192,7 @@
   <a:extraClrSchemeLst/>
   <a:extLst>
     <a:ext uri="{05A4C25C-085E-4340-85A3-A5531E510DB2}">
-      <thm15:themeFamily xmlns:thm15="http://schemas.microsoft.com/office/thememl/2012/main" name="Bentley template 2021.potx" id="{C9F80F40-B2B1-4DB6-919B-71F3AAFFE5B0}" vid="{F9D38CA0-4F02-4029-A6BC-9642EF690A5C}"/>
+      <thm15:themeFamily xmlns:thm15="http://schemas.microsoft.com/office/thememl/2012/main" xmlns="" name="Bentley template 2021.potx" id="{C9F80F40-B2B1-4DB6-919B-71F3AAFFE5B0}" vid="{F9D38CA0-4F02-4029-A6BC-9642EF690A5C}"/>
     </a:ext>
   </a:extLst>
 </a:theme>
@@ -15576,7 +15241,7 @@
     </a:clrScheme>
     <a:fontScheme name="Office">
       <a:majorFont>
-        <a:latin typeface="Calibri Light" panose="020F0302020204030204"/>
+        <a:latin typeface="Calibri Light"/>
         <a:ea typeface=""/>
         <a:cs typeface=""/>
         <a:font script="Jpan" typeface="游ゴシック Light"/>
@@ -15611,7 +15276,7 @@
         <a:font script="Geor" typeface="Sylfaen"/>
       </a:majorFont>
       <a:minorFont>
-        <a:latin typeface="Calibri" panose="020F0502020204030204"/>
+        <a:latin typeface="Calibri"/>
         <a:ea typeface=""/>
         <a:cs typeface=""/>
         <a:font script="Jpan" typeface="游ゴシック"/>
@@ -15788,7 +15453,7 @@
   <a:extraClrSchemeLst/>
   <a:extLst>
     <a:ext uri="{05A4C25C-085E-4340-85A3-A5531E510DB2}">
-      <thm15:themeFamily xmlns:thm15="http://schemas.microsoft.com/office/thememl/2012/main" name="Office Theme" id="{62F939B6-93AF-4DB8-9C6B-D6C7DFDC589F}" vid="{4A3C46E8-61CC-4603-A589-7422A47A8E4A}"/>
+      <thm15:themeFamily xmlns:thm15="http://schemas.microsoft.com/office/thememl/2012/main" xmlns="" name="Office Theme" id="{62F939B6-93AF-4DB8-9C6B-D6C7DFDC589F}" vid="{4A3C46E8-61CC-4603-A589-7422A47A8E4A}"/>
     </a:ext>
   </a:extLst>
 </a:theme>

--- a/com.yrtech.bentleyAPI/com.yrtech.InventoryAPI/template/PlanOnLine.pptx
+++ b/com.yrtech.bentleyAPI/com.yrtech.InventoryAPI/template/PlanOnLine.pptx
@@ -117,7 +117,7 @@
   </p:defaultTextStyle>
   <p:extLst>
     <p:ext uri="{EFAFB233-063F-42B5-8137-9DF3F51BA10A}">
-      <p15:sldGuideLst xmlns:p15="http://schemas.microsoft.com/office/powerpoint/2012/main" xmlns="">
+      <p15:sldGuideLst xmlns:p15="http://schemas.microsoft.com/office/powerpoint/2012/main">
         <p15:guide id="1" pos="7310" userDrawn="1">
           <p15:clr>
             <a:srgbClr val="A4A3A4"/>
@@ -221,7 +221,7 @@
           <a:p>
             <a:fld id="{69A4D669-94F9-4D70-8C76-4C2D35D4E5D0}" type="datetimeFigureOut">
               <a:rPr lang="en-US" smtClean="0"/>
-              <a:t>4/2/2022</a:t>
+              <a:t>4/26/2022</a:t>
             </a:fld>
             <a:endParaRPr lang="en-US"/>
           </a:p>
@@ -761,7 +761,7 @@
           <a:graphicData uri="http://schemas.openxmlformats.org/presentationml/2006/ole">
             <mc:AlternateContent xmlns:mc="http://schemas.openxmlformats.org/markup-compatibility/2006">
               <mc:Choice xmlns:v="urn:schemas-microsoft-com:vml" Requires="v">
-                <p:oleObj spid="_x0000_s32805" name="think-cell Slide" r:id="rId5" imgW="216" imgH="216" progId="TCLayout.ActiveDocument.1">
+                <p:oleObj spid="_x0000_s32806" name="think-cell Slide" r:id="rId5" imgW="216" imgH="216" progId="TCLayout.ActiveDocument.1">
                   <p:embed/>
                 </p:oleObj>
               </mc:Choice>
@@ -958,7 +958,7 @@
           <p:cNvPr id="4" name="Footer Placeholder 3">
             <a:extLst>
               <a:ext uri="{FF2B5EF4-FFF2-40B4-BE49-F238E27FC236}">
-                <a16:creationId xmlns:a16="http://schemas.microsoft.com/office/drawing/2014/main" xmlns="" id="{17D6DE4C-D976-4B4B-B087-C035EF8D4F6F}"/>
+                <a16:creationId xmlns:a16="http://schemas.microsoft.com/office/drawing/2014/main" id="{17D6DE4C-D976-4B4B-B087-C035EF8D4F6F}"/>
               </a:ext>
             </a:extLst>
           </p:cNvPr>
@@ -1017,7 +1017,7 @@
           <p:cNvPr id="13" name="Straight Connector 12">
             <a:extLst>
               <a:ext uri="{FF2B5EF4-FFF2-40B4-BE49-F238E27FC236}">
-                <a16:creationId xmlns:a16="http://schemas.microsoft.com/office/drawing/2014/main" xmlns="" id="{95C486A1-9876-924E-85C2-906892F8B9AC}"/>
+                <a16:creationId xmlns:a16="http://schemas.microsoft.com/office/drawing/2014/main" id="{95C486A1-9876-924E-85C2-906892F8B9AC}"/>
               </a:ext>
             </a:extLst>
           </p:cNvPr>
@@ -1060,7 +1060,7 @@
           <p:cNvPr id="17" name="Slide Number Placeholder 5">
             <a:extLst>
               <a:ext uri="{FF2B5EF4-FFF2-40B4-BE49-F238E27FC236}">
-                <a16:creationId xmlns:a16="http://schemas.microsoft.com/office/drawing/2014/main" xmlns="" id="{CC67CD5C-67EC-5144-B858-5347C50D1ACD}"/>
+                <a16:creationId xmlns:a16="http://schemas.microsoft.com/office/drawing/2014/main" id="{CC67CD5C-67EC-5144-B858-5347C50D1ACD}"/>
               </a:ext>
             </a:extLst>
           </p:cNvPr>
@@ -1112,7 +1112,7 @@
           <p:cNvPr id="8" name="Title 7">
             <a:extLst>
               <a:ext uri="{FF2B5EF4-FFF2-40B4-BE49-F238E27FC236}">
-                <a16:creationId xmlns:a16="http://schemas.microsoft.com/office/drawing/2014/main" xmlns="" id="{8A6F1540-D306-D44E-B1B3-1ACCF1041F70}"/>
+                <a16:creationId xmlns:a16="http://schemas.microsoft.com/office/drawing/2014/main" id="{8A6F1540-D306-D44E-B1B3-1ACCF1041F70}"/>
               </a:ext>
             </a:extLst>
           </p:cNvPr>
@@ -1519,7 +1519,7 @@
           <a:graphicData uri="http://schemas.openxmlformats.org/presentationml/2006/ole">
             <mc:AlternateContent xmlns:mc="http://schemas.openxmlformats.org/markup-compatibility/2006">
               <mc:Choice xmlns:v="urn:schemas-microsoft-com:vml" Requires="v">
-                <p:oleObj spid="_x0000_s33829" name="think-cell Slide" r:id="rId4" imgW="216" imgH="216" progId="TCLayout.ActiveDocument.1">
+                <p:oleObj spid="_x0000_s33830" name="think-cell Slide" r:id="rId4" imgW="216" imgH="216" progId="TCLayout.ActiveDocument.1">
                   <p:embed/>
                 </p:oleObj>
               </mc:Choice>
@@ -1645,7 +1645,7 @@
           <p:cNvPr id="8" name="Title 7">
             <a:extLst>
               <a:ext uri="{FF2B5EF4-FFF2-40B4-BE49-F238E27FC236}">
-                <a16:creationId xmlns:a16="http://schemas.microsoft.com/office/drawing/2014/main" xmlns="" id="{8A6F1540-D306-D44E-B1B3-1ACCF1041F70}"/>
+                <a16:creationId xmlns:a16="http://schemas.microsoft.com/office/drawing/2014/main" id="{8A6F1540-D306-D44E-B1B3-1ACCF1041F70}"/>
               </a:ext>
             </a:extLst>
           </p:cNvPr>
@@ -1681,7 +1681,7 @@
           <p:cNvPr id="9" name="Content Placeholder 2">
             <a:extLst>
               <a:ext uri="{FF2B5EF4-FFF2-40B4-BE49-F238E27FC236}">
-                <a16:creationId xmlns:a16="http://schemas.microsoft.com/office/drawing/2014/main" xmlns="" id="{0A7C1352-3D49-F849-9BC3-BC0AF9CD8F04}"/>
+                <a16:creationId xmlns:a16="http://schemas.microsoft.com/office/drawing/2014/main" id="{0A7C1352-3D49-F849-9BC3-BC0AF9CD8F04}"/>
               </a:ext>
             </a:extLst>
           </p:cNvPr>
@@ -1773,7 +1773,7 @@
           <p:cNvPr id="10" name="Content Placeholder 2">
             <a:extLst>
               <a:ext uri="{FF2B5EF4-FFF2-40B4-BE49-F238E27FC236}">
-                <a16:creationId xmlns:a16="http://schemas.microsoft.com/office/drawing/2014/main" xmlns="" id="{D1AA7CFB-7669-2648-A3E1-E647E531399E}"/>
+                <a16:creationId xmlns:a16="http://schemas.microsoft.com/office/drawing/2014/main" id="{D1AA7CFB-7669-2648-A3E1-E647E531399E}"/>
               </a:ext>
             </a:extLst>
           </p:cNvPr>
@@ -1865,7 +1865,7 @@
           <p:cNvPr id="11" name="Content Placeholder 2">
             <a:extLst>
               <a:ext uri="{FF2B5EF4-FFF2-40B4-BE49-F238E27FC236}">
-                <a16:creationId xmlns:a16="http://schemas.microsoft.com/office/drawing/2014/main" xmlns="" id="{2E4B4082-D988-5D43-9C32-2C7F747717ED}"/>
+                <a16:creationId xmlns:a16="http://schemas.microsoft.com/office/drawing/2014/main" id="{2E4B4082-D988-5D43-9C32-2C7F747717ED}"/>
               </a:ext>
             </a:extLst>
           </p:cNvPr>
@@ -1957,7 +1957,7 @@
           <p:cNvPr id="12" name="Content Placeholder 2">
             <a:extLst>
               <a:ext uri="{FF2B5EF4-FFF2-40B4-BE49-F238E27FC236}">
-                <a16:creationId xmlns:a16="http://schemas.microsoft.com/office/drawing/2014/main" xmlns="" id="{45B8DE4D-1F9B-7341-8CB2-D70634815B55}"/>
+                <a16:creationId xmlns:a16="http://schemas.microsoft.com/office/drawing/2014/main" id="{45B8DE4D-1F9B-7341-8CB2-D70634815B55}"/>
               </a:ext>
             </a:extLst>
           </p:cNvPr>
@@ -2049,7 +2049,7 @@
           <p:cNvPr id="14" name="Footer Placeholder 3">
             <a:extLst>
               <a:ext uri="{FF2B5EF4-FFF2-40B4-BE49-F238E27FC236}">
-                <a16:creationId xmlns:a16="http://schemas.microsoft.com/office/drawing/2014/main" xmlns="" id="{DBA440F4-82E0-7E45-8A6F-4A8C7572AEE5}"/>
+                <a16:creationId xmlns:a16="http://schemas.microsoft.com/office/drawing/2014/main" id="{DBA440F4-82E0-7E45-8A6F-4A8C7572AEE5}"/>
               </a:ext>
             </a:extLst>
           </p:cNvPr>
@@ -2108,7 +2108,7 @@
           <p:cNvPr id="15" name="Slide Number Placeholder 5">
             <a:extLst>
               <a:ext uri="{FF2B5EF4-FFF2-40B4-BE49-F238E27FC236}">
-                <a16:creationId xmlns:a16="http://schemas.microsoft.com/office/drawing/2014/main" xmlns="" id="{CC67CD5C-67EC-5144-B858-5347C50D1ACD}"/>
+                <a16:creationId xmlns:a16="http://schemas.microsoft.com/office/drawing/2014/main" id="{CC67CD5C-67EC-5144-B858-5347C50D1ACD}"/>
               </a:ext>
             </a:extLst>
           </p:cNvPr>
@@ -2160,7 +2160,7 @@
           <p:cNvPr id="16" name="Straight Connector 15">
             <a:extLst>
               <a:ext uri="{FF2B5EF4-FFF2-40B4-BE49-F238E27FC236}">
-                <a16:creationId xmlns:a16="http://schemas.microsoft.com/office/drawing/2014/main" xmlns="" id="{95C486A1-9876-924E-85C2-906892F8B9AC}"/>
+                <a16:creationId xmlns:a16="http://schemas.microsoft.com/office/drawing/2014/main" id="{95C486A1-9876-924E-85C2-906892F8B9AC}"/>
               </a:ext>
             </a:extLst>
           </p:cNvPr>
@@ -2256,7 +2256,7 @@
           <a:graphicData uri="http://schemas.openxmlformats.org/presentationml/2006/ole">
             <mc:AlternateContent xmlns:mc="http://schemas.openxmlformats.org/markup-compatibility/2006">
               <mc:Choice xmlns:v="urn:schemas-microsoft-com:vml" Requires="v">
-                <p:oleObj spid="_x0000_s34853" name="think-cell Slide" r:id="rId4" imgW="216" imgH="216" progId="TCLayout.ActiveDocument.1">
+                <p:oleObj spid="_x0000_s34854" name="think-cell Slide" r:id="rId4" imgW="216" imgH="216" progId="TCLayout.ActiveDocument.1">
                   <p:embed/>
                 </p:oleObj>
               </mc:Choice>
@@ -2296,7 +2296,7 @@
           <p:cNvPr id="8" name="Title 7">
             <a:extLst>
               <a:ext uri="{FF2B5EF4-FFF2-40B4-BE49-F238E27FC236}">
-                <a16:creationId xmlns:a16="http://schemas.microsoft.com/office/drawing/2014/main" xmlns="" id="{8A6F1540-D306-D44E-B1B3-1ACCF1041F70}"/>
+                <a16:creationId xmlns:a16="http://schemas.microsoft.com/office/drawing/2014/main" id="{8A6F1540-D306-D44E-B1B3-1ACCF1041F70}"/>
               </a:ext>
             </a:extLst>
           </p:cNvPr>
@@ -3092,7 +3092,7 @@
           <p:cNvPr id="37" name="Footer Placeholder 3">
             <a:extLst>
               <a:ext uri="{FF2B5EF4-FFF2-40B4-BE49-F238E27FC236}">
-                <a16:creationId xmlns:a16="http://schemas.microsoft.com/office/drawing/2014/main" xmlns="" id="{DBA440F4-82E0-7E45-8A6F-4A8C7572AEE5}"/>
+                <a16:creationId xmlns:a16="http://schemas.microsoft.com/office/drawing/2014/main" id="{DBA440F4-82E0-7E45-8A6F-4A8C7572AEE5}"/>
               </a:ext>
             </a:extLst>
           </p:cNvPr>
@@ -3151,7 +3151,7 @@
           <p:cNvPr id="38" name="Slide Number Placeholder 5">
             <a:extLst>
               <a:ext uri="{FF2B5EF4-FFF2-40B4-BE49-F238E27FC236}">
-                <a16:creationId xmlns:a16="http://schemas.microsoft.com/office/drawing/2014/main" xmlns="" id="{CC67CD5C-67EC-5144-B858-5347C50D1ACD}"/>
+                <a16:creationId xmlns:a16="http://schemas.microsoft.com/office/drawing/2014/main" id="{CC67CD5C-67EC-5144-B858-5347C50D1ACD}"/>
               </a:ext>
             </a:extLst>
           </p:cNvPr>
@@ -3203,7 +3203,7 @@
           <p:cNvPr id="39" name="Straight Connector 38">
             <a:extLst>
               <a:ext uri="{FF2B5EF4-FFF2-40B4-BE49-F238E27FC236}">
-                <a16:creationId xmlns:a16="http://schemas.microsoft.com/office/drawing/2014/main" xmlns="" id="{95C486A1-9876-924E-85C2-906892F8B9AC}"/>
+                <a16:creationId xmlns:a16="http://schemas.microsoft.com/office/drawing/2014/main" id="{95C486A1-9876-924E-85C2-906892F8B9AC}"/>
               </a:ext>
             </a:extLst>
           </p:cNvPr>
@@ -3304,7 +3304,7 @@
           <a:graphicData uri="http://schemas.openxmlformats.org/presentationml/2006/ole">
             <mc:AlternateContent xmlns:mc="http://schemas.openxmlformats.org/markup-compatibility/2006">
               <mc:Choice xmlns:v="urn:schemas-microsoft-com:vml" Requires="v">
-                <p:oleObj spid="_x0000_s35877" name="think-cell Slide" r:id="rId5" imgW="216" imgH="216" progId="TCLayout.ActiveDocument.1">
+                <p:oleObj spid="_x0000_s35878" name="think-cell Slide" r:id="rId5" imgW="216" imgH="216" progId="TCLayout.ActiveDocument.1">
                   <p:embed/>
                 </p:oleObj>
               </mc:Choice>
@@ -3521,7 +3521,7 @@
           <p:cNvPr id="4" name="Footer Placeholder 3">
             <a:extLst>
               <a:ext uri="{FF2B5EF4-FFF2-40B4-BE49-F238E27FC236}">
-                <a16:creationId xmlns:a16="http://schemas.microsoft.com/office/drawing/2014/main" xmlns="" id="{17D6DE4C-D976-4B4B-B087-C035EF8D4F6F}"/>
+                <a16:creationId xmlns:a16="http://schemas.microsoft.com/office/drawing/2014/main" id="{17D6DE4C-D976-4B4B-B087-C035EF8D4F6F}"/>
               </a:ext>
             </a:extLst>
           </p:cNvPr>
@@ -3580,7 +3580,7 @@
           <p:cNvPr id="17" name="Slide Number Placeholder 5">
             <a:extLst>
               <a:ext uri="{FF2B5EF4-FFF2-40B4-BE49-F238E27FC236}">
-                <a16:creationId xmlns:a16="http://schemas.microsoft.com/office/drawing/2014/main" xmlns="" id="{CC67CD5C-67EC-5144-B858-5347C50D1ACD}"/>
+                <a16:creationId xmlns:a16="http://schemas.microsoft.com/office/drawing/2014/main" id="{CC67CD5C-67EC-5144-B858-5347C50D1ACD}"/>
               </a:ext>
             </a:extLst>
           </p:cNvPr>
@@ -3632,7 +3632,7 @@
           <p:cNvPr id="8" name="Title 7">
             <a:extLst>
               <a:ext uri="{FF2B5EF4-FFF2-40B4-BE49-F238E27FC236}">
-                <a16:creationId xmlns:a16="http://schemas.microsoft.com/office/drawing/2014/main" xmlns="" id="{8A6F1540-D306-D44E-B1B3-1ACCF1041F70}"/>
+                <a16:creationId xmlns:a16="http://schemas.microsoft.com/office/drawing/2014/main" id="{8A6F1540-D306-D44E-B1B3-1ACCF1041F70}"/>
               </a:ext>
             </a:extLst>
           </p:cNvPr>
@@ -3676,7 +3676,7 @@
           <p:cNvPr id="9" name="Straight Connector 8">
             <a:extLst>
               <a:ext uri="{FF2B5EF4-FFF2-40B4-BE49-F238E27FC236}">
-                <a16:creationId xmlns:a16="http://schemas.microsoft.com/office/drawing/2014/main" xmlns="" id="{BB1AA2BE-B537-254D-958A-FBAFDE7E90DC}"/>
+                <a16:creationId xmlns:a16="http://schemas.microsoft.com/office/drawing/2014/main" id="{BB1AA2BE-B537-254D-958A-FBAFDE7E90DC}"/>
               </a:ext>
             </a:extLst>
           </p:cNvPr>
@@ -3719,7 +3719,7 @@
           <p:cNvPr id="10" name="Straight Connector 9">
             <a:extLst>
               <a:ext uri="{FF2B5EF4-FFF2-40B4-BE49-F238E27FC236}">
-                <a16:creationId xmlns:a16="http://schemas.microsoft.com/office/drawing/2014/main" xmlns="" id="{95C486A1-9876-924E-85C2-906892F8B9AC}"/>
+                <a16:creationId xmlns:a16="http://schemas.microsoft.com/office/drawing/2014/main" id="{95C486A1-9876-924E-85C2-906892F8B9AC}"/>
               </a:ext>
             </a:extLst>
           </p:cNvPr>
@@ -4096,7 +4096,7 @@
           <a:graphicData uri="http://schemas.openxmlformats.org/presentationml/2006/ole">
             <mc:AlternateContent xmlns:mc="http://schemas.openxmlformats.org/markup-compatibility/2006">
               <mc:Choice xmlns:v="urn:schemas-microsoft-com:vml" Requires="v">
-                <p:oleObj spid="_x0000_s37925" name="think-cell Slide" r:id="rId5" imgW="216" imgH="216" progId="TCLayout.ActiveDocument.1">
+                <p:oleObj spid="_x0000_s37926" name="think-cell Slide" r:id="rId5" imgW="216" imgH="216" progId="TCLayout.ActiveDocument.1">
                   <p:embed/>
                 </p:oleObj>
               </mc:Choice>
@@ -4293,7 +4293,7 @@
           <p:cNvPr id="4" name="Footer Placeholder 3">
             <a:extLst>
               <a:ext uri="{FF2B5EF4-FFF2-40B4-BE49-F238E27FC236}">
-                <a16:creationId xmlns:a16="http://schemas.microsoft.com/office/drawing/2014/main" xmlns="" id="{17D6DE4C-D976-4B4B-B087-C035EF8D4F6F}"/>
+                <a16:creationId xmlns:a16="http://schemas.microsoft.com/office/drawing/2014/main" id="{17D6DE4C-D976-4B4B-B087-C035EF8D4F6F}"/>
               </a:ext>
             </a:extLst>
           </p:cNvPr>
@@ -4352,7 +4352,7 @@
           <p:cNvPr id="13" name="Straight Connector 12">
             <a:extLst>
               <a:ext uri="{FF2B5EF4-FFF2-40B4-BE49-F238E27FC236}">
-                <a16:creationId xmlns:a16="http://schemas.microsoft.com/office/drawing/2014/main" xmlns="" id="{95C486A1-9876-924E-85C2-906892F8B9AC}"/>
+                <a16:creationId xmlns:a16="http://schemas.microsoft.com/office/drawing/2014/main" id="{95C486A1-9876-924E-85C2-906892F8B9AC}"/>
               </a:ext>
             </a:extLst>
           </p:cNvPr>
@@ -4395,7 +4395,7 @@
           <p:cNvPr id="17" name="Slide Number Placeholder 5">
             <a:extLst>
               <a:ext uri="{FF2B5EF4-FFF2-40B4-BE49-F238E27FC236}">
-                <a16:creationId xmlns:a16="http://schemas.microsoft.com/office/drawing/2014/main" xmlns="" id="{CC67CD5C-67EC-5144-B858-5347C50D1ACD}"/>
+                <a16:creationId xmlns:a16="http://schemas.microsoft.com/office/drawing/2014/main" id="{CC67CD5C-67EC-5144-B858-5347C50D1ACD}"/>
               </a:ext>
             </a:extLst>
           </p:cNvPr>
@@ -4447,7 +4447,7 @@
           <p:cNvPr id="8" name="Title 7">
             <a:extLst>
               <a:ext uri="{FF2B5EF4-FFF2-40B4-BE49-F238E27FC236}">
-                <a16:creationId xmlns:a16="http://schemas.microsoft.com/office/drawing/2014/main" xmlns="" id="{8A6F1540-D306-D44E-B1B3-1ACCF1041F70}"/>
+                <a16:creationId xmlns:a16="http://schemas.microsoft.com/office/drawing/2014/main" id="{8A6F1540-D306-D44E-B1B3-1ACCF1041F70}"/>
               </a:ext>
             </a:extLst>
           </p:cNvPr>
@@ -4573,7 +4573,7 @@
           <a:graphicData uri="http://schemas.openxmlformats.org/presentationml/2006/ole">
             <mc:AlternateContent xmlns:mc="http://schemas.openxmlformats.org/markup-compatibility/2006">
               <mc:Choice xmlns:v="urn:schemas-microsoft-com:vml" Requires="v">
-                <p:oleObj spid="_x0000_s38949" name="think-cell Slide" r:id="rId4" imgW="216" imgH="216" progId="TCLayout.ActiveDocument.1">
+                <p:oleObj spid="_x0000_s38950" name="think-cell Slide" r:id="rId4" imgW="216" imgH="216" progId="TCLayout.ActiveDocument.1">
                   <p:embed/>
                 </p:oleObj>
               </mc:Choice>
@@ -4699,7 +4699,7 @@
           <p:cNvPr id="8" name="Title 7">
             <a:extLst>
               <a:ext uri="{FF2B5EF4-FFF2-40B4-BE49-F238E27FC236}">
-                <a16:creationId xmlns:a16="http://schemas.microsoft.com/office/drawing/2014/main" xmlns="" id="{8A6F1540-D306-D44E-B1B3-1ACCF1041F70}"/>
+                <a16:creationId xmlns:a16="http://schemas.microsoft.com/office/drawing/2014/main" id="{8A6F1540-D306-D44E-B1B3-1ACCF1041F70}"/>
               </a:ext>
             </a:extLst>
           </p:cNvPr>
@@ -4735,7 +4735,7 @@
           <p:cNvPr id="9" name="Content Placeholder 2">
             <a:extLst>
               <a:ext uri="{FF2B5EF4-FFF2-40B4-BE49-F238E27FC236}">
-                <a16:creationId xmlns:a16="http://schemas.microsoft.com/office/drawing/2014/main" xmlns="" id="{0A7C1352-3D49-F849-9BC3-BC0AF9CD8F04}"/>
+                <a16:creationId xmlns:a16="http://schemas.microsoft.com/office/drawing/2014/main" id="{0A7C1352-3D49-F849-9BC3-BC0AF9CD8F04}"/>
               </a:ext>
             </a:extLst>
           </p:cNvPr>
@@ -4827,7 +4827,7 @@
           <p:cNvPr id="10" name="Content Placeholder 2">
             <a:extLst>
               <a:ext uri="{FF2B5EF4-FFF2-40B4-BE49-F238E27FC236}">
-                <a16:creationId xmlns:a16="http://schemas.microsoft.com/office/drawing/2014/main" xmlns="" id="{D1AA7CFB-7669-2648-A3E1-E647E531399E}"/>
+                <a16:creationId xmlns:a16="http://schemas.microsoft.com/office/drawing/2014/main" id="{D1AA7CFB-7669-2648-A3E1-E647E531399E}"/>
               </a:ext>
             </a:extLst>
           </p:cNvPr>
@@ -4919,7 +4919,7 @@
           <p:cNvPr id="11" name="Content Placeholder 2">
             <a:extLst>
               <a:ext uri="{FF2B5EF4-FFF2-40B4-BE49-F238E27FC236}">
-                <a16:creationId xmlns:a16="http://schemas.microsoft.com/office/drawing/2014/main" xmlns="" id="{2E4B4082-D988-5D43-9C32-2C7F747717ED}"/>
+                <a16:creationId xmlns:a16="http://schemas.microsoft.com/office/drawing/2014/main" id="{2E4B4082-D988-5D43-9C32-2C7F747717ED}"/>
               </a:ext>
             </a:extLst>
           </p:cNvPr>
@@ -5011,7 +5011,7 @@
           <p:cNvPr id="12" name="Content Placeholder 2">
             <a:extLst>
               <a:ext uri="{FF2B5EF4-FFF2-40B4-BE49-F238E27FC236}">
-                <a16:creationId xmlns:a16="http://schemas.microsoft.com/office/drawing/2014/main" xmlns="" id="{45B8DE4D-1F9B-7341-8CB2-D70634815B55}"/>
+                <a16:creationId xmlns:a16="http://schemas.microsoft.com/office/drawing/2014/main" id="{45B8DE4D-1F9B-7341-8CB2-D70634815B55}"/>
               </a:ext>
             </a:extLst>
           </p:cNvPr>
@@ -5103,7 +5103,7 @@
           <p:cNvPr id="14" name="Footer Placeholder 3">
             <a:extLst>
               <a:ext uri="{FF2B5EF4-FFF2-40B4-BE49-F238E27FC236}">
-                <a16:creationId xmlns:a16="http://schemas.microsoft.com/office/drawing/2014/main" xmlns="" id="{DBA440F4-82E0-7E45-8A6F-4A8C7572AEE5}"/>
+                <a16:creationId xmlns:a16="http://schemas.microsoft.com/office/drawing/2014/main" id="{DBA440F4-82E0-7E45-8A6F-4A8C7572AEE5}"/>
               </a:ext>
             </a:extLst>
           </p:cNvPr>
@@ -5162,7 +5162,7 @@
           <p:cNvPr id="15" name="Slide Number Placeholder 5">
             <a:extLst>
               <a:ext uri="{FF2B5EF4-FFF2-40B4-BE49-F238E27FC236}">
-                <a16:creationId xmlns:a16="http://schemas.microsoft.com/office/drawing/2014/main" xmlns="" id="{CC67CD5C-67EC-5144-B858-5347C50D1ACD}"/>
+                <a16:creationId xmlns:a16="http://schemas.microsoft.com/office/drawing/2014/main" id="{CC67CD5C-67EC-5144-B858-5347C50D1ACD}"/>
               </a:ext>
             </a:extLst>
           </p:cNvPr>
@@ -5214,7 +5214,7 @@
           <p:cNvPr id="16" name="Straight Connector 15">
             <a:extLst>
               <a:ext uri="{FF2B5EF4-FFF2-40B4-BE49-F238E27FC236}">
-                <a16:creationId xmlns:a16="http://schemas.microsoft.com/office/drawing/2014/main" xmlns="" id="{95C486A1-9876-924E-85C2-906892F8B9AC}"/>
+                <a16:creationId xmlns:a16="http://schemas.microsoft.com/office/drawing/2014/main" id="{95C486A1-9876-924E-85C2-906892F8B9AC}"/>
               </a:ext>
             </a:extLst>
           </p:cNvPr>
@@ -5310,7 +5310,7 @@
           <a:graphicData uri="http://schemas.openxmlformats.org/presentationml/2006/ole">
             <mc:AlternateContent xmlns:mc="http://schemas.openxmlformats.org/markup-compatibility/2006">
               <mc:Choice xmlns:v="urn:schemas-microsoft-com:vml" Requires="v">
-                <p:oleObj spid="_x0000_s39973" name="think-cell Slide" r:id="rId4" imgW="216" imgH="216" progId="TCLayout.ActiveDocument.1">
+                <p:oleObj spid="_x0000_s39974" name="think-cell Slide" r:id="rId4" imgW="216" imgH="216" progId="TCLayout.ActiveDocument.1">
                   <p:embed/>
                 </p:oleObj>
               </mc:Choice>
@@ -5350,7 +5350,7 @@
           <p:cNvPr id="8" name="Title 7">
             <a:extLst>
               <a:ext uri="{FF2B5EF4-FFF2-40B4-BE49-F238E27FC236}">
-                <a16:creationId xmlns:a16="http://schemas.microsoft.com/office/drawing/2014/main" xmlns="" id="{8A6F1540-D306-D44E-B1B3-1ACCF1041F70}"/>
+                <a16:creationId xmlns:a16="http://schemas.microsoft.com/office/drawing/2014/main" id="{8A6F1540-D306-D44E-B1B3-1ACCF1041F70}"/>
               </a:ext>
             </a:extLst>
           </p:cNvPr>
@@ -6146,7 +6146,7 @@
           <p:cNvPr id="37" name="Footer Placeholder 3">
             <a:extLst>
               <a:ext uri="{FF2B5EF4-FFF2-40B4-BE49-F238E27FC236}">
-                <a16:creationId xmlns:a16="http://schemas.microsoft.com/office/drawing/2014/main" xmlns="" id="{DBA440F4-82E0-7E45-8A6F-4A8C7572AEE5}"/>
+                <a16:creationId xmlns:a16="http://schemas.microsoft.com/office/drawing/2014/main" id="{DBA440F4-82E0-7E45-8A6F-4A8C7572AEE5}"/>
               </a:ext>
             </a:extLst>
           </p:cNvPr>
@@ -6205,7 +6205,7 @@
           <p:cNvPr id="38" name="Slide Number Placeholder 5">
             <a:extLst>
               <a:ext uri="{FF2B5EF4-FFF2-40B4-BE49-F238E27FC236}">
-                <a16:creationId xmlns:a16="http://schemas.microsoft.com/office/drawing/2014/main" xmlns="" id="{CC67CD5C-67EC-5144-B858-5347C50D1ACD}"/>
+                <a16:creationId xmlns:a16="http://schemas.microsoft.com/office/drawing/2014/main" id="{CC67CD5C-67EC-5144-B858-5347C50D1ACD}"/>
               </a:ext>
             </a:extLst>
           </p:cNvPr>
@@ -6257,7 +6257,7 @@
           <p:cNvPr id="39" name="Straight Connector 38">
             <a:extLst>
               <a:ext uri="{FF2B5EF4-FFF2-40B4-BE49-F238E27FC236}">
-                <a16:creationId xmlns:a16="http://schemas.microsoft.com/office/drawing/2014/main" xmlns="" id="{95C486A1-9876-924E-85C2-906892F8B9AC}"/>
+                <a16:creationId xmlns:a16="http://schemas.microsoft.com/office/drawing/2014/main" id="{95C486A1-9876-924E-85C2-906892F8B9AC}"/>
               </a:ext>
             </a:extLst>
           </p:cNvPr>
@@ -6358,7 +6358,7 @@
           <a:graphicData uri="http://schemas.openxmlformats.org/presentationml/2006/ole">
             <mc:AlternateContent xmlns:mc="http://schemas.openxmlformats.org/markup-compatibility/2006">
               <mc:Choice xmlns:v="urn:schemas-microsoft-com:vml" Requires="v">
-                <p:oleObj spid="_x0000_s40997" name="think-cell Slide" r:id="rId5" imgW="216" imgH="216" progId="TCLayout.ActiveDocument.1">
+                <p:oleObj spid="_x0000_s40998" name="think-cell Slide" r:id="rId5" imgW="216" imgH="216" progId="TCLayout.ActiveDocument.1">
                   <p:embed/>
                 </p:oleObj>
               </mc:Choice>
@@ -6575,7 +6575,7 @@
           <p:cNvPr id="4" name="Footer Placeholder 3">
             <a:extLst>
               <a:ext uri="{FF2B5EF4-FFF2-40B4-BE49-F238E27FC236}">
-                <a16:creationId xmlns:a16="http://schemas.microsoft.com/office/drawing/2014/main" xmlns="" id="{17D6DE4C-D976-4B4B-B087-C035EF8D4F6F}"/>
+                <a16:creationId xmlns:a16="http://schemas.microsoft.com/office/drawing/2014/main" id="{17D6DE4C-D976-4B4B-B087-C035EF8D4F6F}"/>
               </a:ext>
             </a:extLst>
           </p:cNvPr>
@@ -6634,7 +6634,7 @@
           <p:cNvPr id="17" name="Slide Number Placeholder 5">
             <a:extLst>
               <a:ext uri="{FF2B5EF4-FFF2-40B4-BE49-F238E27FC236}">
-                <a16:creationId xmlns:a16="http://schemas.microsoft.com/office/drawing/2014/main" xmlns="" id="{CC67CD5C-67EC-5144-B858-5347C50D1ACD}"/>
+                <a16:creationId xmlns:a16="http://schemas.microsoft.com/office/drawing/2014/main" id="{CC67CD5C-67EC-5144-B858-5347C50D1ACD}"/>
               </a:ext>
             </a:extLst>
           </p:cNvPr>
@@ -6686,7 +6686,7 @@
           <p:cNvPr id="8" name="Title 7">
             <a:extLst>
               <a:ext uri="{FF2B5EF4-FFF2-40B4-BE49-F238E27FC236}">
-                <a16:creationId xmlns:a16="http://schemas.microsoft.com/office/drawing/2014/main" xmlns="" id="{8A6F1540-D306-D44E-B1B3-1ACCF1041F70}"/>
+                <a16:creationId xmlns:a16="http://schemas.microsoft.com/office/drawing/2014/main" id="{8A6F1540-D306-D44E-B1B3-1ACCF1041F70}"/>
               </a:ext>
             </a:extLst>
           </p:cNvPr>
@@ -6730,7 +6730,7 @@
           <p:cNvPr id="9" name="Straight Connector 8">
             <a:extLst>
               <a:ext uri="{FF2B5EF4-FFF2-40B4-BE49-F238E27FC236}">
-                <a16:creationId xmlns:a16="http://schemas.microsoft.com/office/drawing/2014/main" xmlns="" id="{BB1AA2BE-B537-254D-958A-FBAFDE7E90DC}"/>
+                <a16:creationId xmlns:a16="http://schemas.microsoft.com/office/drawing/2014/main" id="{BB1AA2BE-B537-254D-958A-FBAFDE7E90DC}"/>
               </a:ext>
             </a:extLst>
           </p:cNvPr>
@@ -6773,7 +6773,7 @@
           <p:cNvPr id="10" name="Straight Connector 9">
             <a:extLst>
               <a:ext uri="{FF2B5EF4-FFF2-40B4-BE49-F238E27FC236}">
-                <a16:creationId xmlns:a16="http://schemas.microsoft.com/office/drawing/2014/main" xmlns="" id="{95C486A1-9876-924E-85C2-906892F8B9AC}"/>
+                <a16:creationId xmlns:a16="http://schemas.microsoft.com/office/drawing/2014/main" id="{95C486A1-9876-924E-85C2-906892F8B9AC}"/>
               </a:ext>
             </a:extLst>
           </p:cNvPr>
@@ -6878,7 +6878,7 @@
           <a:graphicData uri="http://schemas.openxmlformats.org/presentationml/2006/ole">
             <mc:AlternateContent xmlns:mc="http://schemas.openxmlformats.org/markup-compatibility/2006">
               <mc:Choice xmlns:v="urn:schemas-microsoft-com:vml" Requires="v">
-                <p:oleObj spid="_x0000_s31781" name="think-cell Slide" r:id="rId10" imgW="216" imgH="216" progId="TCLayout.ActiveDocument.1">
+                <p:oleObj spid="_x0000_s31782" name="think-cell Slide" r:id="rId10" imgW="216" imgH="216" progId="TCLayout.ActiveDocument.1">
                   <p:embed/>
                 </p:oleObj>
               </mc:Choice>
@@ -6998,7 +6998,7 @@
           <p:cNvPr id="10" name="Straight Connector 9">
             <a:extLst>
               <a:ext uri="{FF2B5EF4-FFF2-40B4-BE49-F238E27FC236}">
-                <a16:creationId xmlns:a16="http://schemas.microsoft.com/office/drawing/2014/main" xmlns="" id="{BB1AA2BE-B537-254D-958A-FBAFDE7E90DC}"/>
+                <a16:creationId xmlns:a16="http://schemas.microsoft.com/office/drawing/2014/main" id="{BB1AA2BE-B537-254D-958A-FBAFDE7E90DC}"/>
               </a:ext>
             </a:extLst>
           </p:cNvPr>
@@ -7041,7 +7041,7 @@
           <p:cNvPr id="15" name="Footer Placeholder 3">
             <a:extLst>
               <a:ext uri="{FF2B5EF4-FFF2-40B4-BE49-F238E27FC236}">
-                <a16:creationId xmlns:a16="http://schemas.microsoft.com/office/drawing/2014/main" xmlns="" id="{DBA440F4-82E0-7E45-8A6F-4A8C7572AEE5}"/>
+                <a16:creationId xmlns:a16="http://schemas.microsoft.com/office/drawing/2014/main" id="{DBA440F4-82E0-7E45-8A6F-4A8C7572AEE5}"/>
               </a:ext>
             </a:extLst>
           </p:cNvPr>
@@ -7100,7 +7100,7 @@
           <p:cNvPr id="16" name="Slide Number Placeholder 5">
             <a:extLst>
               <a:ext uri="{FF2B5EF4-FFF2-40B4-BE49-F238E27FC236}">
-                <a16:creationId xmlns:a16="http://schemas.microsoft.com/office/drawing/2014/main" xmlns="" id="{2D9636C8-FF6B-E141-B9E1-70C7091B23B1}"/>
+                <a16:creationId xmlns:a16="http://schemas.microsoft.com/office/drawing/2014/main" id="{2D9636C8-FF6B-E141-B9E1-70C7091B23B1}"/>
               </a:ext>
             </a:extLst>
           </p:cNvPr>
@@ -7467,7 +7467,7 @@
   </p:txStyles>
   <p:extLst mod="1">
     <p:ext uri="{27BBF7A9-308A-43DC-89C8-2F10F3537804}">
-      <p15:sldGuideLst xmlns:p15="http://schemas.microsoft.com/office/powerpoint/2012/main" xmlns="">
+      <p15:sldGuideLst xmlns:p15="http://schemas.microsoft.com/office/powerpoint/2012/main">
         <p15:guide id="1" orient="horz" pos="2041">
           <p15:clr>
             <a:srgbClr val="F26B43"/>
@@ -7636,7 +7636,7 @@
           <a:graphicData uri="http://schemas.openxmlformats.org/presentationml/2006/ole">
             <mc:AlternateContent xmlns:mc="http://schemas.openxmlformats.org/markup-compatibility/2006">
               <mc:Choice xmlns:v="urn:schemas-microsoft-com:vml" Requires="v">
-                <p:oleObj spid="_x0000_s36902" name="think-cell Slide" r:id="rId10" imgW="216" imgH="216" progId="TCLayout.ActiveDocument.1">
+                <p:oleObj spid="_x0000_s36903" name="think-cell Slide" r:id="rId10" imgW="216" imgH="216" progId="TCLayout.ActiveDocument.1">
                   <p:embed/>
                 </p:oleObj>
               </mc:Choice>
@@ -7756,7 +7756,7 @@
           <p:cNvPr id="10" name="Straight Connector 9">
             <a:extLst>
               <a:ext uri="{FF2B5EF4-FFF2-40B4-BE49-F238E27FC236}">
-                <a16:creationId xmlns:a16="http://schemas.microsoft.com/office/drawing/2014/main" xmlns="" id="{BB1AA2BE-B537-254D-958A-FBAFDE7E90DC}"/>
+                <a16:creationId xmlns:a16="http://schemas.microsoft.com/office/drawing/2014/main" id="{BB1AA2BE-B537-254D-958A-FBAFDE7E90DC}"/>
               </a:ext>
             </a:extLst>
           </p:cNvPr>
@@ -7799,7 +7799,7 @@
           <p:cNvPr id="15" name="Footer Placeholder 3">
             <a:extLst>
               <a:ext uri="{FF2B5EF4-FFF2-40B4-BE49-F238E27FC236}">
-                <a16:creationId xmlns:a16="http://schemas.microsoft.com/office/drawing/2014/main" xmlns="" id="{DBA440F4-82E0-7E45-8A6F-4A8C7572AEE5}"/>
+                <a16:creationId xmlns:a16="http://schemas.microsoft.com/office/drawing/2014/main" id="{DBA440F4-82E0-7E45-8A6F-4A8C7572AEE5}"/>
               </a:ext>
             </a:extLst>
           </p:cNvPr>
@@ -7858,7 +7858,7 @@
           <p:cNvPr id="16" name="Slide Number Placeholder 5">
             <a:extLst>
               <a:ext uri="{FF2B5EF4-FFF2-40B4-BE49-F238E27FC236}">
-                <a16:creationId xmlns:a16="http://schemas.microsoft.com/office/drawing/2014/main" xmlns="" id="{2D9636C8-FF6B-E141-B9E1-70C7091B23B1}"/>
+                <a16:creationId xmlns:a16="http://schemas.microsoft.com/office/drawing/2014/main" id="{2D9636C8-FF6B-E141-B9E1-70C7091B23B1}"/>
               </a:ext>
             </a:extLst>
           </p:cNvPr>
@@ -8225,7 +8225,7 @@
   </p:txStyles>
   <p:extLst mod="1">
     <p:ext uri="{27BBF7A9-308A-43DC-89C8-2F10F3537804}">
-      <p15:sldGuideLst xmlns:p15="http://schemas.microsoft.com/office/powerpoint/2012/main" xmlns="">
+      <p15:sldGuideLst xmlns:p15="http://schemas.microsoft.com/office/powerpoint/2012/main">
         <p15:guide id="1" orient="horz" pos="2041">
           <p15:clr>
             <a:srgbClr val="F26B43"/>
@@ -8389,7 +8389,7 @@
           <a:graphicData uri="http://schemas.openxmlformats.org/presentationml/2006/ole">
             <mc:AlternateContent xmlns:mc="http://schemas.openxmlformats.org/markup-compatibility/2006">
               <mc:Choice xmlns:v="urn:schemas-microsoft-com:vml" Requires="v">
-                <p:oleObj spid="_x0000_s45077" name="think-cell Slide" r:id="rId5" imgW="416" imgH="416" progId="TCLayout.ActiveDocument.1">
+                <p:oleObj spid="_x0000_s45078" name="think-cell Slide" r:id="rId5" imgW="416" imgH="416" progId="TCLayout.ActiveDocument.1">
                   <p:embed/>
                 </p:oleObj>
               </mc:Choice>
@@ -8452,28 +8452,28 @@
                 <a:gridCol w="1924933">
                   <a:extLst>
                     <a:ext uri="{9D8B030D-6E8A-4147-A177-3AD203B41FA5}">
-                      <a16:colId xmlns:a16="http://schemas.microsoft.com/office/drawing/2014/main" xmlns="" val="1357581311"/>
+                      <a16:colId xmlns:a16="http://schemas.microsoft.com/office/drawing/2014/main" val="1357581311"/>
                     </a:ext>
                   </a:extLst>
                 </a:gridCol>
                 <a:gridCol w="3051687">
                   <a:extLst>
                     <a:ext uri="{9D8B030D-6E8A-4147-A177-3AD203B41FA5}">
-                      <a16:colId xmlns:a16="http://schemas.microsoft.com/office/drawing/2014/main" xmlns="" val="1956442140"/>
+                      <a16:colId xmlns:a16="http://schemas.microsoft.com/office/drawing/2014/main" val="1956442140"/>
                     </a:ext>
                   </a:extLst>
                 </a:gridCol>
                 <a:gridCol w="3051686">
                   <a:extLst>
                     <a:ext uri="{9D8B030D-6E8A-4147-A177-3AD203B41FA5}">
-                      <a16:colId xmlns:a16="http://schemas.microsoft.com/office/drawing/2014/main" xmlns="" val="1281931210"/>
+                      <a16:colId xmlns:a16="http://schemas.microsoft.com/office/drawing/2014/main" val="1281931210"/>
                     </a:ext>
                   </a:extLst>
                 </a:gridCol>
                 <a:gridCol w="3051687">
                   <a:extLst>
                     <a:ext uri="{9D8B030D-6E8A-4147-A177-3AD203B41FA5}">
-                      <a16:colId xmlns:a16="http://schemas.microsoft.com/office/drawing/2014/main" xmlns="" val="1777577578"/>
+                      <a16:colId xmlns:a16="http://schemas.microsoft.com/office/drawing/2014/main" val="1777577578"/>
                     </a:ext>
                   </a:extLst>
                 </a:gridCol>
@@ -8598,7 +8598,7 @@
                 </a:tc>
                 <a:extLst>
                   <a:ext uri="{0D108BD9-81ED-4DB2-BD59-A6C34878D82A}">
-                    <a16:rowId xmlns:a16="http://schemas.microsoft.com/office/drawing/2014/main" xmlns="" val="3203583067"/>
+                    <a16:rowId xmlns:a16="http://schemas.microsoft.com/office/drawing/2014/main" val="3203583067"/>
                   </a:ext>
                 </a:extLst>
               </a:tr>
@@ -8847,7 +8847,7 @@
                 </a:tc>
                 <a:extLst>
                   <a:ext uri="{0D108BD9-81ED-4DB2-BD59-A6C34878D82A}">
-                    <a16:rowId xmlns:a16="http://schemas.microsoft.com/office/drawing/2014/main" xmlns="" val="851841494"/>
+                    <a16:rowId xmlns:a16="http://schemas.microsoft.com/office/drawing/2014/main" val="851841494"/>
                   </a:ext>
                 </a:extLst>
               </a:tr>
@@ -9230,7 +9230,7 @@
                 </a:tc>
                 <a:extLst>
                   <a:ext uri="{0D108BD9-81ED-4DB2-BD59-A6C34878D82A}">
-                    <a16:rowId xmlns:a16="http://schemas.microsoft.com/office/drawing/2014/main" xmlns="" val="2779114338"/>
+                    <a16:rowId xmlns:a16="http://schemas.microsoft.com/office/drawing/2014/main" val="2779114338"/>
                   </a:ext>
                 </a:extLst>
               </a:tr>
@@ -9634,7 +9634,7 @@
                 </a:tc>
                 <a:extLst>
                   <a:ext uri="{0D108BD9-81ED-4DB2-BD59-A6C34878D82A}">
-                    <a16:rowId xmlns:a16="http://schemas.microsoft.com/office/drawing/2014/main" xmlns="" val="3504347209"/>
+                    <a16:rowId xmlns:a16="http://schemas.microsoft.com/office/drawing/2014/main" val="3504347209"/>
                   </a:ext>
                 </a:extLst>
               </a:tr>
@@ -10001,7 +10001,7 @@
                 </a:tc>
                 <a:extLst>
                   <a:ext uri="{0D108BD9-81ED-4DB2-BD59-A6C34878D82A}">
-                    <a16:rowId xmlns:a16="http://schemas.microsoft.com/office/drawing/2014/main" xmlns="" val="1651173184"/>
+                    <a16:rowId xmlns:a16="http://schemas.microsoft.com/office/drawing/2014/main" val="1651173184"/>
                   </a:ext>
                 </a:extLst>
               </a:tr>
@@ -10364,7 +10364,7 @@
                 </a:tc>
                 <a:extLst>
                   <a:ext uri="{0D108BD9-81ED-4DB2-BD59-A6C34878D82A}">
-                    <a16:rowId xmlns:a16="http://schemas.microsoft.com/office/drawing/2014/main" xmlns="" val="131403303"/>
+                    <a16:rowId xmlns:a16="http://schemas.microsoft.com/office/drawing/2014/main" val="131403303"/>
                   </a:ext>
                 </a:extLst>
               </a:tr>
@@ -10770,28 +10770,28 @@
                 <a:gridCol w="2120668">
                   <a:extLst>
                     <a:ext uri="{9D8B030D-6E8A-4147-A177-3AD203B41FA5}">
-                      <a16:colId xmlns:a16="http://schemas.microsoft.com/office/drawing/2014/main" xmlns="" val="2715221625"/>
+                      <a16:colId xmlns:a16="http://schemas.microsoft.com/office/drawing/2014/main" val="2715221625"/>
                     </a:ext>
                   </a:extLst>
                 </a:gridCol>
                 <a:gridCol w="2986442">
                   <a:extLst>
                     <a:ext uri="{9D8B030D-6E8A-4147-A177-3AD203B41FA5}">
-                      <a16:colId xmlns:a16="http://schemas.microsoft.com/office/drawing/2014/main" xmlns="" val="8733085"/>
+                      <a16:colId xmlns:a16="http://schemas.microsoft.com/office/drawing/2014/main" val="8733085"/>
                     </a:ext>
                   </a:extLst>
                 </a:gridCol>
                 <a:gridCol w="2986442">
                   <a:extLst>
                     <a:ext uri="{9D8B030D-6E8A-4147-A177-3AD203B41FA5}">
-                      <a16:colId xmlns:a16="http://schemas.microsoft.com/office/drawing/2014/main" xmlns="" val="2549869754"/>
+                      <a16:colId xmlns:a16="http://schemas.microsoft.com/office/drawing/2014/main" val="2549869754"/>
                     </a:ext>
                   </a:extLst>
                 </a:gridCol>
                 <a:gridCol w="2986442">
                   <a:extLst>
                     <a:ext uri="{9D8B030D-6E8A-4147-A177-3AD203B41FA5}">
-                      <a16:colId xmlns:a16="http://schemas.microsoft.com/office/drawing/2014/main" xmlns="" val="2249785041"/>
+                      <a16:colId xmlns:a16="http://schemas.microsoft.com/office/drawing/2014/main" val="2249785041"/>
                     </a:ext>
                   </a:extLst>
                 </a:gridCol>
@@ -10872,7 +10872,7 @@
                 </a:tc>
                 <a:extLst>
                   <a:ext uri="{0D108BD9-81ED-4DB2-BD59-A6C34878D82A}">
-                    <a16:rowId xmlns:a16="http://schemas.microsoft.com/office/drawing/2014/main" xmlns="" val="132260445"/>
+                    <a16:rowId xmlns:a16="http://schemas.microsoft.com/office/drawing/2014/main" val="132260445"/>
                   </a:ext>
                 </a:extLst>
               </a:tr>
@@ -11035,7 +11035,7 @@
                 </a:tc>
                 <a:extLst>
                   <a:ext uri="{0D108BD9-81ED-4DB2-BD59-A6C34878D82A}">
-                    <a16:rowId xmlns:a16="http://schemas.microsoft.com/office/drawing/2014/main" xmlns="" val="1454925855"/>
+                    <a16:rowId xmlns:a16="http://schemas.microsoft.com/office/drawing/2014/main" val="1454925855"/>
                   </a:ext>
                 </a:extLst>
               </a:tr>
@@ -11071,49 +11071,49 @@
                 <a:gridCol w="3086012">
                   <a:extLst>
                     <a:ext uri="{9D8B030D-6E8A-4147-A177-3AD203B41FA5}">
-                      <a16:colId xmlns:a16="http://schemas.microsoft.com/office/drawing/2014/main" xmlns="" val="2715221625"/>
+                      <a16:colId xmlns:a16="http://schemas.microsoft.com/office/drawing/2014/main" val="2715221625"/>
                     </a:ext>
                   </a:extLst>
                 </a:gridCol>
                 <a:gridCol w="1498140">
                   <a:extLst>
                     <a:ext uri="{9D8B030D-6E8A-4147-A177-3AD203B41FA5}">
-                      <a16:colId xmlns:a16="http://schemas.microsoft.com/office/drawing/2014/main" xmlns="" val="2321960186"/>
+                      <a16:colId xmlns:a16="http://schemas.microsoft.com/office/drawing/2014/main" val="2321960186"/>
                     </a:ext>
                   </a:extLst>
                 </a:gridCol>
                 <a:gridCol w="916625">
                   <a:extLst>
                     <a:ext uri="{9D8B030D-6E8A-4147-A177-3AD203B41FA5}">
-                      <a16:colId xmlns:a16="http://schemas.microsoft.com/office/drawing/2014/main" xmlns="" val="2034639721"/>
+                      <a16:colId xmlns:a16="http://schemas.microsoft.com/office/drawing/2014/main" val="2034639721"/>
                     </a:ext>
                   </a:extLst>
                 </a:gridCol>
                 <a:gridCol w="1394804">
                   <a:extLst>
                     <a:ext uri="{9D8B030D-6E8A-4147-A177-3AD203B41FA5}">
-                      <a16:colId xmlns:a16="http://schemas.microsoft.com/office/drawing/2014/main" xmlns="" val="984284813"/>
+                      <a16:colId xmlns:a16="http://schemas.microsoft.com/office/drawing/2014/main" val="984284813"/>
                     </a:ext>
                   </a:extLst>
                 </a:gridCol>
                 <a:gridCol w="1394804">
                   <a:extLst>
                     <a:ext uri="{9D8B030D-6E8A-4147-A177-3AD203B41FA5}">
-                      <a16:colId xmlns:a16="http://schemas.microsoft.com/office/drawing/2014/main" xmlns="" val="1755559964"/>
+                      <a16:colId xmlns:a16="http://schemas.microsoft.com/office/drawing/2014/main" val="1755559964"/>
                     </a:ext>
                   </a:extLst>
                 </a:gridCol>
                 <a:gridCol w="1238205">
                   <a:extLst>
                     <a:ext uri="{9D8B030D-6E8A-4147-A177-3AD203B41FA5}">
-                      <a16:colId xmlns:a16="http://schemas.microsoft.com/office/drawing/2014/main" xmlns="" val="714802837"/>
+                      <a16:colId xmlns:a16="http://schemas.microsoft.com/office/drawing/2014/main" val="714802837"/>
                     </a:ext>
                   </a:extLst>
                 </a:gridCol>
                 <a:gridCol w="1551403">
                   <a:extLst>
                     <a:ext uri="{9D8B030D-6E8A-4147-A177-3AD203B41FA5}">
-                      <a16:colId xmlns:a16="http://schemas.microsoft.com/office/drawing/2014/main" xmlns="" val="2810745597"/>
+                      <a16:colId xmlns:a16="http://schemas.microsoft.com/office/drawing/2014/main" val="2810745597"/>
                     </a:ext>
                   </a:extLst>
                 </a:gridCol>
@@ -11245,7 +11245,7 @@
                 </a:tc>
                 <a:extLst>
                   <a:ext uri="{0D108BD9-81ED-4DB2-BD59-A6C34878D82A}">
-                    <a16:rowId xmlns:a16="http://schemas.microsoft.com/office/drawing/2014/main" xmlns="" val="1268840849"/>
+                    <a16:rowId xmlns:a16="http://schemas.microsoft.com/office/drawing/2014/main" val="1268840849"/>
                   </a:ext>
                 </a:extLst>
               </a:tr>
@@ -11557,7 +11557,7 @@
                 </a:tc>
                 <a:extLst>
                   <a:ext uri="{0D108BD9-81ED-4DB2-BD59-A6C34878D82A}">
-                    <a16:rowId xmlns:a16="http://schemas.microsoft.com/office/drawing/2014/main" xmlns="" val="3241501689"/>
+                    <a16:rowId xmlns:a16="http://schemas.microsoft.com/office/drawing/2014/main" val="3241501689"/>
                   </a:ext>
                 </a:extLst>
               </a:tr>
@@ -11800,7 +11800,7 @@
                 </a:tc>
                 <a:extLst>
                   <a:ext uri="{0D108BD9-81ED-4DB2-BD59-A6C34878D82A}">
-                    <a16:rowId xmlns:a16="http://schemas.microsoft.com/office/drawing/2014/main" xmlns="" val="3375075753"/>
+                    <a16:rowId xmlns:a16="http://schemas.microsoft.com/office/drawing/2014/main" val="3375075753"/>
                   </a:ext>
                 </a:extLst>
               </a:tr>
@@ -12092,7 +12092,7 @@
                 </a:tc>
                 <a:extLst>
                   <a:ext uri="{0D108BD9-81ED-4DB2-BD59-A6C34878D82A}">
-                    <a16:rowId xmlns:a16="http://schemas.microsoft.com/office/drawing/2014/main" xmlns="" val="1818738132"/>
+                    <a16:rowId xmlns:a16="http://schemas.microsoft.com/office/drawing/2014/main" val="1818738132"/>
                   </a:ext>
                 </a:extLst>
               </a:tr>
@@ -12419,7 +12419,7 @@
                 </a:tc>
                 <a:extLst>
                   <a:ext uri="{0D108BD9-81ED-4DB2-BD59-A6C34878D82A}">
-                    <a16:rowId xmlns:a16="http://schemas.microsoft.com/office/drawing/2014/main" xmlns="" val="981176443"/>
+                    <a16:rowId xmlns:a16="http://schemas.microsoft.com/office/drawing/2014/main" val="981176443"/>
                   </a:ext>
                 </a:extLst>
               </a:tr>
@@ -12633,58 +12633,6 @@
               </a:spcAft>
               <a:buSzPct val="100000"/>
             </a:pPr>
-            <a:r>
-              <a:rPr lang="zh-CN" altLang="en-US" sz="1305" dirty="0">
-                <a:solidFill>
-                  <a:srgbClr val="232323">
-                    <a:lumMod val="75000"/>
-                    <a:lumOff val="25000"/>
-                  </a:srgbClr>
-                </a:solidFill>
-                <a:cs typeface="+mn-ea"/>
-                <a:sym typeface="+mn-lt"/>
-              </a:rPr>
-              <a:t>平台基本信息：简介</a:t>
-            </a:r>
-            <a:r>
-              <a:rPr lang="en-US" altLang="zh-CN" sz="1305" dirty="0">
-                <a:solidFill>
-                  <a:srgbClr val="232323">
-                    <a:lumMod val="75000"/>
-                    <a:lumOff val="25000"/>
-                  </a:srgbClr>
-                </a:solidFill>
-                <a:cs typeface="+mn-ea"/>
-                <a:sym typeface="+mn-lt"/>
-              </a:rPr>
-              <a:t>/</a:t>
-            </a:r>
-            <a:r>
-              <a:rPr lang="zh-CN" altLang="en-US" sz="1305" dirty="0">
-                <a:solidFill>
-                  <a:srgbClr val="232323">
-                    <a:lumMod val="75000"/>
-                    <a:lumOff val="25000"/>
-                  </a:srgbClr>
-                </a:solidFill>
-                <a:cs typeface="+mn-ea"/>
-                <a:sym typeface="+mn-lt"/>
-              </a:rPr>
-              <a:t>选择</a:t>
-            </a:r>
-            <a:r>
-              <a:rPr lang="zh-CN" altLang="en-US" sz="1305" dirty="0" smtClean="0">
-                <a:solidFill>
-                  <a:srgbClr val="232323">
-                    <a:lumMod val="75000"/>
-                    <a:lumOff val="25000"/>
-                  </a:srgbClr>
-                </a:solidFill>
-                <a:cs typeface="+mn-ea"/>
-                <a:sym typeface="+mn-lt"/>
-              </a:rPr>
-              <a:t>理由</a:t>
-            </a:r>
             <a:endParaRPr lang="en-US" altLang="zh-CN" sz="1305" dirty="0" smtClean="0">
               <a:solidFill>
                 <a:srgbClr val="232323">
@@ -13684,7 +13632,7 @@
           <a:graphicData uri="http://schemas.openxmlformats.org/presentationml/2006/ole">
             <mc:AlternateContent xmlns:mc="http://schemas.openxmlformats.org/markup-compatibility/2006">
               <mc:Choice xmlns:v="urn:schemas-microsoft-com:vml" Requires="v">
-                <p:oleObj spid="_x0000_s44069" name="think-cell Slide" r:id="rId5" imgW="416" imgH="416" progId="TCLayout.ActiveDocument.1">
+                <p:oleObj spid="_x0000_s44070" name="think-cell Slide" r:id="rId5" imgW="416" imgH="416" progId="TCLayout.ActiveDocument.1">
                   <p:embed/>
                 </p:oleObj>
               </mc:Choice>
@@ -14218,16 +14166,13 @@
                 <a:spcPct val="0"/>
               </a:spcAft>
             </a:pPr>
-            <a:r>
-              <a:rPr lang="zh-CN" altLang="en-US" sz="2000" dirty="0">
-                <a:solidFill>
-                  <a:srgbClr val="232323"/>
-                </a:solidFill>
-                <a:cs typeface="+mn-ea"/>
-                <a:sym typeface="+mn-lt"/>
-              </a:rPr>
-              <a:t>请提供具体投放效果</a:t>
-            </a:r>
+            <a:endParaRPr lang="zh-CN" altLang="en-US" sz="2000" dirty="0">
+              <a:solidFill>
+                <a:srgbClr val="232323"/>
+              </a:solidFill>
+              <a:cs typeface="+mn-ea"/>
+              <a:sym typeface="+mn-lt"/>
+            </a:endParaRPr>
           </a:p>
         </p:txBody>
       </p:sp>
@@ -14958,7 +14903,7 @@
   <a:extraClrSchemeLst/>
   <a:extLst>
     <a:ext uri="{05A4C25C-085E-4340-85A3-A5531E510DB2}">
-      <thm15:themeFamily xmlns:thm15="http://schemas.microsoft.com/office/thememl/2012/main" xmlns="" name="Bentley template 2021.potx" id="{C9F80F40-B2B1-4DB6-919B-71F3AAFFE5B0}" vid="{F9D38CA0-4F02-4029-A6BC-9642EF690A5C}"/>
+      <thm15:themeFamily xmlns:thm15="http://schemas.microsoft.com/office/thememl/2012/main" name="Bentley template 2021.potx" id="{C9F80F40-B2B1-4DB6-919B-71F3AAFFE5B0}" vid="{F9D38CA0-4F02-4029-A6BC-9642EF690A5C}"/>
     </a:ext>
   </a:extLst>
 </a:theme>
@@ -15192,7 +15137,7 @@
   <a:extraClrSchemeLst/>
   <a:extLst>
     <a:ext uri="{05A4C25C-085E-4340-85A3-A5531E510DB2}">
-      <thm15:themeFamily xmlns:thm15="http://schemas.microsoft.com/office/thememl/2012/main" xmlns="" name="Bentley template 2021.potx" id="{C9F80F40-B2B1-4DB6-919B-71F3AAFFE5B0}" vid="{F9D38CA0-4F02-4029-A6BC-9642EF690A5C}"/>
+      <thm15:themeFamily xmlns:thm15="http://schemas.microsoft.com/office/thememl/2012/main" name="Bentley template 2021.potx" id="{C9F80F40-B2B1-4DB6-919B-71F3AAFFE5B0}" vid="{F9D38CA0-4F02-4029-A6BC-9642EF690A5C}"/>
     </a:ext>
   </a:extLst>
 </a:theme>
@@ -15453,7 +15398,7 @@
   <a:extraClrSchemeLst/>
   <a:extLst>
     <a:ext uri="{05A4C25C-085E-4340-85A3-A5531E510DB2}">
-      <thm15:themeFamily xmlns:thm15="http://schemas.microsoft.com/office/thememl/2012/main" xmlns="" name="Office Theme" id="{62F939B6-93AF-4DB8-9C6B-D6C7DFDC589F}" vid="{4A3C46E8-61CC-4603-A589-7422A47A8E4A}"/>
+      <thm15:themeFamily xmlns:thm15="http://schemas.microsoft.com/office/thememl/2012/main" name="Office Theme" id="{62F939B6-93AF-4DB8-9C6B-D6C7DFDC589F}" vid="{4A3C46E8-61CC-4603-A589-7422A47A8E4A}"/>
     </a:ext>
   </a:extLst>
 </a:theme>

--- a/com.yrtech.bentleyAPI/com.yrtech.InventoryAPI/template/PlanOnLine.pptx
+++ b/com.yrtech.bentleyAPI/com.yrtech.InventoryAPI/template/PlanOnLine.pptx
@@ -221,7 +221,7 @@
           <a:p>
             <a:fld id="{69A4D669-94F9-4D70-8C76-4C2D35D4E5D0}" type="datetimeFigureOut">
               <a:rPr lang="en-US" smtClean="0"/>
-              <a:t>4/26/2022</a:t>
+              <a:t>5/5/2022</a:t>
             </a:fld>
             <a:endParaRPr lang="en-US"/>
           </a:p>
@@ -761,7 +761,7 @@
           <a:graphicData uri="http://schemas.openxmlformats.org/presentationml/2006/ole">
             <mc:AlternateContent xmlns:mc="http://schemas.openxmlformats.org/markup-compatibility/2006">
               <mc:Choice xmlns:v="urn:schemas-microsoft-com:vml" Requires="v">
-                <p:oleObj spid="_x0000_s32806" name="think-cell Slide" r:id="rId5" imgW="216" imgH="216" progId="TCLayout.ActiveDocument.1">
+                <p:oleObj spid="_x0000_s32807" name="think-cell Slide" r:id="rId5" imgW="216" imgH="216" progId="TCLayout.ActiveDocument.1">
                   <p:embed/>
                 </p:oleObj>
               </mc:Choice>
@@ -1519,7 +1519,7 @@
           <a:graphicData uri="http://schemas.openxmlformats.org/presentationml/2006/ole">
             <mc:AlternateContent xmlns:mc="http://schemas.openxmlformats.org/markup-compatibility/2006">
               <mc:Choice xmlns:v="urn:schemas-microsoft-com:vml" Requires="v">
-                <p:oleObj spid="_x0000_s33830" name="think-cell Slide" r:id="rId4" imgW="216" imgH="216" progId="TCLayout.ActiveDocument.1">
+                <p:oleObj spid="_x0000_s33831" name="think-cell Slide" r:id="rId4" imgW="216" imgH="216" progId="TCLayout.ActiveDocument.1">
                   <p:embed/>
                 </p:oleObj>
               </mc:Choice>
@@ -2256,7 +2256,7 @@
           <a:graphicData uri="http://schemas.openxmlformats.org/presentationml/2006/ole">
             <mc:AlternateContent xmlns:mc="http://schemas.openxmlformats.org/markup-compatibility/2006">
               <mc:Choice xmlns:v="urn:schemas-microsoft-com:vml" Requires="v">
-                <p:oleObj spid="_x0000_s34854" name="think-cell Slide" r:id="rId4" imgW="216" imgH="216" progId="TCLayout.ActiveDocument.1">
+                <p:oleObj spid="_x0000_s34855" name="think-cell Slide" r:id="rId4" imgW="216" imgH="216" progId="TCLayout.ActiveDocument.1">
                   <p:embed/>
                 </p:oleObj>
               </mc:Choice>
@@ -3304,7 +3304,7 @@
           <a:graphicData uri="http://schemas.openxmlformats.org/presentationml/2006/ole">
             <mc:AlternateContent xmlns:mc="http://schemas.openxmlformats.org/markup-compatibility/2006">
               <mc:Choice xmlns:v="urn:schemas-microsoft-com:vml" Requires="v">
-                <p:oleObj spid="_x0000_s35878" name="think-cell Slide" r:id="rId5" imgW="216" imgH="216" progId="TCLayout.ActiveDocument.1">
+                <p:oleObj spid="_x0000_s35879" name="think-cell Slide" r:id="rId5" imgW="216" imgH="216" progId="TCLayout.ActiveDocument.1">
                   <p:embed/>
                 </p:oleObj>
               </mc:Choice>
@@ -4096,7 +4096,7 @@
           <a:graphicData uri="http://schemas.openxmlformats.org/presentationml/2006/ole">
             <mc:AlternateContent xmlns:mc="http://schemas.openxmlformats.org/markup-compatibility/2006">
               <mc:Choice xmlns:v="urn:schemas-microsoft-com:vml" Requires="v">
-                <p:oleObj spid="_x0000_s37926" name="think-cell Slide" r:id="rId5" imgW="216" imgH="216" progId="TCLayout.ActiveDocument.1">
+                <p:oleObj spid="_x0000_s37927" name="think-cell Slide" r:id="rId5" imgW="216" imgH="216" progId="TCLayout.ActiveDocument.1">
                   <p:embed/>
                 </p:oleObj>
               </mc:Choice>
@@ -4573,7 +4573,7 @@
           <a:graphicData uri="http://schemas.openxmlformats.org/presentationml/2006/ole">
             <mc:AlternateContent xmlns:mc="http://schemas.openxmlformats.org/markup-compatibility/2006">
               <mc:Choice xmlns:v="urn:schemas-microsoft-com:vml" Requires="v">
-                <p:oleObj spid="_x0000_s38950" name="think-cell Slide" r:id="rId4" imgW="216" imgH="216" progId="TCLayout.ActiveDocument.1">
+                <p:oleObj spid="_x0000_s38951" name="think-cell Slide" r:id="rId4" imgW="216" imgH="216" progId="TCLayout.ActiveDocument.1">
                   <p:embed/>
                 </p:oleObj>
               </mc:Choice>
@@ -5310,7 +5310,7 @@
           <a:graphicData uri="http://schemas.openxmlformats.org/presentationml/2006/ole">
             <mc:AlternateContent xmlns:mc="http://schemas.openxmlformats.org/markup-compatibility/2006">
               <mc:Choice xmlns:v="urn:schemas-microsoft-com:vml" Requires="v">
-                <p:oleObj spid="_x0000_s39974" name="think-cell Slide" r:id="rId4" imgW="216" imgH="216" progId="TCLayout.ActiveDocument.1">
+                <p:oleObj spid="_x0000_s39975" name="think-cell Slide" r:id="rId4" imgW="216" imgH="216" progId="TCLayout.ActiveDocument.1">
                   <p:embed/>
                 </p:oleObj>
               </mc:Choice>
@@ -6358,7 +6358,7 @@
           <a:graphicData uri="http://schemas.openxmlformats.org/presentationml/2006/ole">
             <mc:AlternateContent xmlns:mc="http://schemas.openxmlformats.org/markup-compatibility/2006">
               <mc:Choice xmlns:v="urn:schemas-microsoft-com:vml" Requires="v">
-                <p:oleObj spid="_x0000_s40998" name="think-cell Slide" r:id="rId5" imgW="216" imgH="216" progId="TCLayout.ActiveDocument.1">
+                <p:oleObj spid="_x0000_s40999" name="think-cell Slide" r:id="rId5" imgW="216" imgH="216" progId="TCLayout.ActiveDocument.1">
                   <p:embed/>
                 </p:oleObj>
               </mc:Choice>
@@ -6878,7 +6878,7 @@
           <a:graphicData uri="http://schemas.openxmlformats.org/presentationml/2006/ole">
             <mc:AlternateContent xmlns:mc="http://schemas.openxmlformats.org/markup-compatibility/2006">
               <mc:Choice xmlns:v="urn:schemas-microsoft-com:vml" Requires="v">
-                <p:oleObj spid="_x0000_s31782" name="think-cell Slide" r:id="rId10" imgW="216" imgH="216" progId="TCLayout.ActiveDocument.1">
+                <p:oleObj spid="_x0000_s31783" name="think-cell Slide" r:id="rId10" imgW="216" imgH="216" progId="TCLayout.ActiveDocument.1">
                   <p:embed/>
                 </p:oleObj>
               </mc:Choice>
@@ -7636,7 +7636,7 @@
           <a:graphicData uri="http://schemas.openxmlformats.org/presentationml/2006/ole">
             <mc:AlternateContent xmlns:mc="http://schemas.openxmlformats.org/markup-compatibility/2006">
               <mc:Choice xmlns:v="urn:schemas-microsoft-com:vml" Requires="v">
-                <p:oleObj spid="_x0000_s36903" name="think-cell Slide" r:id="rId10" imgW="216" imgH="216" progId="TCLayout.ActiveDocument.1">
+                <p:oleObj spid="_x0000_s36904" name="think-cell Slide" r:id="rId10" imgW="216" imgH="216" progId="TCLayout.ActiveDocument.1">
                   <p:embed/>
                 </p:oleObj>
               </mc:Choice>
@@ -8389,7 +8389,7 @@
           <a:graphicData uri="http://schemas.openxmlformats.org/presentationml/2006/ole">
             <mc:AlternateContent xmlns:mc="http://schemas.openxmlformats.org/markup-compatibility/2006">
               <mc:Choice xmlns:v="urn:schemas-microsoft-com:vml" Requires="v">
-                <p:oleObj spid="_x0000_s45078" name="think-cell Slide" r:id="rId5" imgW="416" imgH="416" progId="TCLayout.ActiveDocument.1">
+                <p:oleObj spid="_x0000_s45079" name="think-cell Slide" r:id="rId5" imgW="416" imgH="416" progId="TCLayout.ActiveDocument.1">
                   <p:embed/>
                 </p:oleObj>
               </mc:Choice>
@@ -8433,7 +8433,7 @@
           <p:nvPr>
             <p:extLst>
               <p:ext uri="{D42A27DB-BD31-4B8C-83A1-F6EECF244321}">
-                <p14:modId xmlns:p14="http://schemas.microsoft.com/office/powerpoint/2010/main" val="2869745762"/>
+                <p14:modId xmlns:p14="http://schemas.microsoft.com/office/powerpoint/2010/main" val="4249533931"/>
               </p:ext>
             </p:extLst>
           </p:nvPr>
@@ -8486,7 +8486,7 @@
                     <a:p>
                       <a:pPr algn="ctr"/>
                       <a:r>
-                        <a:rPr lang="zh-CN" altLang="en-US" sz="1200" dirty="0" smtClean="0">
+                        <a:rPr lang="zh-CN" altLang="en-US" sz="1000" dirty="0" smtClean="0">
                           <a:latin typeface="+mn-lt"/>
                           <a:ea typeface="+mn-ea"/>
                           <a:cs typeface="+mn-ea"/>
@@ -8495,7 +8495,7 @@
                         <a:t>活动总览 </a:t>
                       </a:r>
                       <a:r>
-                        <a:rPr lang="en-US" altLang="zh-CN" sz="1200" dirty="0" smtClean="0">
+                        <a:rPr lang="en-US" altLang="zh-CN" sz="1000" dirty="0" smtClean="0">
                           <a:latin typeface="+mn-lt"/>
                           <a:ea typeface="+mn-ea"/>
                           <a:cs typeface="+mn-ea"/>
@@ -8504,7 +8504,7 @@
                         <a:t>Over</a:t>
                       </a:r>
                       <a:r>
-                        <a:rPr lang="en-US" altLang="zh-CN" sz="1200" baseline="0" dirty="0" smtClean="0">
+                        <a:rPr lang="en-US" altLang="zh-CN" sz="1000" baseline="0" dirty="0" smtClean="0">
                           <a:latin typeface="+mn-lt"/>
                           <a:ea typeface="+mn-ea"/>
                           <a:cs typeface="+mn-ea"/>
@@ -8512,7 +8512,7 @@
                         </a:rPr>
                         <a:t>view</a:t>
                       </a:r>
-                      <a:endParaRPr lang="en-US" sz="1200" dirty="0">
+                      <a:endParaRPr lang="en-US" sz="1000" dirty="0">
                         <a:latin typeface="+mn-lt"/>
                         <a:ea typeface="+mn-ea"/>
                         <a:cs typeface="+mn-ea"/>
@@ -8626,12 +8626,12 @@
                         <a:defRPr/>
                       </a:pPr>
                       <a:r>
-                        <a:rPr lang="en-US" sz="1200" b="0" dirty="0" smtClean="0">
+                        <a:rPr lang="en-US" sz="1000" b="0" dirty="0" smtClean="0">
                           <a:solidFill>
                             <a:schemeClr val="tx1"/>
                           </a:solidFill>
-                          <a:latin typeface="+mn-lt"/>
-                          <a:ea typeface="+mn-ea"/>
+                          <a:latin typeface="Bentley Light" panose="020B0404020201020102"/>
+                          <a:ea typeface="黑体" panose="02010609060101010101" pitchFamily="49" charset="-122"/>
                           <a:cs typeface="+mn-ea"/>
                           <a:sym typeface="+mn-lt"/>
                         </a:rPr>
@@ -8657,47 +8657,47 @@
                         <a:defRPr/>
                       </a:pPr>
                       <a:r>
-                        <a:rPr lang="zh-CN" altLang="en-US" sz="1200" b="0" dirty="0" smtClean="0">
+                        <a:rPr lang="zh-CN" altLang="en-US" sz="1000" b="0" dirty="0" smtClean="0">
                           <a:solidFill>
                             <a:schemeClr val="tx1"/>
                           </a:solidFill>
-                          <a:latin typeface="+mn-lt"/>
-                          <a:ea typeface="+mn-ea"/>
+                          <a:latin typeface="Bentley Light" panose="020B0404020201020102"/>
+                          <a:ea typeface="黑体" panose="02010609060101010101" pitchFamily="49" charset="-122"/>
                           <a:cs typeface="+mn-ea"/>
                           <a:sym typeface="+mn-lt"/>
                         </a:rPr>
                         <a:t>活动名称</a:t>
                       </a:r>
                       <a:r>
-                        <a:rPr lang="en-US" altLang="zh-CN" sz="1200" b="0" dirty="0" smtClean="0">
+                        <a:rPr lang="en-US" altLang="zh-CN" sz="1000" b="0" dirty="0" smtClean="0">
                           <a:solidFill>
                             <a:schemeClr val="tx1"/>
                           </a:solidFill>
-                          <a:latin typeface="+mn-lt"/>
-                          <a:ea typeface="+mn-ea"/>
+                          <a:latin typeface="Bentley Light" panose="020B0404020201020102"/>
+                          <a:ea typeface="黑体" panose="02010609060101010101" pitchFamily="49" charset="-122"/>
                           <a:cs typeface="+mn-ea"/>
                           <a:sym typeface="+mn-lt"/>
                         </a:rPr>
                         <a:t>/</a:t>
                       </a:r>
                       <a:r>
-                        <a:rPr lang="zh-CN" altLang="en-US" sz="1200" b="0" dirty="0" smtClean="0">
+                        <a:rPr lang="zh-CN" altLang="en-US" sz="1000" b="0" dirty="0" smtClean="0">
                           <a:solidFill>
                             <a:schemeClr val="tx1"/>
                           </a:solidFill>
-                          <a:latin typeface="+mn-lt"/>
-                          <a:ea typeface="+mn-ea"/>
+                          <a:latin typeface="Bentley Light" panose="020B0404020201020102"/>
+                          <a:ea typeface="黑体" panose="02010609060101010101" pitchFamily="49" charset="-122"/>
                           <a:cs typeface="+mn-ea"/>
                           <a:sym typeface="+mn-lt"/>
                         </a:rPr>
                         <a:t>内容</a:t>
                       </a:r>
-                      <a:endParaRPr lang="en-US" sz="1200" b="0" dirty="0" smtClean="0">
+                      <a:endParaRPr lang="en-US" sz="1000" b="0" dirty="0" smtClean="0">
                         <a:solidFill>
                           <a:schemeClr val="tx1"/>
                         </a:solidFill>
-                        <a:latin typeface="+mn-lt"/>
-                        <a:ea typeface="+mn-ea"/>
+                        <a:latin typeface="Bentley Light" panose="020B0404020201020102"/>
+                        <a:ea typeface="黑体" panose="02010609060101010101" pitchFamily="49" charset="-122"/>
                         <a:cs typeface="+mn-ea"/>
                         <a:sym typeface="+mn-lt"/>
                       </a:endParaRPr>
@@ -8763,12 +8763,12 @@
                         <a:tabLst/>
                         <a:defRPr/>
                       </a:pPr>
-                      <a:endParaRPr lang="en-US" sz="1200" b="0" kern="1200" dirty="0" smtClean="0">
+                      <a:endParaRPr lang="en-US" sz="1000" b="0" kern="1200" dirty="0" smtClean="0">
                         <a:solidFill>
                           <a:schemeClr val="tx1"/>
                         </a:solidFill>
-                        <a:latin typeface="+mn-lt"/>
-                        <a:ea typeface="+mn-ea"/>
+                        <a:latin typeface="Bentley Light" panose="020B0404020201020102"/>
+                        <a:ea typeface="黑体" panose="02010609060101010101" pitchFamily="49" charset="-122"/>
                         <a:cs typeface="+mn-ea"/>
                         <a:sym typeface="+mn-lt"/>
                       </a:endParaRPr>
@@ -8875,12 +8875,12 @@
                         <a:defRPr/>
                       </a:pPr>
                       <a:r>
-                        <a:rPr lang="en-US" sz="1200" b="0" kern="1200" dirty="0" smtClean="0">
+                        <a:rPr lang="en-US" sz="1000" b="0" kern="1200" dirty="0" smtClean="0">
                           <a:solidFill>
                             <a:schemeClr val="tx1"/>
                           </a:solidFill>
-                          <a:latin typeface="+mn-lt"/>
-                          <a:ea typeface="+mn-ea"/>
+                          <a:latin typeface="Bentley Light" panose="020B0404020201020102"/>
+                          <a:ea typeface="黑体" panose="02010609060101010101" pitchFamily="49" charset="-122"/>
                           <a:cs typeface="+mn-ea"/>
                           <a:sym typeface="+mn-lt"/>
                         </a:rPr>
@@ -8906,12 +8906,12 @@
                         <a:defRPr/>
                       </a:pPr>
                       <a:r>
-                        <a:rPr lang="zh-CN" altLang="en-US" sz="1200" b="0" kern="1200" dirty="0" smtClean="0">
+                        <a:rPr lang="zh-CN" altLang="en-US" sz="1000" b="0" kern="1200" dirty="0" smtClean="0">
                           <a:solidFill>
                             <a:schemeClr val="tx1"/>
                           </a:solidFill>
-                          <a:latin typeface="+mn-lt"/>
-                          <a:ea typeface="+mn-ea"/>
+                          <a:latin typeface="Bentley Light" panose="020B0404020201020102"/>
+                          <a:ea typeface="黑体" panose="02010609060101010101" pitchFamily="49" charset="-122"/>
                           <a:cs typeface="+mn-ea"/>
                           <a:sym typeface="+mn-lt"/>
                         </a:rPr>
@@ -8979,12 +8979,12 @@
                         <a:tabLst/>
                         <a:defRPr/>
                       </a:pPr>
-                      <a:endParaRPr lang="en-US" sz="1200" b="0" kern="1200" dirty="0">
+                      <a:endParaRPr lang="en-US" sz="1000" b="0" kern="1200" dirty="0">
                         <a:solidFill>
                           <a:schemeClr val="tx1"/>
                         </a:solidFill>
-                        <a:latin typeface="+mn-lt"/>
-                        <a:ea typeface="+mn-ea"/>
+                        <a:latin typeface="Bentley Light" panose="020B0404020201020102"/>
+                        <a:ea typeface="黑体" panose="02010609060101010101" pitchFamily="49" charset="-122"/>
                         <a:cs typeface="+mn-ea"/>
                       </a:endParaRPr>
                     </a:p>
@@ -9063,12 +9063,12 @@
                         <a:defRPr/>
                       </a:pPr>
                       <a:r>
-                        <a:rPr lang="en-US" sz="1200" b="0" kern="1200" dirty="0" smtClean="0">
+                        <a:rPr lang="en-US" sz="1000" b="0" kern="1200" dirty="0" smtClean="0">
                           <a:solidFill>
                             <a:schemeClr val="tx1"/>
                           </a:solidFill>
-                          <a:latin typeface="+mn-lt"/>
-                          <a:ea typeface="+mn-ea"/>
+                          <a:latin typeface="Bentley Light" panose="020B0404020201020102"/>
+                          <a:ea typeface="黑体" panose="02010609060101010101" pitchFamily="49" charset="-122"/>
                           <a:cs typeface="+mn-ea"/>
                         </a:rPr>
                         <a:t>Exposure Form</a:t>
@@ -9093,22 +9093,22 @@
                         <a:defRPr/>
                       </a:pPr>
                       <a:r>
-                        <a:rPr lang="zh-CN" altLang="en-US" sz="1200" b="0" kern="1200" dirty="0" smtClean="0">
+                        <a:rPr lang="zh-CN" altLang="en-US" sz="1000" b="0" kern="1200" dirty="0" smtClean="0">
                           <a:solidFill>
                             <a:schemeClr val="tx1"/>
                           </a:solidFill>
-                          <a:latin typeface="+mn-lt"/>
-                          <a:ea typeface="+mn-ea"/>
+                          <a:latin typeface="Bentley Light" panose="020B0404020201020102"/>
+                          <a:ea typeface="黑体" panose="02010609060101010101" pitchFamily="49" charset="-122"/>
                           <a:cs typeface="+mn-ea"/>
                         </a:rPr>
                         <a:t>曝光形式</a:t>
                       </a:r>
-                      <a:endParaRPr lang="en-US" sz="1200" b="0" kern="1200" dirty="0" smtClean="0">
+                      <a:endParaRPr lang="en-US" sz="1000" b="0" kern="1200" dirty="0" smtClean="0">
                         <a:solidFill>
                           <a:schemeClr val="tx1"/>
                         </a:solidFill>
-                        <a:latin typeface="+mn-lt"/>
-                        <a:ea typeface="+mn-ea"/>
+                        <a:latin typeface="Bentley Light" panose="020B0404020201020102"/>
+                        <a:ea typeface="黑体" panose="02010609060101010101" pitchFamily="49" charset="-122"/>
                         <a:cs typeface="+mn-ea"/>
                       </a:endParaRPr>
                     </a:p>
@@ -9174,12 +9174,12 @@
                         <a:tabLst/>
                         <a:defRPr/>
                       </a:pPr>
-                      <a:endParaRPr lang="en-US" sz="1200" b="0" kern="1200" dirty="0">
+                      <a:endParaRPr lang="en-US" sz="1000" b="0" kern="1200" dirty="0">
                         <a:solidFill>
                           <a:schemeClr val="tx1"/>
                         </a:solidFill>
-                        <a:latin typeface="+mn-lt"/>
-                        <a:ea typeface="+mn-ea"/>
+                        <a:latin typeface="Bentley Light" panose="020B0404020201020102"/>
+                        <a:ea typeface="黑体" panose="02010609060101010101" pitchFamily="49" charset="-122"/>
                         <a:cs typeface="+mn-ea"/>
                       </a:endParaRPr>
                     </a:p>
@@ -9258,12 +9258,12 @@
                         <a:defRPr/>
                       </a:pPr>
                       <a:r>
-                        <a:rPr lang="en-US" sz="1200" b="0" kern="1200" dirty="0" smtClean="0">
+                        <a:rPr lang="en-US" sz="1000" b="0" kern="1200" dirty="0" smtClean="0">
                           <a:solidFill>
                             <a:schemeClr val="tx1"/>
                           </a:solidFill>
-                          <a:latin typeface="+mn-lt"/>
-                          <a:ea typeface="+mn-ea"/>
+                          <a:latin typeface="Bentley Light" panose="020B0404020201020102"/>
+                          <a:ea typeface="黑体" panose="02010609060101010101" pitchFamily="49" charset="-122"/>
                           <a:cs typeface="+mn-ea"/>
                           <a:sym typeface="+mn-lt"/>
                         </a:rPr>
@@ -9289,23 +9289,23 @@
                         <a:defRPr/>
                       </a:pPr>
                       <a:r>
-                        <a:rPr lang="zh-CN" altLang="en-US" sz="1200" b="0" kern="1200" dirty="0" smtClean="0">
+                        <a:rPr lang="zh-CN" altLang="en-US" sz="1000" b="0" kern="1200" dirty="0" smtClean="0">
                           <a:solidFill>
                             <a:schemeClr val="tx1"/>
                           </a:solidFill>
-                          <a:latin typeface="+mn-lt"/>
-                          <a:ea typeface="+mn-ea"/>
+                          <a:latin typeface="Bentley Light" panose="020B0404020201020102"/>
+                          <a:ea typeface="黑体" panose="02010609060101010101" pitchFamily="49" charset="-122"/>
                           <a:cs typeface="+mn-ea"/>
                           <a:sym typeface="+mn-lt"/>
                         </a:rPr>
                         <a:t>人员</a:t>
                       </a:r>
-                      <a:endParaRPr lang="en-US" sz="1200" b="0" kern="1200" dirty="0" smtClean="0">
+                      <a:endParaRPr lang="en-US" sz="1000" b="0" kern="1200" dirty="0" smtClean="0">
                         <a:solidFill>
                           <a:schemeClr val="tx1"/>
                         </a:solidFill>
-                        <a:latin typeface="+mn-lt"/>
-                        <a:ea typeface="+mn-ea"/>
+                        <a:latin typeface="Bentley Light" panose="020B0404020201020102"/>
+                        <a:ea typeface="黑体" panose="02010609060101010101" pitchFamily="49" charset="-122"/>
                         <a:cs typeface="+mn-ea"/>
                         <a:sym typeface="+mn-lt"/>
                       </a:endParaRPr>
@@ -9372,36 +9372,36 @@
                         <a:defRPr/>
                       </a:pPr>
                       <a:r>
-                        <a:rPr lang="en-US" altLang="zh-CN" sz="1200" b="0" kern="1200" dirty="0" smtClean="0">
+                        <a:rPr lang="en-US" altLang="zh-CN" sz="1000" b="0" kern="1200" dirty="0" smtClean="0">
                           <a:solidFill>
                             <a:schemeClr val="tx1"/>
                           </a:solidFill>
-                          <a:latin typeface="+mn-lt"/>
-                          <a:ea typeface="+mn-ea"/>
+                          <a:latin typeface="Bentley Light" panose="020B0404020201020102"/>
+                          <a:ea typeface="黑体" panose="02010609060101010101" pitchFamily="49" charset="-122"/>
                           <a:cs typeface="+mn-ea"/>
                           <a:sym typeface="+mn-lt"/>
                         </a:rPr>
                         <a:t>Qty.</a:t>
                       </a:r>
                       <a:r>
-                        <a:rPr lang="en-US" sz="1200" b="0" kern="1200" dirty="0" smtClean="0">
+                        <a:rPr lang="en-US" sz="1000" b="0" kern="1200" dirty="0" smtClean="0">
                           <a:solidFill>
                             <a:schemeClr val="tx1"/>
                           </a:solidFill>
-                          <a:latin typeface="+mn-lt"/>
-                          <a:ea typeface="+mn-ea"/>
+                          <a:latin typeface="Bentley Light" panose="020B0404020201020102"/>
+                          <a:ea typeface="黑体" panose="02010609060101010101" pitchFamily="49" charset="-122"/>
                           <a:cs typeface="+mn-ea"/>
                           <a:sym typeface="+mn-lt"/>
                         </a:rPr>
                         <a:t> </a:t>
                       </a:r>
                       <a:r>
-                        <a:rPr lang="en-US" sz="1200" b="0" dirty="0" smtClean="0">
+                        <a:rPr lang="en-US" sz="1000" b="0" dirty="0" smtClean="0">
                           <a:solidFill>
                             <a:schemeClr val="tx1"/>
                           </a:solidFill>
-                          <a:latin typeface="+mn-lt"/>
-                          <a:ea typeface="+mn-ea"/>
+                          <a:latin typeface="Bentley Light" panose="020B0404020201020102"/>
+                          <a:ea typeface="黑体" panose="02010609060101010101" pitchFamily="49" charset="-122"/>
                           <a:cs typeface="+mn-ea"/>
                           <a:sym typeface="+mn-lt"/>
                         </a:rPr>
@@ -9427,47 +9427,47 @@
                         <a:defRPr/>
                       </a:pPr>
                       <a:r>
-                        <a:rPr lang="en-US" sz="1200" b="0" dirty="0" smtClean="0">
+                        <a:rPr lang="en-US" sz="1000" b="0" dirty="0" smtClean="0">
                           <a:solidFill>
                             <a:schemeClr val="tx1"/>
                           </a:solidFill>
-                          <a:latin typeface="+mn-lt"/>
-                          <a:ea typeface="+mn-ea"/>
+                          <a:latin typeface="Bentley Light" panose="020B0404020201020102"/>
+                          <a:ea typeface="黑体" panose="02010609060101010101" pitchFamily="49" charset="-122"/>
                           <a:cs typeface="+mn-ea"/>
                           <a:sym typeface="+mn-lt"/>
                         </a:rPr>
                         <a:t>DCPID</a:t>
                       </a:r>
                       <a:r>
-                        <a:rPr lang="en-US" sz="1200" b="0" baseline="0" dirty="0" smtClean="0">
+                        <a:rPr lang="en-US" sz="1000" b="0" baseline="0" dirty="0" smtClean="0">
                           <a:solidFill>
                             <a:schemeClr val="tx1"/>
                           </a:solidFill>
-                          <a:latin typeface="+mn-lt"/>
-                          <a:ea typeface="+mn-ea"/>
+                          <a:latin typeface="Bentley Light" panose="020B0404020201020102"/>
+                          <a:ea typeface="黑体" panose="02010609060101010101" pitchFamily="49" charset="-122"/>
                           <a:cs typeface="+mn-ea"/>
                           <a:sym typeface="+mn-lt"/>
                         </a:rPr>
                         <a:t> </a:t>
                       </a:r>
                       <a:r>
-                        <a:rPr lang="zh-CN" altLang="en-US" sz="1200" b="0" baseline="0" dirty="0" smtClean="0">
+                        <a:rPr lang="zh-CN" altLang="en-US" sz="1000" b="0" baseline="0" dirty="0" smtClean="0">
                           <a:solidFill>
                             <a:schemeClr val="tx1"/>
                           </a:solidFill>
-                          <a:latin typeface="+mn-lt"/>
-                          <a:ea typeface="+mn-ea"/>
+                          <a:latin typeface="Bentley Light" panose="020B0404020201020102"/>
+                          <a:ea typeface="黑体" panose="02010609060101010101" pitchFamily="49" charset="-122"/>
                           <a:cs typeface="+mn-ea"/>
                           <a:sym typeface="+mn-lt"/>
                         </a:rPr>
                         <a:t>客户数量</a:t>
                       </a:r>
-                      <a:endParaRPr lang="en-US" sz="1200" b="0" dirty="0" smtClean="0">
+                      <a:endParaRPr lang="en-US" sz="1000" b="0" dirty="0" smtClean="0">
                         <a:solidFill>
                           <a:schemeClr val="tx1"/>
                         </a:solidFill>
-                        <a:latin typeface="+mn-lt"/>
-                        <a:ea typeface="+mn-ea"/>
+                        <a:latin typeface="Bentley Light" panose="020B0404020201020102"/>
+                        <a:ea typeface="黑体" panose="02010609060101010101" pitchFamily="49" charset="-122"/>
                         <a:cs typeface="+mn-ea"/>
                         <a:sym typeface="+mn-lt"/>
                       </a:endParaRPr>
@@ -9530,12 +9530,12 @@
                     <a:lstStyle/>
                     <a:p>
                       <a:pPr marL="0" algn="l" defTabSz="685792" rtl="0" eaLnBrk="1" latinLnBrk="0" hangingPunct="1"/>
-                      <a:endParaRPr lang="en-US" sz="1200" b="0" kern="1200" dirty="0">
+                      <a:endParaRPr lang="en-US" sz="1000" b="0" kern="1200" dirty="0">
                         <a:solidFill>
                           <a:schemeClr val="tx1"/>
                         </a:solidFill>
-                        <a:latin typeface="+mn-lt"/>
-                        <a:ea typeface="+mn-ea"/>
+                        <a:latin typeface="Bentley Light" panose="020B0404020201020102"/>
+                        <a:ea typeface="黑体" panose="02010609060101010101" pitchFamily="49" charset="-122"/>
                         <a:cs typeface="+mn-ea"/>
                         <a:sym typeface="+mn-lt"/>
                       </a:endParaRPr>
@@ -9733,36 +9733,36 @@
                         <a:defRPr/>
                       </a:pPr>
                       <a:r>
-                        <a:rPr lang="en-US" sz="1200" b="0" kern="1200" dirty="0" smtClean="0">
+                        <a:rPr lang="en-US" sz="1000" b="0" kern="1200" dirty="0" smtClean="0">
                           <a:solidFill>
                             <a:schemeClr val="tx1"/>
                           </a:solidFill>
-                          <a:latin typeface="+mn-lt"/>
-                          <a:ea typeface="+mn-ea"/>
+                          <a:latin typeface="Bentley Light" panose="020B0404020201020102"/>
+                          <a:ea typeface="黑体" panose="02010609060101010101" pitchFamily="49" charset="-122"/>
                           <a:cs typeface="+mn-ea"/>
                           <a:sym typeface="+mn-lt"/>
                         </a:rPr>
                         <a:t>Cost per n</a:t>
                       </a:r>
                       <a:r>
-                        <a:rPr lang="en-US" altLang="zh-CN" sz="1200" b="0" kern="1200" dirty="0" smtClean="0">
+                        <a:rPr lang="en-US" altLang="zh-CN" sz="1000" b="0" kern="1200" dirty="0" smtClean="0">
                           <a:solidFill>
                             <a:schemeClr val="tx1"/>
                           </a:solidFill>
-                          <a:latin typeface="+mn-lt"/>
-                          <a:ea typeface="+mn-ea"/>
+                          <a:latin typeface="Bentley Light" panose="020B0404020201020102"/>
+                          <a:ea typeface="黑体" panose="02010609060101010101" pitchFamily="49" charset="-122"/>
                           <a:cs typeface="+mn-ea"/>
                           <a:sym typeface="+mn-lt"/>
                         </a:rPr>
                         <a:t>ew </a:t>
                       </a:r>
                       <a:r>
-                        <a:rPr lang="en-US" sz="1200" b="0" kern="1200" dirty="0" smtClean="0">
+                        <a:rPr lang="en-US" sz="1000" b="0" kern="1200" dirty="0" smtClean="0">
                           <a:solidFill>
                             <a:schemeClr val="tx1"/>
                           </a:solidFill>
-                          <a:latin typeface="+mn-lt"/>
-                          <a:ea typeface="+mn-ea"/>
+                          <a:latin typeface="Bentley Light" panose="020B0404020201020102"/>
+                          <a:ea typeface="黑体" panose="02010609060101010101" pitchFamily="49" charset="-122"/>
                           <a:cs typeface="+mn-ea"/>
                           <a:sym typeface="+mn-lt"/>
                         </a:rPr>
@@ -9788,35 +9788,35 @@
                         <a:defRPr/>
                       </a:pPr>
                       <a:r>
-                        <a:rPr lang="en-US" altLang="zh-CN" sz="1200" b="0" kern="1200" dirty="0" smtClean="0">
+                        <a:rPr lang="en-US" altLang="zh-CN" sz="1000" b="0" kern="1200" dirty="0" smtClean="0">
                           <a:solidFill>
                             <a:schemeClr val="tx1"/>
                           </a:solidFill>
-                          <a:latin typeface="+mn-lt"/>
-                          <a:ea typeface="+mn-ea"/>
+                          <a:latin typeface="Bentley Light" panose="020B0404020201020102"/>
+                          <a:ea typeface="黑体" panose="02010609060101010101" pitchFamily="49" charset="-122"/>
                           <a:cs typeface="+mn-ea"/>
                           <a:sym typeface="+mn-lt"/>
                         </a:rPr>
                         <a:t>*</a:t>
                       </a:r>
                       <a:r>
-                        <a:rPr lang="zh-CN" altLang="en-US" sz="1200" b="0" kern="1200" dirty="0" smtClean="0">
+                        <a:rPr lang="zh-CN" altLang="en-US" sz="1000" b="0" kern="1200" dirty="0" smtClean="0">
                           <a:solidFill>
                             <a:schemeClr val="tx1"/>
                           </a:solidFill>
-                          <a:latin typeface="+mn-lt"/>
-                          <a:ea typeface="+mn-ea"/>
+                          <a:latin typeface="Bentley Light" panose="020B0404020201020102"/>
+                          <a:ea typeface="黑体" panose="02010609060101010101" pitchFamily="49" charset="-122"/>
                           <a:cs typeface="+mn-ea"/>
                           <a:sym typeface="+mn-lt"/>
                         </a:rPr>
                         <a:t>每条线索成本</a:t>
                       </a:r>
-                      <a:endParaRPr lang="en-US" sz="1200" b="0" kern="1200" dirty="0" smtClean="0">
+                      <a:endParaRPr lang="en-US" sz="1000" b="0" kern="1200" dirty="0" smtClean="0">
                         <a:solidFill>
                           <a:schemeClr val="tx1"/>
                         </a:solidFill>
-                        <a:latin typeface="+mn-lt"/>
-                        <a:ea typeface="+mn-ea"/>
+                        <a:latin typeface="Bentley Light" panose="020B0404020201020102"/>
+                        <a:ea typeface="黑体" panose="02010609060101010101" pitchFamily="49" charset="-122"/>
                         <a:cs typeface="+mn-ea"/>
                         <a:sym typeface="+mn-lt"/>
                       </a:endParaRPr>
@@ -9879,12 +9879,12 @@
                     <a:lstStyle/>
                     <a:p>
                       <a:pPr marL="0" algn="l" defTabSz="685792" rtl="0" eaLnBrk="1" latinLnBrk="0" hangingPunct="1"/>
-                      <a:endParaRPr lang="en-US" sz="1200" b="0" kern="1200" dirty="0">
+                      <a:endParaRPr lang="en-US" sz="1000" b="0" kern="1200" dirty="0">
                         <a:solidFill>
                           <a:schemeClr val="tx1"/>
                         </a:solidFill>
-                        <a:latin typeface="+mn-lt"/>
-                        <a:ea typeface="+mn-ea"/>
+                        <a:latin typeface="Bentley Light" panose="020B0404020201020102"/>
+                        <a:ea typeface="黑体" panose="02010609060101010101" pitchFamily="49" charset="-122"/>
                         <a:cs typeface="+mn-ea"/>
                         <a:sym typeface="+mn-lt"/>
                       </a:endParaRPr>
@@ -10099,47 +10099,47 @@
                         <a:defRPr/>
                       </a:pPr>
                       <a:r>
-                        <a:rPr lang="en-US" altLang="zh-CN" sz="1200" b="0" kern="1200" dirty="0" smtClean="0">
+                        <a:rPr lang="en-US" altLang="zh-CN" sz="1000" b="0" kern="1200" dirty="0" smtClean="0">
                           <a:solidFill>
                             <a:schemeClr val="tx1"/>
                           </a:solidFill>
-                          <a:latin typeface="+mn-lt"/>
-                          <a:ea typeface="+mn-ea"/>
+                          <a:latin typeface="Bentley Light" panose="020B0404020201020102"/>
+                          <a:ea typeface="黑体" panose="02010609060101010101" pitchFamily="49" charset="-122"/>
                           <a:cs typeface="+mn-ea"/>
                           <a:sym typeface="+mn-lt"/>
                         </a:rPr>
                         <a:t>Qty.</a:t>
                       </a:r>
                       <a:r>
-                        <a:rPr lang="en-US" sz="1200" b="0" kern="1200" dirty="0" smtClean="0">
+                        <a:rPr lang="en-US" sz="1000" b="0" kern="1200" dirty="0" smtClean="0">
                           <a:solidFill>
                             <a:schemeClr val="tx1"/>
                           </a:solidFill>
-                          <a:latin typeface="+mn-lt"/>
-                          <a:ea typeface="+mn-ea"/>
+                          <a:latin typeface="Bentley Light" panose="020B0404020201020102"/>
+                          <a:ea typeface="黑体" panose="02010609060101010101" pitchFamily="49" charset="-122"/>
                           <a:cs typeface="+mn-ea"/>
                           <a:sym typeface="+mn-lt"/>
                         </a:rPr>
                         <a:t> of new</a:t>
                       </a:r>
                       <a:r>
-                        <a:rPr lang="en-US" sz="1200" b="0" kern="1200" baseline="0" dirty="0" smtClean="0">
+                        <a:rPr lang="en-US" sz="1000" b="0" kern="1200" baseline="0" dirty="0" smtClean="0">
                           <a:solidFill>
                             <a:schemeClr val="tx1"/>
                           </a:solidFill>
-                          <a:latin typeface="+mn-lt"/>
-                          <a:ea typeface="+mn-ea"/>
+                          <a:latin typeface="Bentley Light" panose="020B0404020201020102"/>
+                          <a:ea typeface="黑体" panose="02010609060101010101" pitchFamily="49" charset="-122"/>
                           <a:cs typeface="+mn-ea"/>
                           <a:sym typeface="+mn-lt"/>
                         </a:rPr>
                         <a:t> leads created in 2022</a:t>
                       </a:r>
-                      <a:endParaRPr lang="en-US" sz="1200" b="0" kern="1200" dirty="0" smtClean="0">
+                      <a:endParaRPr lang="en-US" sz="1000" b="0" kern="1200" dirty="0" smtClean="0">
                         <a:solidFill>
                           <a:schemeClr val="tx1"/>
                         </a:solidFill>
-                        <a:latin typeface="+mn-lt"/>
-                        <a:ea typeface="+mn-ea"/>
+                        <a:latin typeface="Bentley Light" panose="020B0404020201020102"/>
+                        <a:ea typeface="黑体" panose="02010609060101010101" pitchFamily="49" charset="-122"/>
                         <a:cs typeface="+mn-ea"/>
                         <a:sym typeface="+mn-lt"/>
                       </a:endParaRPr>
@@ -10163,23 +10163,23 @@
                         <a:defRPr/>
                       </a:pPr>
                       <a:r>
-                        <a:rPr lang="zh-CN" altLang="en-US" sz="1200" b="0" kern="1200" dirty="0" smtClean="0">
+                        <a:rPr lang="zh-CN" altLang="en-US" sz="1000" b="0" kern="1200" dirty="0" smtClean="0">
                           <a:solidFill>
                             <a:schemeClr val="tx1"/>
                           </a:solidFill>
-                          <a:latin typeface="+mn-lt"/>
-                          <a:ea typeface="+mn-ea"/>
+                          <a:latin typeface="Bentley Light" panose="020B0404020201020102"/>
+                          <a:ea typeface="黑体" panose="02010609060101010101" pitchFamily="49" charset="-122"/>
                           <a:cs typeface="+mn-ea"/>
                           <a:sym typeface="+mn-lt"/>
                         </a:rPr>
                         <a:t>今年新增线索数量</a:t>
                       </a:r>
-                      <a:endParaRPr lang="en-US" sz="1200" b="0" kern="1200" dirty="0" smtClean="0">
+                      <a:endParaRPr lang="en-US" sz="1000" b="0" kern="1200" dirty="0" smtClean="0">
                         <a:solidFill>
                           <a:schemeClr val="tx1"/>
                         </a:solidFill>
-                        <a:latin typeface="+mn-lt"/>
-                        <a:ea typeface="+mn-ea"/>
+                        <a:latin typeface="Bentley Light" panose="020B0404020201020102"/>
+                        <a:ea typeface="黑体" panose="02010609060101010101" pitchFamily="49" charset="-122"/>
                         <a:cs typeface="+mn-ea"/>
                         <a:sym typeface="+mn-lt"/>
                       </a:endParaRPr>
@@ -10242,12 +10242,12 @@
                     <a:lstStyle/>
                     <a:p>
                       <a:pPr marL="0" algn="l" defTabSz="685792" rtl="0" eaLnBrk="1" latinLnBrk="0" hangingPunct="1"/>
-                      <a:endParaRPr lang="en-US" sz="1200" b="0" kern="1200" dirty="0">
+                      <a:endParaRPr lang="en-US" sz="1000" b="0" kern="1200" dirty="0">
                         <a:solidFill>
                           <a:schemeClr val="tx1"/>
                         </a:solidFill>
-                        <a:latin typeface="+mn-lt"/>
-                        <a:ea typeface="+mn-ea"/>
+                        <a:latin typeface="Bentley Light" panose="020B0404020201020102"/>
+                        <a:ea typeface="黑体" panose="02010609060101010101" pitchFamily="49" charset="-122"/>
                         <a:cs typeface="+mn-ea"/>
                         <a:sym typeface="+mn-lt"/>
                       </a:endParaRPr>
@@ -10751,14 +10751,14 @@
           <p:nvPr>
             <p:extLst>
               <p:ext uri="{D42A27DB-BD31-4B8C-83A1-F6EECF244321}">
-                <p14:modId xmlns:p14="http://schemas.microsoft.com/office/powerpoint/2010/main" val="852629796"/>
+                <p14:modId xmlns:p14="http://schemas.microsoft.com/office/powerpoint/2010/main" val="1145888595"/>
               </p:ext>
             </p:extLst>
           </p:nvPr>
         </p:nvGraphicFramePr>
         <p:xfrm>
           <a:off x="539748" y="3882209"/>
-          <a:ext cx="11079994" cy="734070"/>
+          <a:ext cx="11079994" cy="673110"/>
         </p:xfrm>
         <a:graphic>
           <a:graphicData uri="http://schemas.openxmlformats.org/drawingml/2006/table">
@@ -10807,7 +10807,7 @@
                         <a:buNone/>
                       </a:pPr>
                       <a:r>
-                        <a:rPr lang="en-US" altLang="zh-CN" sz="1200" b="1" dirty="0" smtClean="0">
+                        <a:rPr lang="en-US" altLang="zh-CN" sz="1000" b="1" dirty="0" smtClean="0">
                           <a:solidFill>
                             <a:schemeClr val="bg1"/>
                           </a:solidFill>
@@ -10819,7 +10819,7 @@
                         <a:t>Budget Overview </a:t>
                       </a:r>
                       <a:r>
-                        <a:rPr lang="zh-CN" altLang="en-US" sz="1200" b="1" dirty="0" smtClean="0">
+                        <a:rPr lang="zh-CN" altLang="en-US" sz="1000" b="1" dirty="0" smtClean="0">
                           <a:solidFill>
                             <a:schemeClr val="bg1"/>
                           </a:solidFill>
@@ -10887,12 +10887,12 @@
                         <a:buNone/>
                       </a:pPr>
                       <a:r>
-                        <a:rPr lang="en-US" altLang="zh-CN" sz="1200" b="0" dirty="0" smtClean="0">
+                        <a:rPr lang="en-US" altLang="zh-CN" sz="1000" b="0" baseline="0" dirty="0" smtClean="0">
                           <a:solidFill>
                             <a:schemeClr val="tx1"/>
                           </a:solidFill>
-                          <a:latin typeface="+mn-lt"/>
-                          <a:ea typeface="+mn-ea"/>
+                          <a:latin typeface="Bentley Light" panose="020B0404020201020102"/>
+                          <a:ea typeface="黑体" panose="02010609060101010101" pitchFamily="49" charset="-122"/>
                           <a:cs typeface="+mn-ea"/>
                           <a:sym typeface="+mn-lt"/>
                         </a:rPr>
@@ -10905,12 +10905,12 @@
                         <a:buNone/>
                       </a:pPr>
                       <a:r>
-                        <a:rPr lang="zh-CN" altLang="en-US" sz="1200" b="0" dirty="0" smtClean="0">
+                        <a:rPr lang="zh-CN" altLang="en-US" sz="1000" b="0" baseline="0" dirty="0" smtClean="0">
                           <a:solidFill>
                             <a:schemeClr val="tx1"/>
                           </a:solidFill>
-                          <a:latin typeface="+mn-lt"/>
-                          <a:ea typeface="+mn-ea"/>
+                          <a:latin typeface="Bentley Light" panose="020B0404020201020102"/>
+                          <a:ea typeface="黑体" panose="02010609060101010101" pitchFamily="49" charset="-122"/>
                           <a:cs typeface="+mn-ea"/>
                           <a:sym typeface="+mn-lt"/>
                         </a:rPr>
@@ -10931,12 +10931,12 @@
                         <a:buFontTx/>
                         <a:buNone/>
                       </a:pPr>
-                      <a:endParaRPr lang="en-US" altLang="zh-CN" sz="1200" b="0" dirty="0" smtClean="0">
+                      <a:endParaRPr lang="en-US" altLang="zh-CN" sz="1000" b="0" baseline="0" dirty="0" smtClean="0">
                         <a:solidFill>
                           <a:schemeClr val="tx1"/>
                         </a:solidFill>
-                        <a:latin typeface="+mn-lt"/>
-                        <a:ea typeface="+mn-ea"/>
+                        <a:latin typeface="Bentley Light" panose="020B0404020201020102"/>
+                        <a:ea typeface="黑体" panose="02010609060101010101" pitchFamily="49" charset="-122"/>
                         <a:cs typeface="+mn-ea"/>
                         <a:sym typeface="+mn-lt"/>
                       </a:endParaRPr>
@@ -10960,12 +10960,12 @@
                         <a:buNone/>
                       </a:pPr>
                       <a:r>
-                        <a:rPr lang="en-US" altLang="zh-CN" sz="1200" b="0" dirty="0" smtClean="0">
+                        <a:rPr lang="en-US" altLang="zh-CN" sz="1000" b="0" baseline="0" dirty="0" smtClean="0">
                           <a:solidFill>
                             <a:schemeClr val="tx1"/>
                           </a:solidFill>
-                          <a:latin typeface="+mn-lt"/>
-                          <a:ea typeface="+mn-ea"/>
+                          <a:latin typeface="Bentley Light" panose="020B0404020201020102"/>
+                          <a:ea typeface="黑体" panose="02010609060101010101" pitchFamily="49" charset="-122"/>
                           <a:cs typeface="+mn-ea"/>
                           <a:sym typeface="+mn-lt"/>
                         </a:rPr>
@@ -10978,12 +10978,12 @@
                         <a:buNone/>
                       </a:pPr>
                       <a:r>
-                        <a:rPr lang="zh-CN" altLang="en-US" sz="1200" b="0" dirty="0" smtClean="0">
+                        <a:rPr lang="zh-CN" altLang="en-US" sz="1000" b="0" baseline="0" dirty="0" smtClean="0">
                           <a:solidFill>
                             <a:schemeClr val="tx1"/>
                           </a:solidFill>
-                          <a:latin typeface="+mn-lt"/>
-                          <a:ea typeface="+mn-ea"/>
+                          <a:latin typeface="Bentley Light" panose="020B0404020201020102"/>
+                          <a:ea typeface="黑体" panose="02010609060101010101" pitchFamily="49" charset="-122"/>
                           <a:cs typeface="+mn-ea"/>
                           <a:sym typeface="+mn-lt"/>
                         </a:rPr>
@@ -11017,9 +11017,9 @@
                         <a:tabLst/>
                         <a:defRPr/>
                       </a:pPr>
-                      <a:endParaRPr lang="en-US" sz="1200" dirty="0" smtClean="0">
-                        <a:latin typeface="+mn-lt"/>
-                        <a:ea typeface="+mn-ea"/>
+                      <a:endParaRPr lang="en-US" sz="1000" baseline="0" dirty="0" smtClean="0">
+                        <a:latin typeface="Bentley Light" panose="020B0404020201020102"/>
+                        <a:ea typeface="黑体" panose="02010609060101010101" pitchFamily="49" charset="-122"/>
                         <a:cs typeface="+mn-ea"/>
                         <a:sym typeface="+mn-lt"/>
                       </a:endParaRPr>
@@ -11052,14 +11052,14 @@
           <p:nvPr>
             <p:extLst>
               <p:ext uri="{D42A27DB-BD31-4B8C-83A1-F6EECF244321}">
-                <p14:modId xmlns:p14="http://schemas.microsoft.com/office/powerpoint/2010/main" val="3888564728"/>
+                <p14:modId xmlns:p14="http://schemas.microsoft.com/office/powerpoint/2010/main" val="2755434883"/>
               </p:ext>
             </p:extLst>
           </p:nvPr>
         </p:nvGraphicFramePr>
         <p:xfrm>
           <a:off x="539750" y="4646412"/>
-          <a:ext cx="11079993" cy="2234875"/>
+          <a:ext cx="11079993" cy="1948383"/>
         </p:xfrm>
         <a:graphic>
           <a:graphicData uri="http://schemas.openxmlformats.org/drawingml/2006/table">
@@ -11129,7 +11129,7 @@
                         <a:buNone/>
                       </a:pPr>
                       <a:r>
-                        <a:rPr lang="en-US" altLang="zh-CN" sz="1200" b="1" dirty="0" smtClean="0">
+                        <a:rPr lang="en-US" altLang="zh-CN" sz="1000" b="1" dirty="0" smtClean="0">
                           <a:solidFill>
                             <a:schemeClr val="bg1"/>
                           </a:solidFill>
@@ -11141,7 +11141,7 @@
                         <a:t>Budget</a:t>
                       </a:r>
                       <a:r>
-                        <a:rPr lang="en-US" altLang="zh-CN" sz="1200" b="1" baseline="0" dirty="0" smtClean="0">
+                        <a:rPr lang="en-US" altLang="zh-CN" sz="1000" b="1" baseline="0" dirty="0" smtClean="0">
                           <a:solidFill>
                             <a:schemeClr val="bg1"/>
                           </a:solidFill>
@@ -11153,7 +11153,7 @@
                         <a:t> Detail </a:t>
                       </a:r>
                       <a:r>
-                        <a:rPr lang="zh-CN" altLang="en-US" sz="1200" b="1" baseline="0" dirty="0" smtClean="0">
+                        <a:rPr lang="zh-CN" altLang="en-US" sz="1000" b="1" baseline="0" dirty="0" smtClean="0">
                           <a:solidFill>
                             <a:schemeClr val="bg1"/>
                           </a:solidFill>
@@ -11164,7 +11164,7 @@
                         </a:rPr>
                         <a:t>费用详情</a:t>
                       </a:r>
-                      <a:endParaRPr lang="en-US" altLang="zh-CN" sz="1200" b="1" dirty="0" smtClean="0">
+                      <a:endParaRPr lang="en-US" altLang="zh-CN" sz="1000" b="1" dirty="0" smtClean="0">
                         <a:solidFill>
                           <a:schemeClr val="bg1"/>
                         </a:solidFill>
@@ -11260,7 +11260,7 @@
                         <a:buNone/>
                       </a:pPr>
                       <a:r>
-                        <a:rPr lang="zh-CN" altLang="en-US" sz="1200" b="1" dirty="0" smtClean="0">
+                        <a:rPr lang="zh-CN" altLang="en-US" sz="1000" b="1" dirty="0" smtClean="0">
                           <a:solidFill>
                             <a:schemeClr val="tx1"/>
                           </a:solidFill>
@@ -11271,7 +11271,7 @@
                         </a:rPr>
                         <a:t>费用</a:t>
                       </a:r>
-                      <a:endParaRPr lang="en-US" altLang="zh-CN" sz="1200" b="1" dirty="0" smtClean="0">
+                      <a:endParaRPr lang="en-US" altLang="zh-CN" sz="1000" b="1" dirty="0" smtClean="0">
                         <a:solidFill>
                           <a:schemeClr val="tx1"/>
                         </a:solidFill>
@@ -11298,7 +11298,7 @@
                         <a:buNone/>
                       </a:pPr>
                       <a:r>
-                        <a:rPr lang="zh-CN" altLang="en-US" sz="1200" b="1" dirty="0" smtClean="0">
+                        <a:rPr lang="zh-CN" altLang="en-US" sz="1000" b="1" dirty="0" smtClean="0">
                           <a:solidFill>
                             <a:schemeClr val="tx1"/>
                           </a:solidFill>
@@ -11309,7 +11309,7 @@
                         </a:rPr>
                         <a:t>金额</a:t>
                       </a:r>
-                      <a:endParaRPr lang="en-US" altLang="zh-CN" sz="1200" b="1" dirty="0" smtClean="0">
+                      <a:endParaRPr lang="en-US" altLang="zh-CN" sz="1000" b="1" dirty="0" smtClean="0">
                         <a:solidFill>
                           <a:schemeClr val="tx1"/>
                         </a:solidFill>
@@ -11336,7 +11336,7 @@
                         <a:buNone/>
                       </a:pPr>
                       <a:r>
-                        <a:rPr lang="zh-CN" altLang="en-US" sz="1200" b="1" dirty="0" smtClean="0">
+                        <a:rPr lang="zh-CN" altLang="en-US" sz="1000" b="1" dirty="0" smtClean="0">
                           <a:solidFill>
                             <a:schemeClr val="tx1"/>
                           </a:solidFill>
@@ -11347,7 +11347,7 @@
                         </a:rPr>
                         <a:t>是否报销</a:t>
                       </a:r>
-                      <a:endParaRPr lang="en-US" altLang="zh-CN" sz="1200" b="1" dirty="0" smtClean="0">
+                      <a:endParaRPr lang="en-US" altLang="zh-CN" sz="1000" b="1" dirty="0" smtClean="0">
                         <a:solidFill>
                           <a:schemeClr val="tx1"/>
                         </a:solidFill>
@@ -11374,7 +11374,7 @@
                         <a:buNone/>
                       </a:pPr>
                       <a:r>
-                        <a:rPr lang="zh-CN" altLang="en-US" sz="1200" b="1" dirty="0" smtClean="0">
+                        <a:rPr lang="zh-CN" altLang="en-US" sz="1000" b="1" dirty="0" smtClean="0">
                           <a:solidFill>
                             <a:schemeClr val="tx1"/>
                           </a:solidFill>
@@ -11385,7 +11385,7 @@
                         </a:rPr>
                         <a:t>投放开始时间</a:t>
                       </a:r>
-                      <a:endParaRPr lang="en-US" altLang="zh-CN" sz="800" b="1" dirty="0" smtClean="0">
+                      <a:endParaRPr lang="en-US" altLang="zh-CN" sz="1000" b="1" dirty="0" smtClean="0">
                         <a:solidFill>
                           <a:schemeClr val="tx1"/>
                         </a:solidFill>
@@ -11425,7 +11425,7 @@
                         <a:defRPr/>
                       </a:pPr>
                       <a:r>
-                        <a:rPr lang="zh-CN" altLang="en-US" sz="1200" b="1" kern="1200" dirty="0" smtClean="0">
+                        <a:rPr lang="zh-CN" altLang="en-US" sz="1000" b="1" kern="1200" dirty="0" smtClean="0">
                           <a:solidFill>
                             <a:schemeClr val="tx1"/>
                           </a:solidFill>
@@ -11436,7 +11436,7 @@
                         </a:rPr>
                         <a:t>投放结束时间</a:t>
                       </a:r>
-                      <a:endParaRPr lang="en-US" altLang="zh-CN" sz="1200" b="1" kern="1200" dirty="0" smtClean="0">
+                      <a:endParaRPr lang="en-US" altLang="zh-CN" sz="1000" b="1" kern="1200" dirty="0" smtClean="0">
                         <a:solidFill>
                           <a:schemeClr val="tx1"/>
                         </a:solidFill>
@@ -11476,7 +11476,7 @@
                         <a:defRPr/>
                       </a:pPr>
                       <a:r>
-                        <a:rPr lang="zh-CN" altLang="en-US" sz="1200" b="1" kern="1200" dirty="0" smtClean="0">
+                        <a:rPr lang="zh-CN" altLang="en-US" sz="1000" b="1" kern="1200" dirty="0" smtClean="0">
                           <a:solidFill>
                             <a:schemeClr val="tx1"/>
                           </a:solidFill>
@@ -11487,7 +11487,7 @@
                         </a:rPr>
                         <a:t>总计投放天数</a:t>
                       </a:r>
-                      <a:endParaRPr lang="en-US" altLang="zh-CN" sz="1200" b="1" kern="1200" dirty="0" smtClean="0">
+                      <a:endParaRPr lang="en-US" altLang="zh-CN" sz="1000" b="1" kern="1200" dirty="0" smtClean="0">
                         <a:solidFill>
                           <a:schemeClr val="tx1"/>
                         </a:solidFill>
@@ -11527,7 +11527,7 @@
                         <a:defRPr/>
                       </a:pPr>
                       <a:r>
-                        <a:rPr lang="zh-CN" altLang="en-US" sz="1200" b="1" kern="1200" dirty="0" smtClean="0">
+                        <a:rPr lang="zh-CN" altLang="en-US" sz="1000" b="1" kern="1200" dirty="0" smtClean="0">
                           <a:solidFill>
                             <a:schemeClr val="tx1"/>
                           </a:solidFill>
@@ -11538,7 +11538,7 @@
                         </a:rPr>
                         <a:t>每日费用</a:t>
                       </a:r>
-                      <a:endParaRPr lang="en-US" altLang="zh-CN" sz="1200" b="1" kern="1200" dirty="0" smtClean="0">
+                      <a:endParaRPr lang="en-US" altLang="zh-CN" sz="1000" b="1" kern="1200" dirty="0" smtClean="0">
                         <a:solidFill>
                           <a:schemeClr val="tx1"/>
                         </a:solidFill>
@@ -11572,12 +11572,12 @@
                         <a:buNone/>
                       </a:pPr>
                       <a:r>
-                        <a:rPr lang="en-US" altLang="zh-CN" sz="1200" b="0" dirty="0" smtClean="0">
+                        <a:rPr lang="en-US" altLang="zh-CN" sz="1000" b="0" baseline="0" dirty="0" smtClean="0">
                           <a:solidFill>
                             <a:schemeClr val="tx1"/>
                           </a:solidFill>
-                          <a:latin typeface="+mn-lt"/>
-                          <a:ea typeface="+mn-ea"/>
+                          <a:latin typeface="Bentley Light" panose="020B0404020201020102"/>
+                          <a:ea typeface="黑体" panose="02010609060101010101" pitchFamily="49" charset="-122"/>
                           <a:cs typeface="+mn-ea"/>
                           <a:sym typeface="+mn-lt"/>
                         </a:rPr>
@@ -11590,23 +11590,23 @@
                         <a:buNone/>
                       </a:pPr>
                       <a:r>
-                        <a:rPr lang="zh-CN" altLang="en-US" sz="1200" b="0" dirty="0" smtClean="0">
+                        <a:rPr lang="zh-CN" altLang="en-US" sz="1000" b="0" baseline="0" dirty="0" smtClean="0">
                           <a:solidFill>
                             <a:schemeClr val="tx1"/>
                           </a:solidFill>
-                          <a:latin typeface="+mn-lt"/>
-                          <a:ea typeface="+mn-ea"/>
+                          <a:latin typeface="Bentley Light" panose="020B0404020201020102"/>
+                          <a:ea typeface="黑体" panose="02010609060101010101" pitchFamily="49" charset="-122"/>
                           <a:cs typeface="+mn-ea"/>
                           <a:sym typeface="+mn-lt"/>
                         </a:rPr>
                         <a:t>百度关键词购买</a:t>
                       </a:r>
-                      <a:endParaRPr lang="en-US" altLang="zh-CN" sz="1200" b="0" dirty="0" smtClean="0">
+                      <a:endParaRPr lang="en-US" altLang="zh-CN" sz="1000" b="0" baseline="0" dirty="0" smtClean="0">
                         <a:solidFill>
                           <a:schemeClr val="tx1"/>
                         </a:solidFill>
-                        <a:latin typeface="+mn-lt"/>
-                        <a:ea typeface="+mn-ea"/>
+                        <a:latin typeface="Bentley Light" panose="020B0404020201020102"/>
+                        <a:ea typeface="黑体" panose="02010609060101010101" pitchFamily="49" charset="-122"/>
                         <a:cs typeface="+mn-ea"/>
                         <a:sym typeface="+mn-lt"/>
                       </a:endParaRPr>
@@ -11625,12 +11625,12 @@
                         <a:buFontTx/>
                         <a:buNone/>
                       </a:pPr>
-                      <a:endParaRPr lang="en-US" altLang="zh-CN" sz="1200" b="0" dirty="0" smtClean="0">
+                      <a:endParaRPr lang="en-US" altLang="zh-CN" sz="1000" b="0" baseline="0" dirty="0" smtClean="0">
                         <a:solidFill>
                           <a:schemeClr val="tx1"/>
                         </a:solidFill>
-                        <a:latin typeface="+mn-lt"/>
-                        <a:ea typeface="+mn-ea"/>
+                        <a:latin typeface="Bentley Light" panose="020B0404020201020102"/>
+                        <a:ea typeface="黑体" panose="02010609060101010101" pitchFamily="49" charset="-122"/>
                         <a:cs typeface="+mn-ea"/>
                         <a:sym typeface="+mn-lt"/>
                       </a:endParaRPr>
@@ -11651,12 +11651,12 @@
                         <a:buFontTx/>
                         <a:buNone/>
                       </a:pPr>
-                      <a:endParaRPr lang="en-US" altLang="zh-CN" sz="1200" b="0" dirty="0" smtClean="0">
+                      <a:endParaRPr lang="en-US" altLang="zh-CN" sz="1000" b="0" baseline="0" dirty="0" smtClean="0">
                         <a:solidFill>
                           <a:schemeClr val="tx1"/>
                         </a:solidFill>
-                        <a:latin typeface="+mn-lt"/>
-                        <a:ea typeface="+mn-ea"/>
+                        <a:latin typeface="Bentley Light" panose="020B0404020201020102"/>
+                        <a:ea typeface="黑体" panose="02010609060101010101" pitchFamily="49" charset="-122"/>
                         <a:cs typeface="+mn-ea"/>
                         <a:sym typeface="+mn-lt"/>
                       </a:endParaRPr>
@@ -11690,12 +11690,12 @@
                         <a:tabLst/>
                         <a:defRPr/>
                       </a:pPr>
-                      <a:endParaRPr lang="zh-CN" altLang="en-US" sz="1200" b="0" kern="1200" dirty="0" smtClean="0">
+                      <a:endParaRPr lang="zh-CN" altLang="en-US" sz="1000" b="0" kern="1200" baseline="0" dirty="0" smtClean="0">
                         <a:solidFill>
                           <a:schemeClr val="tx1"/>
                         </a:solidFill>
-                        <a:latin typeface="+mn-lt"/>
-                        <a:ea typeface="+mn-ea"/>
+                        <a:latin typeface="Bentley Light" panose="020B0404020201020102"/>
+                        <a:ea typeface="黑体" panose="02010609060101010101" pitchFamily="49" charset="-122"/>
                         <a:cs typeface="+mn-ea"/>
                         <a:sym typeface="+mn-lt"/>
                       </a:endParaRPr>
@@ -11729,12 +11729,12 @@
                         <a:tabLst/>
                         <a:defRPr/>
                       </a:pPr>
-                      <a:endParaRPr lang="zh-CN" altLang="en-US" sz="1200" b="0" kern="1200" dirty="0" smtClean="0">
+                      <a:endParaRPr lang="zh-CN" altLang="en-US" sz="1000" b="0" kern="1200" baseline="0" dirty="0" smtClean="0">
                         <a:solidFill>
                           <a:schemeClr val="tx1"/>
                         </a:solidFill>
-                        <a:latin typeface="+mn-lt"/>
-                        <a:ea typeface="+mn-ea"/>
+                        <a:latin typeface="Bentley Light" panose="020B0404020201020102"/>
+                        <a:ea typeface="黑体" panose="02010609060101010101" pitchFamily="49" charset="-122"/>
                         <a:cs typeface="+mn-ea"/>
                         <a:sym typeface="+mn-lt"/>
                       </a:endParaRPr>
@@ -11755,12 +11755,12 @@
                         <a:buFontTx/>
                         <a:buNone/>
                       </a:pPr>
-                      <a:endParaRPr lang="zh-CN" altLang="en-US" sz="1200" b="0" kern="1200" dirty="0" smtClean="0">
+                      <a:endParaRPr lang="zh-CN" altLang="en-US" sz="1000" b="0" kern="1200" baseline="0" dirty="0" smtClean="0">
                         <a:solidFill>
                           <a:schemeClr val="tx1"/>
                         </a:solidFill>
-                        <a:latin typeface="+mn-lt"/>
-                        <a:ea typeface="+mn-ea"/>
+                        <a:latin typeface="Bentley Light" panose="020B0404020201020102"/>
+                        <a:ea typeface="黑体" panose="02010609060101010101" pitchFamily="49" charset="-122"/>
                         <a:cs typeface="+mn-ea"/>
                         <a:sym typeface="+mn-lt"/>
                       </a:endParaRPr>
@@ -11781,12 +11781,12 @@
                         <a:buFontTx/>
                         <a:buNone/>
                       </a:pPr>
-                      <a:endParaRPr lang="en-US" altLang="zh-CN" sz="1200" b="0" dirty="0" smtClean="0">
+                      <a:endParaRPr lang="en-US" altLang="zh-CN" sz="1000" b="0" baseline="0" dirty="0" smtClean="0">
                         <a:solidFill>
                           <a:schemeClr val="tx1"/>
                         </a:solidFill>
-                        <a:latin typeface="+mn-lt"/>
-                        <a:ea typeface="+mn-ea"/>
+                        <a:latin typeface="Bentley Light" panose="020B0404020201020102"/>
+                        <a:ea typeface="黑体" panose="02010609060101010101" pitchFamily="49" charset="-122"/>
                         <a:cs typeface="+mn-ea"/>
                         <a:sym typeface="+mn-lt"/>
                       </a:endParaRPr>
@@ -11828,12 +11828,12 @@
                         <a:defRPr/>
                       </a:pPr>
                       <a:r>
-                        <a:rPr lang="en-US" altLang="zh-CN" sz="1200" b="0" dirty="0" smtClean="0">
+                        <a:rPr lang="en-US" altLang="zh-CN" sz="1000" b="0" baseline="0" dirty="0" smtClean="0">
                           <a:solidFill>
                             <a:schemeClr val="tx1"/>
                           </a:solidFill>
-                          <a:latin typeface="+mn-lt"/>
-                          <a:ea typeface="+mn-ea"/>
+                          <a:latin typeface="Bentley Light" panose="020B0404020201020102"/>
+                          <a:ea typeface="黑体" panose="02010609060101010101" pitchFamily="49" charset="-122"/>
                           <a:cs typeface="+mn-ea"/>
                           <a:sym typeface="+mn-lt"/>
                         </a:rPr>
@@ -11859,12 +11859,12 @@
                         <a:defRPr/>
                       </a:pPr>
                       <a:r>
-                        <a:rPr lang="zh-CN" altLang="en-US" sz="1200" b="0" dirty="0" smtClean="0">
+                        <a:rPr lang="zh-CN" altLang="en-US" sz="1000" b="0" baseline="0" dirty="0" smtClean="0">
                           <a:solidFill>
                             <a:schemeClr val="tx1"/>
                           </a:solidFill>
-                          <a:latin typeface="+mn-lt"/>
-                          <a:ea typeface="+mn-ea"/>
+                          <a:latin typeface="Bentley Light" panose="020B0404020201020102"/>
+                          <a:ea typeface="黑体" panose="02010609060101010101" pitchFamily="49" charset="-122"/>
                           <a:cs typeface="+mn-ea"/>
                           <a:sym typeface="+mn-lt"/>
                         </a:rPr>
@@ -11885,12 +11885,12 @@
                         <a:buFontTx/>
                         <a:buNone/>
                       </a:pPr>
-                      <a:endParaRPr lang="en-US" altLang="zh-CN" sz="1200" b="0" dirty="0" smtClean="0">
+                      <a:endParaRPr lang="en-US" altLang="zh-CN" sz="1000" b="0" baseline="0" dirty="0" smtClean="0">
                         <a:solidFill>
                           <a:schemeClr val="tx1"/>
                         </a:solidFill>
-                        <a:latin typeface="+mn-lt"/>
-                        <a:ea typeface="+mn-ea"/>
+                        <a:latin typeface="Bentley Light" panose="020B0404020201020102"/>
+                        <a:ea typeface="黑体" panose="02010609060101010101" pitchFamily="49" charset="-122"/>
                         <a:cs typeface="+mn-ea"/>
                         <a:sym typeface="+mn-lt"/>
                       </a:endParaRPr>
@@ -11924,7 +11924,7 @@
                         <a:tabLst/>
                         <a:defRPr/>
                       </a:pPr>
-                      <a:endParaRPr kumimoji="0" lang="en-US" altLang="zh-CN" sz="1200" b="0" i="0" u="none" strike="noStrike" kern="1200" cap="none" spc="0" normalizeH="0" baseline="0" noProof="0" dirty="0" smtClean="0">
+                      <a:endParaRPr kumimoji="0" lang="en-US" altLang="zh-CN" sz="1000" b="0" i="0" u="none" strike="noStrike" kern="1200" cap="none" spc="0" normalizeH="0" baseline="0" noProof="0" dirty="0" smtClean="0">
                         <a:ln>
                           <a:noFill/>
                         </a:ln>
@@ -11934,8 +11934,8 @@
                         <a:effectLst/>
                         <a:uLnTx/>
                         <a:uFillTx/>
-                        <a:latin typeface="+mn-lt"/>
-                        <a:ea typeface="+mn-ea"/>
+                        <a:latin typeface="Bentley Light" panose="020B0404020201020102"/>
+                        <a:ea typeface="黑体" panose="02010609060101010101" pitchFamily="49" charset="-122"/>
                         <a:cs typeface="+mn-ea"/>
                         <a:sym typeface="+mn-lt"/>
                       </a:endParaRPr>
@@ -11969,12 +11969,12 @@
                         <a:tabLst/>
                         <a:defRPr/>
                       </a:pPr>
-                      <a:endParaRPr lang="zh-CN" altLang="en-US" sz="1200" b="0" kern="1200" dirty="0" smtClean="0">
+                      <a:endParaRPr lang="zh-CN" altLang="en-US" sz="1000" b="0" kern="1200" baseline="0" dirty="0" smtClean="0">
                         <a:solidFill>
                           <a:schemeClr val="tx1"/>
                         </a:solidFill>
-                        <a:latin typeface="+mn-lt"/>
-                        <a:ea typeface="+mn-ea"/>
+                        <a:latin typeface="Bentley Light" panose="020B0404020201020102"/>
+                        <a:ea typeface="黑体" panose="02010609060101010101" pitchFamily="49" charset="-122"/>
                         <a:cs typeface="+mn-ea"/>
                         <a:sym typeface="+mn-lt"/>
                       </a:endParaRPr>
@@ -12008,12 +12008,12 @@
                         <a:tabLst/>
                         <a:defRPr/>
                       </a:pPr>
-                      <a:endParaRPr lang="zh-CN" altLang="en-US" sz="1200" b="0" kern="1200" dirty="0" smtClean="0">
+                      <a:endParaRPr lang="zh-CN" altLang="en-US" sz="1000" b="0" kern="1200" baseline="0" dirty="0" smtClean="0">
                         <a:solidFill>
                           <a:schemeClr val="tx1"/>
                         </a:solidFill>
-                        <a:latin typeface="+mn-lt"/>
-                        <a:ea typeface="+mn-ea"/>
+                        <a:latin typeface="Bentley Light" panose="020B0404020201020102"/>
+                        <a:ea typeface="黑体" panose="02010609060101010101" pitchFamily="49" charset="-122"/>
                         <a:cs typeface="+mn-ea"/>
                         <a:sym typeface="+mn-lt"/>
                       </a:endParaRPr>
@@ -12047,12 +12047,12 @@
                         <a:tabLst/>
                         <a:defRPr/>
                       </a:pPr>
-                      <a:endParaRPr lang="en-US" altLang="zh-CN" sz="1200" b="0" kern="1200" dirty="0" smtClean="0">
+                      <a:endParaRPr lang="en-US" altLang="zh-CN" sz="1000" b="0" kern="1200" baseline="0" dirty="0" smtClean="0">
                         <a:solidFill>
                           <a:schemeClr val="tx1"/>
                         </a:solidFill>
-                        <a:latin typeface="+mn-lt"/>
-                        <a:ea typeface="+mn-ea"/>
+                        <a:latin typeface="Bentley Light" panose="020B0404020201020102"/>
+                        <a:ea typeface="黑体" panose="02010609060101010101" pitchFamily="49" charset="-122"/>
                         <a:cs typeface="+mn-ea"/>
                         <a:sym typeface="+mn-lt"/>
                       </a:endParaRPr>
@@ -12073,12 +12073,12 @@
                         <a:buFontTx/>
                         <a:buNone/>
                       </a:pPr>
-                      <a:endParaRPr lang="en-US" altLang="zh-CN" sz="1200" b="0" dirty="0" smtClean="0">
+                      <a:endParaRPr lang="en-US" altLang="zh-CN" sz="1000" b="0" baseline="0" dirty="0" smtClean="0">
                         <a:solidFill>
                           <a:schemeClr val="tx1"/>
                         </a:solidFill>
-                        <a:latin typeface="+mn-lt"/>
-                        <a:ea typeface="+mn-ea"/>
+                        <a:latin typeface="Bentley Light" panose="020B0404020201020102"/>
+                        <a:ea typeface="黑体" panose="02010609060101010101" pitchFamily="49" charset="-122"/>
                         <a:cs typeface="+mn-ea"/>
                         <a:sym typeface="+mn-lt"/>
                       </a:endParaRPr>
@@ -12120,12 +12120,12 @@
                         <a:defRPr/>
                       </a:pPr>
                       <a:r>
-                        <a:rPr lang="en-US" altLang="zh-CN" sz="1200" b="0" dirty="0" smtClean="0">
+                        <a:rPr lang="en-US" altLang="zh-CN" sz="1000" b="0" baseline="0" dirty="0" smtClean="0">
                           <a:solidFill>
                             <a:schemeClr val="tx1"/>
                           </a:solidFill>
-                          <a:latin typeface="+mn-lt"/>
-                          <a:ea typeface="+mn-ea"/>
+                          <a:latin typeface="Bentley Light" panose="020B0404020201020102"/>
+                          <a:ea typeface="黑体" panose="02010609060101010101" pitchFamily="49" charset="-122"/>
                           <a:cs typeface="+mn-ea"/>
                           <a:sym typeface="+mn-lt"/>
                         </a:rPr>
@@ -12151,23 +12151,23 @@
                         <a:defRPr/>
                       </a:pPr>
                       <a:r>
-                        <a:rPr lang="zh-CN" altLang="en-US" sz="1200" b="0" dirty="0" smtClean="0">
+                        <a:rPr lang="zh-CN" altLang="en-US" sz="1000" b="0" baseline="0" dirty="0" smtClean="0">
                           <a:solidFill>
                             <a:schemeClr val="tx1"/>
                           </a:solidFill>
-                          <a:latin typeface="+mn-lt"/>
-                          <a:ea typeface="+mn-ea"/>
+                          <a:latin typeface="Bentley Light" panose="020B0404020201020102"/>
+                          <a:ea typeface="黑体" panose="02010609060101010101" pitchFamily="49" charset="-122"/>
                           <a:cs typeface="+mn-ea"/>
                           <a:sym typeface="+mn-lt"/>
                         </a:rPr>
                         <a:t>媒介购买</a:t>
                       </a:r>
-                      <a:endParaRPr lang="en-US" altLang="zh-CN" sz="1200" b="0" dirty="0" smtClean="0">
+                      <a:endParaRPr lang="en-US" altLang="zh-CN" sz="1000" b="0" baseline="0" dirty="0" smtClean="0">
                         <a:solidFill>
                           <a:schemeClr val="tx1"/>
                         </a:solidFill>
-                        <a:latin typeface="+mn-lt"/>
-                        <a:ea typeface="+mn-ea"/>
+                        <a:latin typeface="Bentley Light" panose="020B0404020201020102"/>
+                        <a:ea typeface="黑体" panose="02010609060101010101" pitchFamily="49" charset="-122"/>
                         <a:cs typeface="+mn-ea"/>
                         <a:sym typeface="+mn-lt"/>
                       </a:endParaRPr>
@@ -12199,12 +12199,12 @@
                         <a:tabLst/>
                         <a:defRPr/>
                       </a:pPr>
-                      <a:endParaRPr lang="en-US" altLang="zh-CN" sz="1200" b="0" dirty="0" smtClean="0">
+                      <a:endParaRPr lang="en-US" altLang="zh-CN" sz="1000" b="0" baseline="0" dirty="0" smtClean="0">
                         <a:solidFill>
                           <a:schemeClr val="tx1"/>
                         </a:solidFill>
-                        <a:latin typeface="+mn-lt"/>
-                        <a:ea typeface="+mn-ea"/>
+                        <a:latin typeface="Bentley Light" panose="020B0404020201020102"/>
+                        <a:ea typeface="黑体" panose="02010609060101010101" pitchFamily="49" charset="-122"/>
                         <a:cs typeface="+mn-ea"/>
                         <a:sym typeface="+mn-lt"/>
                       </a:endParaRPr>
@@ -12238,7 +12238,7 @@
                         <a:tabLst/>
                         <a:defRPr/>
                       </a:pPr>
-                      <a:endParaRPr kumimoji="0" lang="en-US" altLang="zh-CN" sz="1200" b="0" i="0" u="none" strike="noStrike" kern="1200" cap="none" spc="0" normalizeH="0" baseline="0" noProof="0" dirty="0" smtClean="0">
+                      <a:endParaRPr kumimoji="0" lang="en-US" altLang="zh-CN" sz="1000" b="0" i="0" u="none" strike="noStrike" kern="1200" cap="none" spc="0" normalizeH="0" baseline="0" noProof="0" dirty="0" smtClean="0">
                         <a:ln>
                           <a:noFill/>
                         </a:ln>
@@ -12248,8 +12248,8 @@
                         <a:effectLst/>
                         <a:uLnTx/>
                         <a:uFillTx/>
-                        <a:latin typeface="+mn-lt"/>
-                        <a:ea typeface="+mn-ea"/>
+                        <a:latin typeface="Bentley Light" panose="020B0404020201020102"/>
+                        <a:ea typeface="黑体" panose="02010609060101010101" pitchFamily="49" charset="-122"/>
                         <a:cs typeface="+mn-ea"/>
                         <a:sym typeface="+mn-lt"/>
                       </a:endParaRPr>
@@ -12283,12 +12283,12 @@
                         <a:tabLst/>
                         <a:defRPr/>
                       </a:pPr>
-                      <a:endParaRPr lang="zh-CN" altLang="en-US" sz="1200" b="0" kern="1200" dirty="0" smtClean="0">
+                      <a:endParaRPr lang="zh-CN" altLang="en-US" sz="1000" b="0" kern="1200" baseline="0" dirty="0" smtClean="0">
                         <a:solidFill>
                           <a:schemeClr val="tx1"/>
                         </a:solidFill>
-                        <a:latin typeface="+mn-lt"/>
-                        <a:ea typeface="+mn-ea"/>
+                        <a:latin typeface="Bentley Light" panose="020B0404020201020102"/>
+                        <a:ea typeface="黑体" panose="02010609060101010101" pitchFamily="49" charset="-122"/>
                         <a:cs typeface="+mn-ea"/>
                         <a:sym typeface="+mn-lt"/>
                       </a:endParaRPr>
@@ -12322,12 +12322,12 @@
                         <a:tabLst/>
                         <a:defRPr/>
                       </a:pPr>
-                      <a:endParaRPr lang="zh-CN" altLang="en-US" sz="1200" b="0" kern="1200" dirty="0" smtClean="0">
+                      <a:endParaRPr lang="zh-CN" altLang="en-US" sz="1000" b="0" kern="1200" baseline="0" dirty="0" smtClean="0">
                         <a:solidFill>
                           <a:schemeClr val="tx1"/>
                         </a:solidFill>
-                        <a:latin typeface="+mn-lt"/>
-                        <a:ea typeface="+mn-ea"/>
+                        <a:latin typeface="Bentley Light" panose="020B0404020201020102"/>
+                        <a:ea typeface="黑体" panose="02010609060101010101" pitchFamily="49" charset="-122"/>
                         <a:cs typeface="+mn-ea"/>
                         <a:sym typeface="+mn-lt"/>
                       </a:endParaRPr>
@@ -12361,12 +12361,12 @@
                         <a:tabLst/>
                         <a:defRPr/>
                       </a:pPr>
-                      <a:endParaRPr lang="en-US" altLang="zh-CN" sz="1200" b="0" kern="1200" dirty="0" smtClean="0">
+                      <a:endParaRPr lang="en-US" altLang="zh-CN" sz="1000" b="0" kern="1200" baseline="0" dirty="0" smtClean="0">
                         <a:solidFill>
                           <a:schemeClr val="tx1"/>
                         </a:solidFill>
-                        <a:latin typeface="+mn-lt"/>
-                        <a:ea typeface="+mn-ea"/>
+                        <a:latin typeface="Bentley Light" panose="020B0404020201020102"/>
+                        <a:ea typeface="黑体" panose="02010609060101010101" pitchFamily="49" charset="-122"/>
                         <a:cs typeface="+mn-ea"/>
                         <a:sym typeface="+mn-lt"/>
                       </a:endParaRPr>
@@ -12400,12 +12400,12 @@
                         <a:tabLst/>
                         <a:defRPr/>
                       </a:pPr>
-                      <a:endParaRPr lang="en-US" altLang="zh-CN" sz="1200" b="0" dirty="0" smtClean="0">
+                      <a:endParaRPr lang="en-US" altLang="zh-CN" sz="1000" b="0" baseline="0" dirty="0" smtClean="0">
                         <a:solidFill>
                           <a:schemeClr val="tx1"/>
                         </a:solidFill>
-                        <a:latin typeface="+mn-lt"/>
-                        <a:ea typeface="+mn-ea"/>
+                        <a:latin typeface="Bentley Light" panose="020B0404020201020102"/>
+                        <a:ea typeface="黑体" panose="02010609060101010101" pitchFamily="49" charset="-122"/>
                         <a:cs typeface="+mn-ea"/>
                         <a:sym typeface="+mn-lt"/>
                       </a:endParaRPr>
@@ -12655,7 +12655,7 @@
         <p:spPr>
           <a:xfrm>
             <a:off x="538850" y="1123920"/>
-            <a:ext cx="5468560" cy="523220"/>
+            <a:ext cx="5468560" cy="400110"/>
           </a:xfrm>
           <a:prstGeom prst="rect">
             <a:avLst/>
@@ -12682,7 +12682,7 @@
               <a:buSzPct val="100000"/>
             </a:pPr>
             <a:r>
-              <a:rPr lang="en-US" altLang="zh-CN" sz="1400" b="1" dirty="0">
+              <a:rPr lang="en-US" altLang="zh-CN" sz="1000" b="1" dirty="0">
                 <a:solidFill>
                   <a:srgbClr val="FFFFFF"/>
                 </a:solidFill>
@@ -12692,7 +12692,7 @@
               <a:t>Platform Screen </a:t>
             </a:r>
             <a:r>
-              <a:rPr lang="en-US" altLang="zh-CN" sz="1400" b="1" dirty="0" smtClean="0">
+              <a:rPr lang="en-US" altLang="zh-CN" sz="1000" b="1" dirty="0" smtClean="0">
                 <a:solidFill>
                   <a:srgbClr val="FFFFFF"/>
                 </a:solidFill>
@@ -12713,7 +12713,7 @@
               <a:buSzPct val="100000"/>
             </a:pPr>
             <a:r>
-              <a:rPr lang="zh-CN" altLang="en-US" sz="1400" b="1" dirty="0">
+              <a:rPr lang="zh-CN" altLang="en-US" sz="1000" b="1" dirty="0">
                 <a:solidFill>
                   <a:srgbClr val="FFFFFF"/>
                 </a:solidFill>
@@ -12723,7 +12723,7 @@
               <a:t>媒体平台截</a:t>
             </a:r>
             <a:r>
-              <a:rPr lang="zh-CN" altLang="en-US" sz="1400" b="1" dirty="0" smtClean="0">
+              <a:rPr lang="zh-CN" altLang="en-US" sz="1000" b="1" dirty="0" smtClean="0">
                 <a:solidFill>
                   <a:srgbClr val="FFFFFF"/>
                 </a:solidFill>
@@ -12732,7 +12732,7 @@
               </a:rPr>
               <a:t>图</a:t>
             </a:r>
-            <a:endParaRPr lang="zh-CN" altLang="en-US" sz="1400" b="1" dirty="0">
+            <a:endParaRPr lang="zh-CN" altLang="en-US" sz="1000" b="1" dirty="0">
               <a:solidFill>
                 <a:srgbClr val="FFFFFF"/>
               </a:solidFill>
@@ -12867,7 +12867,7 @@
         <p:spPr>
           <a:xfrm>
             <a:off x="6151512" y="1123920"/>
-            <a:ext cx="5468560" cy="530658"/>
+            <a:ext cx="5468560" cy="400110"/>
           </a:xfrm>
           <a:prstGeom prst="rect">
             <a:avLst/>
@@ -12894,7 +12894,7 @@
               <a:buSzPct val="100000"/>
             </a:pPr>
             <a:r>
-              <a:rPr lang="en-US" altLang="zh-CN" sz="1400" b="1" dirty="0">
+              <a:rPr lang="en-US" altLang="zh-CN" sz="1000" b="1" dirty="0">
                 <a:solidFill>
                   <a:srgbClr val="FFFFFF"/>
                 </a:solidFill>
@@ -12904,7 +12904,7 @@
               <a:t>Platform basic information: introduction / why </a:t>
             </a:r>
             <a:r>
-              <a:rPr lang="en-US" altLang="zh-CN" sz="1400" b="1" dirty="0" smtClean="0">
+              <a:rPr lang="en-US" altLang="zh-CN" sz="1000" b="1" dirty="0" smtClean="0">
                 <a:solidFill>
                   <a:srgbClr val="FFFFFF"/>
                 </a:solidFill>
@@ -12925,7 +12925,7 @@
               <a:buSzPct val="100000"/>
             </a:pPr>
             <a:r>
-              <a:rPr lang="zh-CN" altLang="en-US" sz="1400" b="1" dirty="0" smtClean="0">
+              <a:rPr lang="zh-CN" altLang="en-US" sz="1000" b="1" dirty="0" smtClean="0">
                 <a:solidFill>
                   <a:srgbClr val="FFFFFF"/>
                 </a:solidFill>
@@ -12935,7 +12935,7 @@
               <a:t>媒体平台选择</a:t>
             </a:r>
             <a:r>
-              <a:rPr lang="zh-CN" altLang="en-US" sz="1400" b="1" dirty="0">
+              <a:rPr lang="zh-CN" altLang="en-US" sz="1000" b="1" dirty="0">
                 <a:solidFill>
                   <a:srgbClr val="FFFFFF"/>
                 </a:solidFill>
@@ -13270,7 +13270,7 @@
         <p:spPr>
           <a:xfrm>
             <a:off x="538849" y="1123920"/>
-            <a:ext cx="11065775" cy="523220"/>
+            <a:ext cx="11065775" cy="400110"/>
           </a:xfrm>
           <a:prstGeom prst="rect">
             <a:avLst/>
@@ -13297,7 +13297,7 @@
               <a:buSzPct val="100000"/>
             </a:pPr>
             <a:r>
-              <a:rPr lang="en-US" altLang="zh-CN" sz="1400" b="1" dirty="0">
+              <a:rPr lang="en-US" altLang="zh-CN" sz="1000" b="1" dirty="0">
                 <a:solidFill>
                   <a:srgbClr val="FFFFFF"/>
                 </a:solidFill>
@@ -13307,7 +13307,7 @@
               <a:t>Brand exposure form (reference / demo</a:t>
             </a:r>
             <a:r>
-              <a:rPr lang="en-US" altLang="zh-CN" sz="1400" b="1" dirty="0" smtClean="0">
+              <a:rPr lang="en-US" altLang="zh-CN" sz="1000" b="1" dirty="0" smtClean="0">
                 <a:solidFill>
                   <a:srgbClr val="FFFFFF"/>
                 </a:solidFill>
@@ -13328,7 +13328,7 @@
               <a:buSzPct val="100000"/>
             </a:pPr>
             <a:r>
-              <a:rPr lang="zh-CN" altLang="en-US" sz="1400" b="1" dirty="0">
+              <a:rPr lang="zh-CN" altLang="en-US" sz="1000" b="1" dirty="0">
                 <a:solidFill>
                   <a:srgbClr val="FFFFFF"/>
                 </a:solidFill>
@@ -13632,7 +13632,7 @@
           <a:graphicData uri="http://schemas.openxmlformats.org/presentationml/2006/ole">
             <mc:AlternateContent xmlns:mc="http://schemas.openxmlformats.org/markup-compatibility/2006">
               <mc:Choice xmlns:v="urn:schemas-microsoft-com:vml" Requires="v">
-                <p:oleObj spid="_x0000_s44070" name="think-cell Slide" r:id="rId5" imgW="416" imgH="416" progId="TCLayout.ActiveDocument.1">
+                <p:oleObj spid="_x0000_s44071" name="think-cell Slide" r:id="rId5" imgW="416" imgH="416" progId="TCLayout.ActiveDocument.1">
                   <p:embed/>
                 </p:oleObj>
               </mc:Choice>
@@ -14285,7 +14285,7 @@
         <p:spPr>
           <a:xfrm>
             <a:off x="538849" y="1123920"/>
-            <a:ext cx="11065775" cy="523220"/>
+            <a:ext cx="11065775" cy="400110"/>
           </a:xfrm>
           <a:prstGeom prst="rect">
             <a:avLst/>
@@ -14312,7 +14312,7 @@
               <a:buSzPct val="100000"/>
             </a:pPr>
             <a:r>
-              <a:rPr lang="en-US" altLang="zh-CN" sz="1400" b="1" dirty="0" smtClean="0">
+              <a:rPr lang="en-US" altLang="zh-CN" sz="1000" b="1" dirty="0" smtClean="0">
                 <a:solidFill>
                   <a:srgbClr val="FFFFFF"/>
                 </a:solidFill>
@@ -14333,7 +14333,7 @@
               <a:buSzPct val="100000"/>
             </a:pPr>
             <a:r>
-              <a:rPr lang="zh-CN" altLang="en-US" sz="1400" b="1" dirty="0" smtClean="0">
+              <a:rPr lang="zh-CN" altLang="en-US" sz="1000" b="1" dirty="0" smtClean="0">
                 <a:solidFill>
                   <a:srgbClr val="FFFFFF"/>
                 </a:solidFill>
@@ -14343,7 +14343,7 @@
               <a:t>媒体</a:t>
             </a:r>
             <a:r>
-              <a:rPr lang="zh-CN" altLang="en-US" sz="1400" b="1" dirty="0">
+              <a:rPr lang="zh-CN" altLang="en-US" sz="1000" b="1" dirty="0">
                 <a:solidFill>
                   <a:srgbClr val="FFFFFF"/>
                 </a:solidFill>
@@ -14353,7 +14353,7 @@
               <a:t>投放</a:t>
             </a:r>
             <a:r>
-              <a:rPr lang="zh-CN" altLang="en-US" sz="1400" b="1" dirty="0" smtClean="0">
+              <a:rPr lang="zh-CN" altLang="en-US" sz="1000" b="1" dirty="0" smtClean="0">
                 <a:solidFill>
                   <a:srgbClr val="FFFFFF"/>
                 </a:solidFill>
@@ -14362,7 +14362,7 @@
               </a:rPr>
               <a:t>示例</a:t>
             </a:r>
-            <a:endParaRPr lang="zh-CN" altLang="en-US" sz="1400" b="1" dirty="0">
+            <a:endParaRPr lang="zh-CN" altLang="en-US" sz="1000" b="1" dirty="0">
               <a:solidFill>
                 <a:srgbClr val="FFFFFF"/>
               </a:solidFill>
